--- a/instructor/l11/lec11-pad.pptx
+++ b/instructor/l11/lec11-pad.pptx
@@ -5,29 +5,28 @@
     <p:sldMasterId id="2147483648" r:id="rId1"/>
   </p:sldMasterIdLst>
   <p:notesMasterIdLst>
-    <p:notesMasterId r:id="rId22"/>
+    <p:notesMasterId r:id="rId21"/>
   </p:notesMasterIdLst>
   <p:sldIdLst>
     <p:sldId id="276" r:id="rId2"/>
-    <p:sldId id="260" r:id="rId3"/>
-    <p:sldId id="261" r:id="rId4"/>
-    <p:sldId id="256" r:id="rId5"/>
-    <p:sldId id="258" r:id="rId6"/>
-    <p:sldId id="257" r:id="rId7"/>
-    <p:sldId id="259" r:id="rId8"/>
-    <p:sldId id="262" r:id="rId9"/>
+    <p:sldId id="256" r:id="rId3"/>
+    <p:sldId id="258" r:id="rId4"/>
+    <p:sldId id="257" r:id="rId5"/>
+    <p:sldId id="259" r:id="rId6"/>
+    <p:sldId id="277" r:id="rId7"/>
+    <p:sldId id="262" r:id="rId8"/>
+    <p:sldId id="269" r:id="rId9"/>
     <p:sldId id="268" r:id="rId10"/>
-    <p:sldId id="269" r:id="rId11"/>
-    <p:sldId id="263" r:id="rId12"/>
-    <p:sldId id="275" r:id="rId13"/>
-    <p:sldId id="271" r:id="rId14"/>
-    <p:sldId id="272" r:id="rId15"/>
-    <p:sldId id="270" r:id="rId16"/>
-    <p:sldId id="264" r:id="rId17"/>
-    <p:sldId id="273" r:id="rId18"/>
-    <p:sldId id="265" r:id="rId19"/>
-    <p:sldId id="266" r:id="rId20"/>
-    <p:sldId id="267" r:id="rId21"/>
+    <p:sldId id="263" r:id="rId11"/>
+    <p:sldId id="275" r:id="rId12"/>
+    <p:sldId id="271" r:id="rId13"/>
+    <p:sldId id="272" r:id="rId14"/>
+    <p:sldId id="270" r:id="rId15"/>
+    <p:sldId id="264" r:id="rId16"/>
+    <p:sldId id="273" r:id="rId17"/>
+    <p:sldId id="265" r:id="rId18"/>
+    <p:sldId id="266" r:id="rId19"/>
+    <p:sldId id="267" r:id="rId20"/>
   </p:sldIdLst>
   <p:sldSz cx="12192000" cy="6858000"/>
   <p:notesSz cx="6858000" cy="9144000"/>
@@ -216,7 +215,7 @@
           <a:p>
             <a:fld id="{6ED666FD-ED6D-D74A-8CD4-09B9187274C0}" type="datetimeFigureOut">
               <a:rPr lang="en-US" smtClean="0"/>
-              <a:t>2/15/23</a:t>
+              <a:t>10/18/23</a:t>
             </a:fld>
             <a:endParaRPr lang="en-US"/>
           </a:p>
@@ -548,7 +547,7 @@
           <a:p>
             <a:fld id="{742DD85F-8397-E84D-B4AB-B79C913DC441}" type="slidenum">
               <a:rPr lang="en-US" smtClean="0"/>
-              <a:t>12</a:t>
+              <a:t>11</a:t>
             </a:fld>
             <a:endParaRPr lang="en-US"/>
           </a:p>
@@ -714,7 +713,7 @@
           <a:p>
             <a:fld id="{2FCDDA14-C14C-D844-BA41-5E6102FCF84E}" type="datetimeFigureOut">
               <a:rPr lang="en-US" smtClean="0"/>
-              <a:t>2/15/23</a:t>
+              <a:t>10/18/23</a:t>
             </a:fld>
             <a:endParaRPr lang="en-US"/>
           </a:p>
@@ -912,7 +911,7 @@
           <a:p>
             <a:fld id="{2FCDDA14-C14C-D844-BA41-5E6102FCF84E}" type="datetimeFigureOut">
               <a:rPr lang="en-US" smtClean="0"/>
-              <a:t>2/15/23</a:t>
+              <a:t>10/18/23</a:t>
             </a:fld>
             <a:endParaRPr lang="en-US"/>
           </a:p>
@@ -1120,7 +1119,7 @@
           <a:p>
             <a:fld id="{2FCDDA14-C14C-D844-BA41-5E6102FCF84E}" type="datetimeFigureOut">
               <a:rPr lang="en-US" smtClean="0"/>
-              <a:t>2/15/23</a:t>
+              <a:t>10/18/23</a:t>
             </a:fld>
             <a:endParaRPr lang="en-US"/>
           </a:p>
@@ -1318,7 +1317,7 @@
           <a:p>
             <a:fld id="{2FCDDA14-C14C-D844-BA41-5E6102FCF84E}" type="datetimeFigureOut">
               <a:rPr lang="en-US" smtClean="0"/>
-              <a:t>2/15/23</a:t>
+              <a:t>10/18/23</a:t>
             </a:fld>
             <a:endParaRPr lang="en-US"/>
           </a:p>
@@ -1593,7 +1592,7 @@
           <a:p>
             <a:fld id="{2FCDDA14-C14C-D844-BA41-5E6102FCF84E}" type="datetimeFigureOut">
               <a:rPr lang="en-US" smtClean="0"/>
-              <a:t>2/15/23</a:t>
+              <a:t>10/18/23</a:t>
             </a:fld>
             <a:endParaRPr lang="en-US"/>
           </a:p>
@@ -1858,7 +1857,7 @@
           <a:p>
             <a:fld id="{2FCDDA14-C14C-D844-BA41-5E6102FCF84E}" type="datetimeFigureOut">
               <a:rPr lang="en-US" smtClean="0"/>
-              <a:t>2/15/23</a:t>
+              <a:t>10/18/23</a:t>
             </a:fld>
             <a:endParaRPr lang="en-US"/>
           </a:p>
@@ -2270,7 +2269,7 @@
           <a:p>
             <a:fld id="{2FCDDA14-C14C-D844-BA41-5E6102FCF84E}" type="datetimeFigureOut">
               <a:rPr lang="en-US" smtClean="0"/>
-              <a:t>2/15/23</a:t>
+              <a:t>10/18/23</a:t>
             </a:fld>
             <a:endParaRPr lang="en-US"/>
           </a:p>
@@ -2411,7 +2410,7 @@
           <a:p>
             <a:fld id="{2FCDDA14-C14C-D844-BA41-5E6102FCF84E}" type="datetimeFigureOut">
               <a:rPr lang="en-US" smtClean="0"/>
-              <a:t>2/15/23</a:t>
+              <a:t>10/18/23</a:t>
             </a:fld>
             <a:endParaRPr lang="en-US"/>
           </a:p>
@@ -2524,7 +2523,7 @@
           <a:p>
             <a:fld id="{2FCDDA14-C14C-D844-BA41-5E6102FCF84E}" type="datetimeFigureOut">
               <a:rPr lang="en-US" smtClean="0"/>
-              <a:t>2/15/23</a:t>
+              <a:t>10/18/23</a:t>
             </a:fld>
             <a:endParaRPr lang="en-US"/>
           </a:p>
@@ -2835,7 +2834,7 @@
           <a:p>
             <a:fld id="{2FCDDA14-C14C-D844-BA41-5E6102FCF84E}" type="datetimeFigureOut">
               <a:rPr lang="en-US" smtClean="0"/>
-              <a:t>2/15/23</a:t>
+              <a:t>10/18/23</a:t>
             </a:fld>
             <a:endParaRPr lang="en-US"/>
           </a:p>
@@ -3123,7 +3122,7 @@
           <a:p>
             <a:fld id="{2FCDDA14-C14C-D844-BA41-5E6102FCF84E}" type="datetimeFigureOut">
               <a:rPr lang="en-US" smtClean="0"/>
-              <a:t>2/15/23</a:t>
+              <a:t>10/18/23</a:t>
             </a:fld>
             <a:endParaRPr lang="en-US"/>
           </a:p>
@@ -3364,7 +3363,7 @@
           <a:p>
             <a:fld id="{2FCDDA14-C14C-D844-BA41-5E6102FCF84E}" type="datetimeFigureOut">
               <a:rPr lang="en-US" smtClean="0"/>
-              <a:t>2/15/23</a:t>
+              <a:t>10/18/23</a:t>
             </a:fld>
             <a:endParaRPr lang="en-US"/>
           </a:p>
@@ -3856,46 +3855,6 @@
               <a:t>reasoning about and simplifying code at the model level</a:t>
             </a:r>
           </a:p>
-          <a:p>
-            <a:pPr marL="457200" lvl="1" indent="0">
-              <a:buNone/>
-            </a:pPr>
-            <a:endParaRPr lang="en-US" dirty="0"/>
-          </a:p>
-          <a:p>
-            <a:r>
-              <a:rPr lang="en-US" dirty="0"/>
-              <a:t>Have a good reading week, but</a:t>
-            </a:r>
-          </a:p>
-          <a:p>
-            <a:pPr lvl="1"/>
-            <a:r>
-              <a:rPr lang="en-US" dirty="0"/>
-              <a:t>Don’t slow down now!</a:t>
-            </a:r>
-          </a:p>
-          <a:p>
-            <a:pPr lvl="1"/>
-            <a:r>
-              <a:rPr lang="en-US" dirty="0"/>
-              <a:t>During next week</a:t>
-            </a:r>
-          </a:p>
-          <a:p>
-            <a:pPr lvl="2"/>
-            <a:r>
-              <a:rPr lang="en-US" dirty="0"/>
-              <a:t>spend time practicing modules 4 through 7a</a:t>
-            </a:r>
-          </a:p>
-          <a:p>
-            <a:pPr lvl="2"/>
-            <a:r>
-              <a:rPr lang="en-US" dirty="0"/>
-              <a:t>must be completely comfortable with all that material when we start back</a:t>
-            </a:r>
-          </a:p>
         </p:txBody>
       </p:sp>
     </p:spTree>
@@ -3928,148 +3887,28 @@
           <a:chExt cx="0" cy="0"/>
         </a:xfrm>
       </p:grpSpPr>
-      <p:sp>
-        <p:nvSpPr>
-          <p:cNvPr id="3" name="TextBox 2">
-            <a:extLst>
-              <a:ext uri="{FF2B5EF4-FFF2-40B4-BE49-F238E27FC236}">
-                <a16:creationId xmlns:a16="http://schemas.microsoft.com/office/drawing/2014/main" id="{73C7A347-25BC-E6E0-8A5A-125B16776A46}"/>
-              </a:ext>
-            </a:extLst>
-          </p:cNvPr>
-          <p:cNvSpPr txBox="1"/>
+      <p:cxnSp>
+        <p:nvCxnSpPr>
+          <p:cNvPr id="5" name="Straight Arrow Connector 4">
+            <a:extLst>
+              <a:ext uri="{FF2B5EF4-FFF2-40B4-BE49-F238E27FC236}">
+                <a16:creationId xmlns:a16="http://schemas.microsoft.com/office/drawing/2014/main" id="{6885C042-5293-FE7E-AB01-627F6D5BFCF6}"/>
+              </a:ext>
+            </a:extLst>
+          </p:cNvPr>
+          <p:cNvCxnSpPr/>
           <p:nvPr/>
-        </p:nvSpPr>
+        </p:nvCxnSpPr>
         <p:spPr>
           <a:xfrm>
-            <a:off x="452062" y="1347797"/>
-            <a:ext cx="10695398" cy="3416320"/>
-          </a:xfrm>
-          <a:prstGeom prst="rect">
+            <a:off x="2250040" y="2434975"/>
+            <a:ext cx="0" cy="1541124"/>
+          </a:xfrm>
+          <a:prstGeom prst="straightConnector1">
             <a:avLst/>
           </a:prstGeom>
-          <a:noFill/>
-        </p:spPr>
-        <p:txBody>
-          <a:bodyPr wrap="square">
-            <a:spAutoFit/>
-          </a:bodyPr>
-          <a:lstStyle/>
-          <a:p>
-            <a:r>
-              <a:rPr lang="en-US" dirty="0">
-                <a:latin typeface="Monaco" pitchFamily="2" charset="77"/>
-              </a:rPr>
-              <a:t> </a:t>
-            </a:r>
-          </a:p>
-          <a:p>
-            <a:r>
-              <a:rPr lang="en-US" dirty="0">
-                <a:latin typeface="Monaco" pitchFamily="2" charset="77"/>
-              </a:rPr>
-              <a:t>lst1     lst2          empty         (cons String LOS) </a:t>
-            </a:r>
-          </a:p>
-          <a:p>
-            <a:r>
-              <a:rPr lang="en-US" dirty="0">
-                <a:latin typeface="Monaco" pitchFamily="2" charset="77"/>
-              </a:rPr>
-              <a:t>         </a:t>
-            </a:r>
-          </a:p>
-          <a:p>
-            <a:r>
-              <a:rPr lang="en-US" dirty="0">
-                <a:latin typeface="Monaco" pitchFamily="2" charset="77"/>
-              </a:rPr>
-              <a:t>          </a:t>
-            </a:r>
-          </a:p>
-          <a:p>
-            <a:r>
-              <a:rPr lang="en-US" dirty="0">
-                <a:latin typeface="Monaco" pitchFamily="2" charset="77"/>
-              </a:rPr>
-              <a:t>empty                  true  [1]     true                         [1]</a:t>
-            </a:r>
-          </a:p>
-          <a:p>
-            <a:endParaRPr lang="en-US" dirty="0">
-              <a:latin typeface="Monaco" pitchFamily="2" charset="77"/>
-            </a:endParaRPr>
-          </a:p>
-          <a:p>
-            <a:endParaRPr lang="en-US" dirty="0">
-              <a:latin typeface="Monaco" pitchFamily="2" charset="77"/>
-            </a:endParaRPr>
-          </a:p>
-          <a:p>
-            <a:endParaRPr lang="en-US" dirty="0">
-              <a:latin typeface="Monaco" pitchFamily="2" charset="77"/>
-            </a:endParaRPr>
-          </a:p>
-          <a:p>
-            <a:r>
-              <a:rPr lang="en-US" dirty="0">
-                <a:latin typeface="Monaco" pitchFamily="2" charset="77"/>
-              </a:rPr>
-              <a:t>(cons String           false [2]     (and (string=? (first lst1)  [3] </a:t>
-            </a:r>
-          </a:p>
-          <a:p>
-            <a:r>
-              <a:rPr lang="en-US" dirty="0">
-                <a:latin typeface="Monaco" pitchFamily="2" charset="77"/>
-              </a:rPr>
-              <a:t>      LOS)                                          (first lst2))</a:t>
-            </a:r>
-          </a:p>
-          <a:p>
-            <a:r>
-              <a:rPr lang="en-US" dirty="0">
-                <a:latin typeface="Monaco" pitchFamily="2" charset="77"/>
-              </a:rPr>
-              <a:t>                                          (prefix=? (rest lst1)</a:t>
-            </a:r>
-          </a:p>
-          <a:p>
-            <a:r>
-              <a:rPr lang="en-US" dirty="0">
-                <a:latin typeface="Monaco" pitchFamily="2" charset="77"/>
-              </a:rPr>
-              <a:t>                                                    (rest lst2)))</a:t>
-            </a:r>
-          </a:p>
-        </p:txBody>
-      </p:sp>
-      <p:cxnSp>
-        <p:nvCxnSpPr>
-          <p:cNvPr id="5" name="Straight Connector 4">
-            <a:extLst>
-              <a:ext uri="{FF2B5EF4-FFF2-40B4-BE49-F238E27FC236}">
-                <a16:creationId xmlns:a16="http://schemas.microsoft.com/office/drawing/2014/main" id="{79FA7970-116E-EEAC-5D26-70804C5DE10A}"/>
-              </a:ext>
-            </a:extLst>
-          </p:cNvPr>
-          <p:cNvCxnSpPr>
-            <a:cxnSpLocks/>
-          </p:cNvCxnSpPr>
-          <p:nvPr/>
-        </p:nvCxnSpPr>
-        <p:spPr>
-          <a:xfrm>
-            <a:off x="2815118" y="1592494"/>
-            <a:ext cx="0" cy="3359650"/>
-          </a:xfrm>
-          <a:prstGeom prst="line">
-            <a:avLst/>
-          </a:prstGeom>
-          <a:ln w="19050">
-            <a:solidFill>
-              <a:schemeClr val="tx1"/>
-            </a:solidFill>
+          <a:ln w="28575">
+            <a:tailEnd type="triangle"/>
           </a:ln>
         </p:spPr>
         <p:style>
@@ -4087,141 +3926,12 @@
           </a:fontRef>
         </p:style>
       </p:cxnSp>
-      <p:cxnSp>
-        <p:nvCxnSpPr>
-          <p:cNvPr id="6" name="Straight Connector 5">
-            <a:extLst>
-              <a:ext uri="{FF2B5EF4-FFF2-40B4-BE49-F238E27FC236}">
-                <a16:creationId xmlns:a16="http://schemas.microsoft.com/office/drawing/2014/main" id="{AF8B2517-9C3F-A5C6-4B33-8F641F61F6C4}"/>
-              </a:ext>
-            </a:extLst>
-          </p:cNvPr>
-          <p:cNvCxnSpPr>
-            <a:cxnSpLocks/>
-          </p:cNvCxnSpPr>
-          <p:nvPr/>
-        </p:nvCxnSpPr>
-        <p:spPr>
-          <a:xfrm flipH="1">
-            <a:off x="452062" y="2135312"/>
-            <a:ext cx="9832369" cy="0"/>
-          </a:xfrm>
-          <a:prstGeom prst="line">
-            <a:avLst/>
-          </a:prstGeom>
-          <a:ln w="19050">
-            <a:solidFill>
-              <a:schemeClr val="tx1"/>
-            </a:solidFill>
-          </a:ln>
-        </p:spPr>
-        <p:style>
-          <a:lnRef idx="1">
-            <a:schemeClr val="accent1"/>
-          </a:lnRef>
-          <a:fillRef idx="0">
-            <a:schemeClr val="accent1"/>
-          </a:fillRef>
-          <a:effectRef idx="0">
-            <a:schemeClr val="accent1"/>
-          </a:effectRef>
-          <a:fontRef idx="minor">
-            <a:schemeClr val="tx1"/>
-          </a:fontRef>
-        </p:style>
-      </p:cxnSp>
-      <p:cxnSp>
-        <p:nvCxnSpPr>
-          <p:cNvPr id="9" name="Straight Connector 8">
-            <a:extLst>
-              <a:ext uri="{FF2B5EF4-FFF2-40B4-BE49-F238E27FC236}">
-                <a16:creationId xmlns:a16="http://schemas.microsoft.com/office/drawing/2014/main" id="{F63035BC-C0DF-A808-7A1C-61DA1F2C4A96}"/>
-              </a:ext>
-            </a:extLst>
-          </p:cNvPr>
-          <p:cNvCxnSpPr>
-            <a:cxnSpLocks/>
-          </p:cNvCxnSpPr>
-          <p:nvPr/>
-        </p:nvCxnSpPr>
-        <p:spPr>
-          <a:xfrm flipH="1">
-            <a:off x="2806559" y="3165298"/>
-            <a:ext cx="7087456" cy="0"/>
-          </a:xfrm>
-          <a:prstGeom prst="line">
-            <a:avLst/>
-          </a:prstGeom>
-          <a:ln w="12700">
-            <a:solidFill>
-              <a:schemeClr val="tx1"/>
-            </a:solidFill>
-          </a:ln>
-        </p:spPr>
-        <p:style>
-          <a:lnRef idx="1">
-            <a:schemeClr val="accent1"/>
-          </a:lnRef>
-          <a:fillRef idx="0">
-            <a:schemeClr val="accent1"/>
-          </a:fillRef>
-          <a:effectRef idx="0">
-            <a:schemeClr val="accent1"/>
-          </a:effectRef>
-          <a:fontRef idx="minor">
-            <a:schemeClr val="tx1"/>
-          </a:fontRef>
-        </p:style>
-      </p:cxnSp>
-      <p:cxnSp>
-        <p:nvCxnSpPr>
-          <p:cNvPr id="12" name="Straight Connector 11">
-            <a:extLst>
-              <a:ext uri="{FF2B5EF4-FFF2-40B4-BE49-F238E27FC236}">
-                <a16:creationId xmlns:a16="http://schemas.microsoft.com/office/drawing/2014/main" id="{BB1457E0-83E7-F355-1CDD-649CBCCB2701}"/>
-              </a:ext>
-            </a:extLst>
-          </p:cNvPr>
-          <p:cNvCxnSpPr>
-            <a:cxnSpLocks/>
-          </p:cNvCxnSpPr>
-          <p:nvPr/>
-        </p:nvCxnSpPr>
-        <p:spPr>
-          <a:xfrm>
-            <a:off x="5270643" y="2135312"/>
-            <a:ext cx="0" cy="2816832"/>
-          </a:xfrm>
-          <a:prstGeom prst="line">
-            <a:avLst/>
-          </a:prstGeom>
-          <a:ln w="12700">
-            <a:solidFill>
-              <a:schemeClr val="tx1"/>
-            </a:solidFill>
-          </a:ln>
-        </p:spPr>
-        <p:style>
-          <a:lnRef idx="1">
-            <a:schemeClr val="accent1"/>
-          </a:lnRef>
-          <a:fillRef idx="0">
-            <a:schemeClr val="accent1"/>
-          </a:fillRef>
-          <a:effectRef idx="0">
-            <a:schemeClr val="accent1"/>
-          </a:effectRef>
-          <a:fontRef idx="minor">
-            <a:schemeClr val="tx1"/>
-          </a:fontRef>
-        </p:style>
-      </p:cxnSp>
-      <p:sp>
-        <p:nvSpPr>
-          <p:cNvPr id="2" name="TextBox 1">
-            <a:extLst>
-              <a:ext uri="{FF2B5EF4-FFF2-40B4-BE49-F238E27FC236}">
-                <a16:creationId xmlns:a16="http://schemas.microsoft.com/office/drawing/2014/main" id="{30931B05-8FD8-16F2-CF46-99A66F679B8C}"/>
+      <p:sp>
+        <p:nvSpPr>
+          <p:cNvPr id="4" name="TextBox 3">
+            <a:extLst>
+              <a:ext uri="{FF2B5EF4-FFF2-40B4-BE49-F238E27FC236}">
+                <a16:creationId xmlns:a16="http://schemas.microsoft.com/office/drawing/2014/main" id="{B2067447-308D-E0E1-12A3-2741263F6106}"/>
               </a:ext>
             </a:extLst>
           </p:cNvPr>
@@ -4230,8 +3940,8 @@
         </p:nvSpPr>
         <p:spPr>
           <a:xfrm>
-            <a:off x="10085798" y="173974"/>
-            <a:ext cx="1869897" cy="461665"/>
+            <a:off x="1397284" y="810833"/>
+            <a:ext cx="3441837" cy="1785104"/>
           </a:xfrm>
           <a:prstGeom prst="rect">
             <a:avLst/>
@@ -4239,26 +3949,131 @@
           <a:noFill/>
         </p:spPr>
         <p:txBody>
-          <a:bodyPr wrap="square">
+          <a:bodyPr wrap="square" rtlCol="0">
             <a:spAutoFit/>
           </a:bodyPr>
           <a:lstStyle/>
           <a:p>
-            <a:pPr algn="r"/>
-            <a:r>
-              <a:rPr lang="en-US" sz="2400" dirty="0">
-                <a:latin typeface="Monaco" pitchFamily="2" charset="77"/>
-              </a:rPr>
-              <a:t>prefix=?</a:t>
-            </a:r>
-            <a:endParaRPr lang="en-US" sz="2400" dirty="0"/>
+            <a:r>
+              <a:rPr lang="en-US" sz="3200" dirty="0"/>
+              <a:t>model</a:t>
+            </a:r>
+            <a:endParaRPr lang="en-US" dirty="0"/>
+          </a:p>
+          <a:p>
+            <a:endParaRPr lang="en-US" dirty="0"/>
+          </a:p>
+          <a:p>
+            <a:r>
+              <a:rPr lang="en-US" sz="2000" dirty="0" err="1"/>
+              <a:t>ListOfString</a:t>
+            </a:r>
+            <a:r>
+              <a:rPr lang="en-US" sz="2000" dirty="0"/>
+              <a:t> is one of: &lt;2 cases&gt;</a:t>
+            </a:r>
+          </a:p>
+          <a:p>
+            <a:r>
+              <a:rPr lang="en-US" sz="2000" dirty="0" err="1"/>
+              <a:t>ListOfString</a:t>
+            </a:r>
+            <a:r>
+              <a:rPr lang="en-US" sz="2000" dirty="0"/>
+              <a:t> is one of: &lt;2 cases&gt;</a:t>
+            </a:r>
+          </a:p>
+          <a:p>
+            <a:endParaRPr lang="en-US" sz="2000" dirty="0"/>
+          </a:p>
+        </p:txBody>
+      </p:sp>
+      <p:sp>
+        <p:nvSpPr>
+          <p:cNvPr id="6" name="TextBox 5">
+            <a:extLst>
+              <a:ext uri="{FF2B5EF4-FFF2-40B4-BE49-F238E27FC236}">
+                <a16:creationId xmlns:a16="http://schemas.microsoft.com/office/drawing/2014/main" id="{CF54D3F7-A812-5F77-E6E3-B8365AFB5539}"/>
+              </a:ext>
+            </a:extLst>
+          </p:cNvPr>
+          <p:cNvSpPr txBox="1"/>
+          <p:nvPr/>
+        </p:nvSpPr>
+        <p:spPr>
+          <a:xfrm>
+            <a:off x="1397283" y="4262063"/>
+            <a:ext cx="5959011" cy="1354217"/>
+          </a:xfrm>
+          <a:prstGeom prst="rect">
+            <a:avLst/>
+          </a:prstGeom>
+          <a:noFill/>
+        </p:spPr>
+        <p:txBody>
+          <a:bodyPr wrap="square" rtlCol="0">
+            <a:spAutoFit/>
+          </a:bodyPr>
+          <a:lstStyle/>
+          <a:p>
+            <a:r>
+              <a:rPr lang="en-US" sz="3200" dirty="0"/>
+              <a:t>code</a:t>
+            </a:r>
+            <a:endParaRPr lang="en-US" dirty="0"/>
+          </a:p>
+          <a:p>
+            <a:endParaRPr lang="en-US" dirty="0"/>
+          </a:p>
+          <a:p>
+            <a:r>
+              <a:rPr lang="en-US" sz="1600" dirty="0">
+                <a:latin typeface="Monaco" pitchFamily="2" charset="77"/>
+              </a:rPr>
+              <a:t>(define (</a:t>
+            </a:r>
+            <a:r>
+              <a:rPr lang="en-US" sz="1600" dirty="0" err="1">
+                <a:latin typeface="Monaco" pitchFamily="2" charset="77"/>
+              </a:rPr>
+              <a:t>fn</a:t>
+            </a:r>
+            <a:r>
+              <a:rPr lang="en-US" sz="1600" dirty="0">
+                <a:latin typeface="Monaco" pitchFamily="2" charset="77"/>
+              </a:rPr>
+              <a:t> los1 los2)</a:t>
+            </a:r>
+            <a:br>
+              <a:rPr lang="en-US" sz="1600" dirty="0">
+                <a:latin typeface="Monaco" pitchFamily="2" charset="77"/>
+              </a:rPr>
+            </a:br>
+            <a:r>
+              <a:rPr lang="en-US" sz="1600" dirty="0">
+                <a:latin typeface="Monaco" pitchFamily="2" charset="77"/>
+              </a:rPr>
+              <a:t>  (</a:t>
+            </a:r>
+            <a:r>
+              <a:rPr lang="en-US" sz="1600" dirty="0" err="1">
+                <a:latin typeface="Monaco" pitchFamily="2" charset="77"/>
+              </a:rPr>
+              <a:t>cond</a:t>
+            </a:r>
+            <a:r>
+              <a:rPr lang="en-US" sz="1600" dirty="0">
+                <a:latin typeface="Monaco" pitchFamily="2" charset="77"/>
+              </a:rPr>
+              <a:t> &lt;4 cases&gt;))</a:t>
+            </a:r>
           </a:p>
         </p:txBody>
       </p:sp>
     </p:spTree>
     <p:extLst>
       <p:ext uri="{BB962C8B-B14F-4D97-AF65-F5344CB8AC3E}">
-        <p14:creationId xmlns:p14="http://schemas.microsoft.com/office/powerpoint/2010/main" val="241478004"/>
+        <p14:creationId xmlns:p14="http://schemas.microsoft.com/office/powerpoint/2010/main" val="2168947750"/>
       </p:ext>
     </p:extLst>
   </p:cSld>
@@ -4324,12 +4139,53 @@
           </a:fontRef>
         </p:style>
       </p:cxnSp>
-      <p:sp>
-        <p:nvSpPr>
-          <p:cNvPr id="4" name="TextBox 3">
-            <a:extLst>
-              <a:ext uri="{FF2B5EF4-FFF2-40B4-BE49-F238E27FC236}">
-                <a16:creationId xmlns:a16="http://schemas.microsoft.com/office/drawing/2014/main" id="{B2067447-308D-E0E1-12A3-2741263F6106}"/>
+      <p:cxnSp>
+        <p:nvCxnSpPr>
+          <p:cNvPr id="6" name="Straight Arrow Connector 5">
+            <a:extLst>
+              <a:ext uri="{FF2B5EF4-FFF2-40B4-BE49-F238E27FC236}">
+                <a16:creationId xmlns:a16="http://schemas.microsoft.com/office/drawing/2014/main" id="{50436CBC-8618-37C1-3F6F-018F048599D2}"/>
+              </a:ext>
+            </a:extLst>
+          </p:cNvPr>
+          <p:cNvCxnSpPr>
+            <a:cxnSpLocks/>
+          </p:cNvCxnSpPr>
+          <p:nvPr/>
+        </p:nvCxnSpPr>
+        <p:spPr>
+          <a:xfrm>
+            <a:off x="4500081" y="1477766"/>
+            <a:ext cx="2619910" cy="0"/>
+          </a:xfrm>
+          <a:prstGeom prst="straightConnector1">
+            <a:avLst/>
+          </a:prstGeom>
+          <a:ln w="28575">
+            <a:tailEnd type="triangle"/>
+          </a:ln>
+        </p:spPr>
+        <p:style>
+          <a:lnRef idx="1">
+            <a:schemeClr val="accent1"/>
+          </a:lnRef>
+          <a:fillRef idx="0">
+            <a:schemeClr val="accent1"/>
+          </a:fillRef>
+          <a:effectRef idx="0">
+            <a:schemeClr val="accent1"/>
+          </a:effectRef>
+          <a:fontRef idx="minor">
+            <a:schemeClr val="tx1"/>
+          </a:fontRef>
+        </p:style>
+      </p:cxnSp>
+      <p:sp>
+        <p:nvSpPr>
+          <p:cNvPr id="8" name="TextBox 7">
+            <a:extLst>
+              <a:ext uri="{FF2B5EF4-FFF2-40B4-BE49-F238E27FC236}">
+                <a16:creationId xmlns:a16="http://schemas.microsoft.com/office/drawing/2014/main" id="{B1286E4B-3453-512D-7D69-7CB4965720D1}"/>
               </a:ext>
             </a:extLst>
           </p:cNvPr>
@@ -4338,8 +4194,8 @@
         </p:nvSpPr>
         <p:spPr>
           <a:xfrm>
-            <a:off x="1397284" y="810833"/>
-            <a:ext cx="3441837" cy="1785104"/>
+            <a:off x="7703905" y="892990"/>
+            <a:ext cx="3525744" cy="1138773"/>
           </a:xfrm>
           <a:prstGeom prst="rect">
             <a:avLst/>
@@ -4354,7 +4210,7 @@
           <a:p>
             <a:r>
               <a:rPr lang="en-US" sz="3200" dirty="0"/>
-              <a:t>model</a:t>
+              <a:t>simplified model</a:t>
             </a:r>
             <a:endParaRPr lang="en-US" dirty="0"/>
           </a:p>
@@ -4363,35 +4219,57 @@
           </a:p>
           <a:p>
             <a:r>
-              <a:rPr lang="en-US" sz="2000" dirty="0" err="1"/>
-              <a:t>ListOfString</a:t>
-            </a:r>
-            <a:r>
-              <a:rPr lang="en-US" sz="2000" dirty="0"/>
-              <a:t> is one of: &lt;2 cases&gt;</a:t>
-            </a:r>
-          </a:p>
-          <a:p>
-            <a:r>
-              <a:rPr lang="en-US" sz="2000" dirty="0" err="1"/>
-              <a:t>ListOfString</a:t>
-            </a:r>
-            <a:r>
-              <a:rPr lang="en-US" sz="2000" dirty="0"/>
-              <a:t> is one of: &lt;2 cases&gt;</a:t>
-            </a:r>
-          </a:p>
-          <a:p>
-            <a:endParaRPr lang="en-US" sz="2000" dirty="0"/>
-          </a:p>
-        </p:txBody>
-      </p:sp>
-      <p:sp>
-        <p:nvSpPr>
-          <p:cNvPr id="6" name="TextBox 5">
-            <a:extLst>
-              <a:ext uri="{FF2B5EF4-FFF2-40B4-BE49-F238E27FC236}">
-                <a16:creationId xmlns:a16="http://schemas.microsoft.com/office/drawing/2014/main" id="{CF54D3F7-A812-5F77-E6E3-B8365AFB5539}"/>
+              <a:rPr lang="en-US" dirty="0"/>
+              <a:t>cross product table</a:t>
+            </a:r>
+          </a:p>
+        </p:txBody>
+      </p:sp>
+      <p:cxnSp>
+        <p:nvCxnSpPr>
+          <p:cNvPr id="9" name="Straight Arrow Connector 8">
+            <a:extLst>
+              <a:ext uri="{FF2B5EF4-FFF2-40B4-BE49-F238E27FC236}">
+                <a16:creationId xmlns:a16="http://schemas.microsoft.com/office/drawing/2014/main" id="{756390C4-D396-E4B1-C7E8-CF5D5736CE2C}"/>
+              </a:ext>
+            </a:extLst>
+          </p:cNvPr>
+          <p:cNvCxnSpPr/>
+          <p:nvPr/>
+        </p:nvCxnSpPr>
+        <p:spPr>
+          <a:xfrm>
+            <a:off x="8556660" y="2434975"/>
+            <a:ext cx="0" cy="1541124"/>
+          </a:xfrm>
+          <a:prstGeom prst="straightConnector1">
+            <a:avLst/>
+          </a:prstGeom>
+          <a:ln w="28575">
+            <a:tailEnd type="triangle"/>
+          </a:ln>
+        </p:spPr>
+        <p:style>
+          <a:lnRef idx="1">
+            <a:schemeClr val="accent1"/>
+          </a:lnRef>
+          <a:fillRef idx="0">
+            <a:schemeClr val="accent1"/>
+          </a:fillRef>
+          <a:effectRef idx="0">
+            <a:schemeClr val="accent1"/>
+          </a:effectRef>
+          <a:fontRef idx="minor">
+            <a:schemeClr val="tx1"/>
+          </a:fontRef>
+        </p:style>
+      </p:cxnSp>
+      <p:sp>
+        <p:nvSpPr>
+          <p:cNvPr id="13" name="TextBox 12">
+            <a:extLst>
+              <a:ext uri="{FF2B5EF4-FFF2-40B4-BE49-F238E27FC236}">
+                <a16:creationId xmlns:a16="http://schemas.microsoft.com/office/drawing/2014/main" id="{9D1AAF87-91DC-D27F-CA01-A30E30817AB1}"/>
               </a:ext>
             </a:extLst>
           </p:cNvPr>
@@ -4400,8 +4278,8 @@
         </p:nvSpPr>
         <p:spPr>
           <a:xfrm>
-            <a:off x="1397283" y="4262063"/>
-            <a:ext cx="5959011" cy="1354217"/>
+            <a:off x="7426502" y="4258639"/>
+            <a:ext cx="3597659" cy="1354217"/>
           </a:xfrm>
           <a:prstGeom prst="rect">
             <a:avLst/>
@@ -4416,6 +4294,269 @@
           <a:p>
             <a:r>
               <a:rPr lang="en-US" sz="3200" dirty="0"/>
+              <a:t>simplified code</a:t>
+            </a:r>
+            <a:endParaRPr lang="en-US" dirty="0"/>
+          </a:p>
+          <a:p>
+            <a:endParaRPr lang="en-US" dirty="0"/>
+          </a:p>
+          <a:p>
+            <a:r>
+              <a:rPr lang="en-US" sz="1600" dirty="0">
+                <a:latin typeface="Monaco" pitchFamily="2" charset="77"/>
+              </a:rPr>
+              <a:t>(define (</a:t>
+            </a:r>
+            <a:r>
+              <a:rPr lang="en-US" sz="1600" dirty="0" err="1">
+                <a:latin typeface="Monaco" pitchFamily="2" charset="77"/>
+              </a:rPr>
+              <a:t>fn</a:t>
+            </a:r>
+            <a:r>
+              <a:rPr lang="en-US" sz="1600" dirty="0">
+                <a:latin typeface="Monaco" pitchFamily="2" charset="77"/>
+              </a:rPr>
+              <a:t> los1 los2)</a:t>
+            </a:r>
+            <a:br>
+              <a:rPr lang="en-US" sz="1600" dirty="0">
+                <a:latin typeface="Monaco" pitchFamily="2" charset="77"/>
+              </a:rPr>
+            </a:br>
+            <a:r>
+              <a:rPr lang="en-US" sz="1600" dirty="0">
+                <a:latin typeface="Monaco" pitchFamily="2" charset="77"/>
+              </a:rPr>
+              <a:t>  (</a:t>
+            </a:r>
+            <a:r>
+              <a:rPr lang="en-US" sz="1600" dirty="0" err="1">
+                <a:latin typeface="Monaco" pitchFamily="2" charset="77"/>
+              </a:rPr>
+              <a:t>cond</a:t>
+            </a:r>
+            <a:r>
+              <a:rPr lang="en-US" sz="1600" dirty="0">
+                <a:latin typeface="Monaco" pitchFamily="2" charset="77"/>
+              </a:rPr>
+              <a:t> &lt;3 cases&gt;))</a:t>
+            </a:r>
+          </a:p>
+        </p:txBody>
+      </p:sp>
+      <p:sp>
+        <p:nvSpPr>
+          <p:cNvPr id="14" name="TextBox 13">
+            <a:extLst>
+              <a:ext uri="{FF2B5EF4-FFF2-40B4-BE49-F238E27FC236}">
+                <a16:creationId xmlns:a16="http://schemas.microsoft.com/office/drawing/2014/main" id="{DBE01081-73CF-5C10-1C90-9D1EEA5CC5C0}"/>
+              </a:ext>
+            </a:extLst>
+          </p:cNvPr>
+          <p:cNvSpPr txBox="1"/>
+          <p:nvPr/>
+        </p:nvSpPr>
+        <p:spPr>
+          <a:xfrm>
+            <a:off x="1972639" y="2734086"/>
+            <a:ext cx="1154130" cy="923330"/>
+          </a:xfrm>
+          <a:prstGeom prst="rect">
+            <a:avLst/>
+          </a:prstGeom>
+          <a:noFill/>
+        </p:spPr>
+        <p:txBody>
+          <a:bodyPr wrap="square" rtlCol="0">
+            <a:spAutoFit/>
+          </a:bodyPr>
+          <a:lstStyle/>
+          <a:p>
+            <a:r>
+              <a:rPr lang="en-US" sz="5400" dirty="0">
+                <a:solidFill>
+                  <a:srgbClr val="FF0000"/>
+                </a:solidFill>
+              </a:rPr>
+              <a:t>X</a:t>
+            </a:r>
+          </a:p>
+        </p:txBody>
+      </p:sp>
+      <p:cxnSp>
+        <p:nvCxnSpPr>
+          <p:cNvPr id="15" name="Straight Arrow Connector 14">
+            <a:extLst>
+              <a:ext uri="{FF2B5EF4-FFF2-40B4-BE49-F238E27FC236}">
+                <a16:creationId xmlns:a16="http://schemas.microsoft.com/office/drawing/2014/main" id="{3DCC892C-EF36-A595-411B-B1BD7A713684}"/>
+              </a:ext>
+            </a:extLst>
+          </p:cNvPr>
+          <p:cNvCxnSpPr>
+            <a:cxnSpLocks/>
+          </p:cNvCxnSpPr>
+          <p:nvPr/>
+        </p:nvCxnSpPr>
+        <p:spPr>
+          <a:xfrm>
+            <a:off x="4580562" y="5298040"/>
+            <a:ext cx="2619910" cy="0"/>
+          </a:xfrm>
+          <a:prstGeom prst="straightConnector1">
+            <a:avLst/>
+          </a:prstGeom>
+          <a:ln w="28575">
+            <a:tailEnd type="triangle"/>
+          </a:ln>
+        </p:spPr>
+        <p:style>
+          <a:lnRef idx="1">
+            <a:schemeClr val="accent1"/>
+          </a:lnRef>
+          <a:fillRef idx="0">
+            <a:schemeClr val="accent1"/>
+          </a:fillRef>
+          <a:effectRef idx="0">
+            <a:schemeClr val="accent1"/>
+          </a:effectRef>
+          <a:fontRef idx="minor">
+            <a:schemeClr val="tx1"/>
+          </a:fontRef>
+        </p:style>
+      </p:cxnSp>
+      <p:sp>
+        <p:nvSpPr>
+          <p:cNvPr id="16" name="TextBox 15">
+            <a:extLst>
+              <a:ext uri="{FF2B5EF4-FFF2-40B4-BE49-F238E27FC236}">
+                <a16:creationId xmlns:a16="http://schemas.microsoft.com/office/drawing/2014/main" id="{7784ED4C-8E2C-5A0E-5F92-AB28E995ED03}"/>
+              </a:ext>
+            </a:extLst>
+          </p:cNvPr>
+          <p:cNvSpPr txBox="1"/>
+          <p:nvPr/>
+        </p:nvSpPr>
+        <p:spPr>
+          <a:xfrm>
+            <a:off x="5582293" y="4836375"/>
+            <a:ext cx="1154130" cy="923330"/>
+          </a:xfrm>
+          <a:prstGeom prst="rect">
+            <a:avLst/>
+          </a:prstGeom>
+          <a:noFill/>
+        </p:spPr>
+        <p:txBody>
+          <a:bodyPr wrap="square" rtlCol="0">
+            <a:spAutoFit/>
+          </a:bodyPr>
+          <a:lstStyle/>
+          <a:p>
+            <a:r>
+              <a:rPr lang="en-US" sz="5400" dirty="0">
+                <a:solidFill>
+                  <a:srgbClr val="FF0000"/>
+                </a:solidFill>
+              </a:rPr>
+              <a:t>X</a:t>
+            </a:r>
+          </a:p>
+        </p:txBody>
+      </p:sp>
+      <p:sp>
+        <p:nvSpPr>
+          <p:cNvPr id="4" name="TextBox 3">
+            <a:extLst>
+              <a:ext uri="{FF2B5EF4-FFF2-40B4-BE49-F238E27FC236}">
+                <a16:creationId xmlns:a16="http://schemas.microsoft.com/office/drawing/2014/main" id="{B45CD0C2-4DB8-88E1-4EF3-C80BADC26E4A}"/>
+              </a:ext>
+            </a:extLst>
+          </p:cNvPr>
+          <p:cNvSpPr txBox="1"/>
+          <p:nvPr/>
+        </p:nvSpPr>
+        <p:spPr>
+          <a:xfrm>
+            <a:off x="1397284" y="810833"/>
+            <a:ext cx="3441837" cy="1785104"/>
+          </a:xfrm>
+          <a:prstGeom prst="rect">
+            <a:avLst/>
+          </a:prstGeom>
+          <a:noFill/>
+        </p:spPr>
+        <p:txBody>
+          <a:bodyPr wrap="square" rtlCol="0">
+            <a:spAutoFit/>
+          </a:bodyPr>
+          <a:lstStyle/>
+          <a:p>
+            <a:r>
+              <a:rPr lang="en-US" sz="3200" dirty="0"/>
+              <a:t>model</a:t>
+            </a:r>
+            <a:endParaRPr lang="en-US" dirty="0"/>
+          </a:p>
+          <a:p>
+            <a:endParaRPr lang="en-US" dirty="0"/>
+          </a:p>
+          <a:p>
+            <a:r>
+              <a:rPr lang="en-US" sz="2000" dirty="0" err="1"/>
+              <a:t>ListOfString</a:t>
+            </a:r>
+            <a:r>
+              <a:rPr lang="en-US" sz="2000" dirty="0"/>
+              <a:t> is one of: &lt;2 cases&gt;</a:t>
+            </a:r>
+          </a:p>
+          <a:p>
+            <a:r>
+              <a:rPr lang="en-US" sz="2000" dirty="0" err="1"/>
+              <a:t>ListOfString</a:t>
+            </a:r>
+            <a:r>
+              <a:rPr lang="en-US" sz="2000" dirty="0"/>
+              <a:t> is one of: &lt;2 cases&gt;</a:t>
+            </a:r>
+          </a:p>
+          <a:p>
+            <a:endParaRPr lang="en-US" sz="2000" dirty="0"/>
+          </a:p>
+        </p:txBody>
+      </p:sp>
+      <p:sp>
+        <p:nvSpPr>
+          <p:cNvPr id="7" name="TextBox 6">
+            <a:extLst>
+              <a:ext uri="{FF2B5EF4-FFF2-40B4-BE49-F238E27FC236}">
+                <a16:creationId xmlns:a16="http://schemas.microsoft.com/office/drawing/2014/main" id="{4686BD35-7D31-E8C0-BF8C-2FA3BE5A7A81}"/>
+              </a:ext>
+            </a:extLst>
+          </p:cNvPr>
+          <p:cNvSpPr txBox="1"/>
+          <p:nvPr/>
+        </p:nvSpPr>
+        <p:spPr>
+          <a:xfrm>
+            <a:off x="1397283" y="4262063"/>
+            <a:ext cx="5959011" cy="1354217"/>
+          </a:xfrm>
+          <a:prstGeom prst="rect">
+            <a:avLst/>
+          </a:prstGeom>
+          <a:noFill/>
+        </p:spPr>
+        <p:txBody>
+          <a:bodyPr wrap="square" rtlCol="0">
+            <a:spAutoFit/>
+          </a:bodyPr>
+          <a:lstStyle/>
+          <a:p>
+            <a:r>
+              <a:rPr lang="en-US" sz="3200" dirty="0"/>
               <a:t>code</a:t>
             </a:r>
             <a:endParaRPr lang="en-US" dirty="0"/>
@@ -4471,7 +4612,7 @@
     </p:spTree>
     <p:extLst>
       <p:ext uri="{BB962C8B-B14F-4D97-AF65-F5344CB8AC3E}">
-        <p14:creationId xmlns:p14="http://schemas.microsoft.com/office/powerpoint/2010/main" val="2168947750"/>
+        <p14:creationId xmlns:p14="http://schemas.microsoft.com/office/powerpoint/2010/main" val="682645436"/>
       </p:ext>
     </p:extLst>
   </p:cSld>
@@ -4498,28 +4639,103 @@
           <a:chExt cx="0" cy="0"/>
         </a:xfrm>
       </p:grpSpPr>
+      <p:sp>
+        <p:nvSpPr>
+          <p:cNvPr id="3" name="TextBox 2">
+            <a:extLst>
+              <a:ext uri="{FF2B5EF4-FFF2-40B4-BE49-F238E27FC236}">
+                <a16:creationId xmlns:a16="http://schemas.microsoft.com/office/drawing/2014/main" id="{B1AA9EB7-D375-0E69-F86C-F3920F8B84AA}"/>
+              </a:ext>
+            </a:extLst>
+          </p:cNvPr>
+          <p:cNvSpPr txBox="1"/>
+          <p:nvPr/>
+        </p:nvSpPr>
+        <p:spPr>
+          <a:xfrm>
+            <a:off x="380140" y="1620264"/>
+            <a:ext cx="10304979" cy="1754326"/>
+          </a:xfrm>
+          <a:prstGeom prst="rect">
+            <a:avLst/>
+          </a:prstGeom>
+          <a:noFill/>
+        </p:spPr>
+        <p:txBody>
+          <a:bodyPr wrap="square">
+            <a:spAutoFit/>
+          </a:bodyPr>
+          <a:lstStyle/>
+          <a:p>
+            <a:r>
+              <a:rPr lang="en-US" dirty="0">
+                <a:latin typeface="Monaco" pitchFamily="2" charset="77"/>
+              </a:rPr>
+              <a:t>l2            empty           (cons N LON)</a:t>
+            </a:r>
+          </a:p>
+          <a:p>
+            <a:r>
+              <a:rPr lang="en-US" dirty="0">
+                <a:latin typeface="Monaco" pitchFamily="2" charset="77"/>
+              </a:rPr>
+              <a:t>l1</a:t>
+            </a:r>
+          </a:p>
+          <a:p>
+            <a:endParaRPr lang="en-US" dirty="0">
+              <a:latin typeface="Monaco" pitchFamily="2" charset="77"/>
+            </a:endParaRPr>
+          </a:p>
+          <a:p>
+            <a:r>
+              <a:rPr lang="en-US" dirty="0">
+                <a:latin typeface="Monaco" pitchFamily="2" charset="77"/>
+              </a:rPr>
+              <a:t>empty</a:t>
+            </a:r>
+          </a:p>
+          <a:p>
+            <a:endParaRPr lang="en-US" dirty="0">
+              <a:latin typeface="Monaco" pitchFamily="2" charset="77"/>
+            </a:endParaRPr>
+          </a:p>
+          <a:p>
+            <a:r>
+              <a:rPr lang="en-US" dirty="0">
+                <a:latin typeface="Monaco" pitchFamily="2" charset="77"/>
+              </a:rPr>
+              <a:t>(cons N LON)</a:t>
+            </a:r>
+          </a:p>
+        </p:txBody>
+      </p:sp>
       <p:cxnSp>
         <p:nvCxnSpPr>
-          <p:cNvPr id="5" name="Straight Arrow Connector 4">
-            <a:extLst>
-              <a:ext uri="{FF2B5EF4-FFF2-40B4-BE49-F238E27FC236}">
-                <a16:creationId xmlns:a16="http://schemas.microsoft.com/office/drawing/2014/main" id="{6885C042-5293-FE7E-AB01-627F6D5BFCF6}"/>
-              </a:ext>
-            </a:extLst>
-          </p:cNvPr>
-          <p:cNvCxnSpPr/>
+          <p:cNvPr id="4" name="Straight Connector 3">
+            <a:extLst>
+              <a:ext uri="{FF2B5EF4-FFF2-40B4-BE49-F238E27FC236}">
+                <a16:creationId xmlns:a16="http://schemas.microsoft.com/office/drawing/2014/main" id="{4EBCCE34-AA79-9D69-CC1A-4B096689F957}"/>
+              </a:ext>
+            </a:extLst>
+          </p:cNvPr>
+          <p:cNvCxnSpPr>
+            <a:cxnSpLocks/>
+          </p:cNvCxnSpPr>
           <p:nvPr/>
         </p:nvCxnSpPr>
         <p:spPr>
           <a:xfrm>
-            <a:off x="2250040" y="2434975"/>
-            <a:ext cx="0" cy="1541124"/>
-          </a:xfrm>
-          <a:prstGeom prst="straightConnector1">
+            <a:off x="2260309" y="1592494"/>
+            <a:ext cx="0" cy="3359650"/>
+          </a:xfrm>
+          <a:prstGeom prst="line">
             <a:avLst/>
           </a:prstGeom>
-          <a:ln w="28575">
-            <a:tailEnd type="triangle"/>
+          <a:ln w="19050">
+            <a:solidFill>
+              <a:schemeClr val="tx1"/>
+            </a:solidFill>
           </a:ln>
         </p:spPr>
         <p:style>
@@ -4539,10 +4755,10 @@
       </p:cxnSp>
       <p:cxnSp>
         <p:nvCxnSpPr>
-          <p:cNvPr id="6" name="Straight Arrow Connector 5">
-            <a:extLst>
-              <a:ext uri="{FF2B5EF4-FFF2-40B4-BE49-F238E27FC236}">
-                <a16:creationId xmlns:a16="http://schemas.microsoft.com/office/drawing/2014/main" id="{50436CBC-8618-37C1-3F6F-018F048599D2}"/>
+          <p:cNvPr id="5" name="Straight Connector 4">
+            <a:extLst>
+              <a:ext uri="{FF2B5EF4-FFF2-40B4-BE49-F238E27FC236}">
+                <a16:creationId xmlns:a16="http://schemas.microsoft.com/office/drawing/2014/main" id="{8F9C77D1-5D8C-B4F0-AA23-A5F7802D1525}"/>
               </a:ext>
             </a:extLst>
           </p:cNvPr>
@@ -4552,15 +4768,17 @@
           <p:nvPr/>
         </p:nvCxnSpPr>
         <p:spPr>
-          <a:xfrm>
-            <a:off x="4500081" y="1477766"/>
-            <a:ext cx="2619910" cy="0"/>
-          </a:xfrm>
-          <a:prstGeom prst="straightConnector1">
+          <a:xfrm flipH="1">
+            <a:off x="380140" y="2238053"/>
+            <a:ext cx="9832369" cy="0"/>
+          </a:xfrm>
+          <a:prstGeom prst="line">
             <a:avLst/>
           </a:prstGeom>
-          <a:ln w="28575">
-            <a:tailEnd type="triangle"/>
+          <a:ln w="19050">
+            <a:solidFill>
+              <a:schemeClr val="tx1"/>
+            </a:solidFill>
           </a:ln>
         </p:spPr>
         <p:style>
@@ -4580,10 +4798,10 @@
       </p:cxnSp>
       <p:sp>
         <p:nvSpPr>
-          <p:cNvPr id="8" name="TextBox 7">
-            <a:extLst>
-              <a:ext uri="{FF2B5EF4-FFF2-40B4-BE49-F238E27FC236}">
-                <a16:creationId xmlns:a16="http://schemas.microsoft.com/office/drawing/2014/main" id="{B1286E4B-3453-512D-7D69-7CB4965720D1}"/>
+          <p:cNvPr id="2" name="TextBox 1">
+            <a:extLst>
+              <a:ext uri="{FF2B5EF4-FFF2-40B4-BE49-F238E27FC236}">
+                <a16:creationId xmlns:a16="http://schemas.microsoft.com/office/drawing/2014/main" id="{E501373A-9CC1-8291-6792-255E7DEDFB5D}"/>
               </a:ext>
             </a:extLst>
           </p:cNvPr>
@@ -4592,8 +4810,8 @@
         </p:nvSpPr>
         <p:spPr>
           <a:xfrm>
-            <a:off x="7703905" y="892990"/>
-            <a:ext cx="3525744" cy="1138773"/>
+            <a:off x="10085798" y="173974"/>
+            <a:ext cx="1869897" cy="461665"/>
           </a:xfrm>
           <a:prstGeom prst="rect">
             <a:avLst/>
@@ -4601,416 +4819,26 @@
           <a:noFill/>
         </p:spPr>
         <p:txBody>
-          <a:bodyPr wrap="square" rtlCol="0">
+          <a:bodyPr wrap="square">
             <a:spAutoFit/>
           </a:bodyPr>
           <a:lstStyle/>
           <a:p>
-            <a:r>
-              <a:rPr lang="en-US" sz="3200" dirty="0"/>
-              <a:t>simplified model</a:t>
-            </a:r>
-            <a:endParaRPr lang="en-US" dirty="0"/>
-          </a:p>
-          <a:p>
-            <a:endParaRPr lang="en-US" dirty="0"/>
-          </a:p>
-          <a:p>
-            <a:r>
-              <a:rPr lang="en-US" dirty="0"/>
-              <a:t>cross product table</a:t>
-            </a:r>
-          </a:p>
-        </p:txBody>
-      </p:sp>
-      <p:cxnSp>
-        <p:nvCxnSpPr>
-          <p:cNvPr id="9" name="Straight Arrow Connector 8">
-            <a:extLst>
-              <a:ext uri="{FF2B5EF4-FFF2-40B4-BE49-F238E27FC236}">
-                <a16:creationId xmlns:a16="http://schemas.microsoft.com/office/drawing/2014/main" id="{756390C4-D396-E4B1-C7E8-CF5D5736CE2C}"/>
-              </a:ext>
-            </a:extLst>
-          </p:cNvPr>
-          <p:cNvCxnSpPr/>
-          <p:nvPr/>
-        </p:nvCxnSpPr>
-        <p:spPr>
-          <a:xfrm>
-            <a:off x="8556660" y="2434975"/>
-            <a:ext cx="0" cy="1541124"/>
-          </a:xfrm>
-          <a:prstGeom prst="straightConnector1">
-            <a:avLst/>
-          </a:prstGeom>
-          <a:ln w="28575">
-            <a:tailEnd type="triangle"/>
-          </a:ln>
-        </p:spPr>
-        <p:style>
-          <a:lnRef idx="1">
-            <a:schemeClr val="accent1"/>
-          </a:lnRef>
-          <a:fillRef idx="0">
-            <a:schemeClr val="accent1"/>
-          </a:fillRef>
-          <a:effectRef idx="0">
-            <a:schemeClr val="accent1"/>
-          </a:effectRef>
-          <a:fontRef idx="minor">
-            <a:schemeClr val="tx1"/>
-          </a:fontRef>
-        </p:style>
-      </p:cxnSp>
-      <p:sp>
-        <p:nvSpPr>
-          <p:cNvPr id="13" name="TextBox 12">
-            <a:extLst>
-              <a:ext uri="{FF2B5EF4-FFF2-40B4-BE49-F238E27FC236}">
-                <a16:creationId xmlns:a16="http://schemas.microsoft.com/office/drawing/2014/main" id="{9D1AAF87-91DC-D27F-CA01-A30E30817AB1}"/>
-              </a:ext>
-            </a:extLst>
-          </p:cNvPr>
-          <p:cNvSpPr txBox="1"/>
-          <p:nvPr/>
-        </p:nvSpPr>
-        <p:spPr>
-          <a:xfrm>
-            <a:off x="7426502" y="4258639"/>
-            <a:ext cx="3597659" cy="1354217"/>
-          </a:xfrm>
-          <a:prstGeom prst="rect">
-            <a:avLst/>
-          </a:prstGeom>
-          <a:noFill/>
-        </p:spPr>
-        <p:txBody>
-          <a:bodyPr wrap="square" rtlCol="0">
-            <a:spAutoFit/>
-          </a:bodyPr>
-          <a:lstStyle/>
-          <a:p>
-            <a:r>
-              <a:rPr lang="en-US" sz="3200" dirty="0"/>
-              <a:t>simplified code</a:t>
-            </a:r>
-            <a:endParaRPr lang="en-US" dirty="0"/>
-          </a:p>
-          <a:p>
-            <a:endParaRPr lang="en-US" dirty="0"/>
-          </a:p>
-          <a:p>
-            <a:r>
-              <a:rPr lang="en-US" sz="1600" dirty="0">
-                <a:latin typeface="Monaco" pitchFamily="2" charset="77"/>
-              </a:rPr>
-              <a:t>(define (</a:t>
-            </a:r>
-            <a:r>
-              <a:rPr lang="en-US" sz="1600" dirty="0" err="1">
-                <a:latin typeface="Monaco" pitchFamily="2" charset="77"/>
-              </a:rPr>
-              <a:t>fn</a:t>
-            </a:r>
-            <a:r>
-              <a:rPr lang="en-US" sz="1600" dirty="0">
-                <a:latin typeface="Monaco" pitchFamily="2" charset="77"/>
-              </a:rPr>
-              <a:t> los1 los2)</a:t>
-            </a:r>
-            <a:br>
-              <a:rPr lang="en-US" sz="1600" dirty="0">
-                <a:latin typeface="Monaco" pitchFamily="2" charset="77"/>
-              </a:rPr>
-            </a:br>
-            <a:r>
-              <a:rPr lang="en-US" sz="1600" dirty="0">
-                <a:latin typeface="Monaco" pitchFamily="2" charset="77"/>
-              </a:rPr>
-              <a:t>  (</a:t>
-            </a:r>
-            <a:r>
-              <a:rPr lang="en-US" sz="1600" dirty="0" err="1">
-                <a:latin typeface="Monaco" pitchFamily="2" charset="77"/>
-              </a:rPr>
-              <a:t>cond</a:t>
-            </a:r>
-            <a:r>
-              <a:rPr lang="en-US" sz="1600" dirty="0">
-                <a:latin typeface="Monaco" pitchFamily="2" charset="77"/>
-              </a:rPr>
-              <a:t> &lt;3 cases&gt;))</a:t>
-            </a:r>
-          </a:p>
-        </p:txBody>
-      </p:sp>
-      <p:sp>
-        <p:nvSpPr>
-          <p:cNvPr id="14" name="TextBox 13">
-            <a:extLst>
-              <a:ext uri="{FF2B5EF4-FFF2-40B4-BE49-F238E27FC236}">
-                <a16:creationId xmlns:a16="http://schemas.microsoft.com/office/drawing/2014/main" id="{DBE01081-73CF-5C10-1C90-9D1EEA5CC5C0}"/>
-              </a:ext>
-            </a:extLst>
-          </p:cNvPr>
-          <p:cNvSpPr txBox="1"/>
-          <p:nvPr/>
-        </p:nvSpPr>
-        <p:spPr>
-          <a:xfrm>
-            <a:off x="1972639" y="2734086"/>
-            <a:ext cx="1154130" cy="923330"/>
-          </a:xfrm>
-          <a:prstGeom prst="rect">
-            <a:avLst/>
-          </a:prstGeom>
-          <a:noFill/>
-        </p:spPr>
-        <p:txBody>
-          <a:bodyPr wrap="square" rtlCol="0">
-            <a:spAutoFit/>
-          </a:bodyPr>
-          <a:lstStyle/>
-          <a:p>
-            <a:r>
-              <a:rPr lang="en-US" sz="5400" dirty="0">
-                <a:solidFill>
-                  <a:srgbClr val="FF0000"/>
-                </a:solidFill>
-              </a:rPr>
-              <a:t>X</a:t>
-            </a:r>
-          </a:p>
-        </p:txBody>
-      </p:sp>
-      <p:cxnSp>
-        <p:nvCxnSpPr>
-          <p:cNvPr id="15" name="Straight Arrow Connector 14">
-            <a:extLst>
-              <a:ext uri="{FF2B5EF4-FFF2-40B4-BE49-F238E27FC236}">
-                <a16:creationId xmlns:a16="http://schemas.microsoft.com/office/drawing/2014/main" id="{3DCC892C-EF36-A595-411B-B1BD7A713684}"/>
-              </a:ext>
-            </a:extLst>
-          </p:cNvPr>
-          <p:cNvCxnSpPr>
-            <a:cxnSpLocks/>
-          </p:cNvCxnSpPr>
-          <p:nvPr/>
-        </p:nvCxnSpPr>
-        <p:spPr>
-          <a:xfrm>
-            <a:off x="4580562" y="5298040"/>
-            <a:ext cx="2619910" cy="0"/>
-          </a:xfrm>
-          <a:prstGeom prst="straightConnector1">
-            <a:avLst/>
-          </a:prstGeom>
-          <a:ln w="28575">
-            <a:tailEnd type="triangle"/>
-          </a:ln>
-        </p:spPr>
-        <p:style>
-          <a:lnRef idx="1">
-            <a:schemeClr val="accent1"/>
-          </a:lnRef>
-          <a:fillRef idx="0">
-            <a:schemeClr val="accent1"/>
-          </a:fillRef>
-          <a:effectRef idx="0">
-            <a:schemeClr val="accent1"/>
-          </a:effectRef>
-          <a:fontRef idx="minor">
-            <a:schemeClr val="tx1"/>
-          </a:fontRef>
-        </p:style>
-      </p:cxnSp>
-      <p:sp>
-        <p:nvSpPr>
-          <p:cNvPr id="16" name="TextBox 15">
-            <a:extLst>
-              <a:ext uri="{FF2B5EF4-FFF2-40B4-BE49-F238E27FC236}">
-                <a16:creationId xmlns:a16="http://schemas.microsoft.com/office/drawing/2014/main" id="{7784ED4C-8E2C-5A0E-5F92-AB28E995ED03}"/>
-              </a:ext>
-            </a:extLst>
-          </p:cNvPr>
-          <p:cNvSpPr txBox="1"/>
-          <p:nvPr/>
-        </p:nvSpPr>
-        <p:spPr>
-          <a:xfrm>
-            <a:off x="5582293" y="4836375"/>
-            <a:ext cx="1154130" cy="923330"/>
-          </a:xfrm>
-          <a:prstGeom prst="rect">
-            <a:avLst/>
-          </a:prstGeom>
-          <a:noFill/>
-        </p:spPr>
-        <p:txBody>
-          <a:bodyPr wrap="square" rtlCol="0">
-            <a:spAutoFit/>
-          </a:bodyPr>
-          <a:lstStyle/>
-          <a:p>
-            <a:r>
-              <a:rPr lang="en-US" sz="5400" dirty="0">
-                <a:solidFill>
-                  <a:srgbClr val="FF0000"/>
-                </a:solidFill>
-              </a:rPr>
-              <a:t>X</a:t>
-            </a:r>
-          </a:p>
-        </p:txBody>
-      </p:sp>
-      <p:sp>
-        <p:nvSpPr>
-          <p:cNvPr id="4" name="TextBox 3">
-            <a:extLst>
-              <a:ext uri="{FF2B5EF4-FFF2-40B4-BE49-F238E27FC236}">
-                <a16:creationId xmlns:a16="http://schemas.microsoft.com/office/drawing/2014/main" id="{B45CD0C2-4DB8-88E1-4EF3-C80BADC26E4A}"/>
-              </a:ext>
-            </a:extLst>
-          </p:cNvPr>
-          <p:cNvSpPr txBox="1"/>
-          <p:nvPr/>
-        </p:nvSpPr>
-        <p:spPr>
-          <a:xfrm>
-            <a:off x="1397284" y="810833"/>
-            <a:ext cx="3441837" cy="1785104"/>
-          </a:xfrm>
-          <a:prstGeom prst="rect">
-            <a:avLst/>
-          </a:prstGeom>
-          <a:noFill/>
-        </p:spPr>
-        <p:txBody>
-          <a:bodyPr wrap="square" rtlCol="0">
-            <a:spAutoFit/>
-          </a:bodyPr>
-          <a:lstStyle/>
-          <a:p>
-            <a:r>
-              <a:rPr lang="en-US" sz="3200" dirty="0"/>
-              <a:t>model</a:t>
-            </a:r>
-            <a:endParaRPr lang="en-US" dirty="0"/>
-          </a:p>
-          <a:p>
-            <a:endParaRPr lang="en-US" dirty="0"/>
-          </a:p>
-          <a:p>
-            <a:r>
-              <a:rPr lang="en-US" sz="2000" dirty="0" err="1"/>
-              <a:t>ListOfString</a:t>
-            </a:r>
-            <a:r>
-              <a:rPr lang="en-US" sz="2000" dirty="0"/>
-              <a:t> is one of: &lt;2 cases&gt;</a:t>
-            </a:r>
-          </a:p>
-          <a:p>
-            <a:r>
-              <a:rPr lang="en-US" sz="2000" dirty="0" err="1"/>
-              <a:t>ListOfString</a:t>
-            </a:r>
-            <a:r>
-              <a:rPr lang="en-US" sz="2000" dirty="0"/>
-              <a:t> is one of: &lt;2 cases&gt;</a:t>
-            </a:r>
-          </a:p>
-          <a:p>
-            <a:endParaRPr lang="en-US" sz="2000" dirty="0"/>
-          </a:p>
-        </p:txBody>
-      </p:sp>
-      <p:sp>
-        <p:nvSpPr>
-          <p:cNvPr id="7" name="TextBox 6">
-            <a:extLst>
-              <a:ext uri="{FF2B5EF4-FFF2-40B4-BE49-F238E27FC236}">
-                <a16:creationId xmlns:a16="http://schemas.microsoft.com/office/drawing/2014/main" id="{4686BD35-7D31-E8C0-BF8C-2FA3BE5A7A81}"/>
-              </a:ext>
-            </a:extLst>
-          </p:cNvPr>
-          <p:cNvSpPr txBox="1"/>
-          <p:nvPr/>
-        </p:nvSpPr>
-        <p:spPr>
-          <a:xfrm>
-            <a:off x="1397283" y="4262063"/>
-            <a:ext cx="5959011" cy="1354217"/>
-          </a:xfrm>
-          <a:prstGeom prst="rect">
-            <a:avLst/>
-          </a:prstGeom>
-          <a:noFill/>
-        </p:spPr>
-        <p:txBody>
-          <a:bodyPr wrap="square" rtlCol="0">
-            <a:spAutoFit/>
-          </a:bodyPr>
-          <a:lstStyle/>
-          <a:p>
-            <a:r>
-              <a:rPr lang="en-US" sz="3200" dirty="0"/>
-              <a:t>code</a:t>
-            </a:r>
-            <a:endParaRPr lang="en-US" dirty="0"/>
-          </a:p>
-          <a:p>
-            <a:endParaRPr lang="en-US" dirty="0"/>
-          </a:p>
-          <a:p>
-            <a:r>
-              <a:rPr lang="en-US" sz="1600" dirty="0">
-                <a:latin typeface="Monaco" pitchFamily="2" charset="77"/>
-              </a:rPr>
-              <a:t>(define (</a:t>
-            </a:r>
-            <a:r>
-              <a:rPr lang="en-US" sz="1600" dirty="0" err="1">
-                <a:latin typeface="Monaco" pitchFamily="2" charset="77"/>
-              </a:rPr>
-              <a:t>fn</a:t>
-            </a:r>
-            <a:r>
-              <a:rPr lang="en-US" sz="1600" dirty="0">
-                <a:latin typeface="Monaco" pitchFamily="2" charset="77"/>
-              </a:rPr>
-              <a:t> los1 los2)</a:t>
-            </a:r>
-            <a:br>
-              <a:rPr lang="en-US" sz="1600" dirty="0">
-                <a:latin typeface="Monaco" pitchFamily="2" charset="77"/>
-              </a:rPr>
-            </a:br>
-            <a:r>
-              <a:rPr lang="en-US" sz="1600" dirty="0">
-                <a:latin typeface="Monaco" pitchFamily="2" charset="77"/>
-              </a:rPr>
-              <a:t>  (</a:t>
-            </a:r>
-            <a:r>
-              <a:rPr lang="en-US" sz="1600" dirty="0" err="1">
-                <a:latin typeface="Monaco" pitchFamily="2" charset="77"/>
-              </a:rPr>
-              <a:t>cond</a:t>
-            </a:r>
-            <a:r>
-              <a:rPr lang="en-US" sz="1600" dirty="0">
-                <a:latin typeface="Monaco" pitchFamily="2" charset="77"/>
-              </a:rPr>
-              <a:t> &lt;4 cases&gt;))</a:t>
-            </a:r>
+            <a:pPr algn="r"/>
+            <a:r>
+              <a:rPr lang="en-US" sz="2400" dirty="0">
+                <a:latin typeface="Monaco" pitchFamily="2" charset="77"/>
+              </a:rPr>
+              <a:t>merge</a:t>
+            </a:r>
+            <a:endParaRPr lang="en-US" sz="2400" dirty="0"/>
           </a:p>
         </p:txBody>
       </p:sp>
     </p:spTree>
     <p:extLst>
       <p:ext uri="{BB962C8B-B14F-4D97-AF65-F5344CB8AC3E}">
-        <p14:creationId xmlns:p14="http://schemas.microsoft.com/office/powerpoint/2010/main" val="682645436"/>
+        <p14:creationId xmlns:p14="http://schemas.microsoft.com/office/powerpoint/2010/main" val="4252188469"/>
       </p:ext>
     </p:extLst>
   </p:cSld>
@@ -5052,7 +4880,7 @@
         <p:spPr>
           <a:xfrm>
             <a:off x="380140" y="1620264"/>
-            <a:ext cx="10304979" cy="1754326"/>
+            <a:ext cx="10304979" cy="2862322"/>
           </a:xfrm>
           <a:prstGeom prst="rect">
             <a:avLst/>
@@ -5090,7 +4918,7 @@
               <a:rPr lang="en-US" dirty="0">
                 <a:latin typeface="Monaco" pitchFamily="2" charset="77"/>
               </a:rPr>
-              <a:t>empty</a:t>
+              <a:t>empty         empty           l2                               </a:t>
             </a:r>
           </a:p>
           <a:p>
@@ -5103,7 +4931,39 @@
               <a:rPr lang="en-US" dirty="0">
                 <a:latin typeface="Monaco" pitchFamily="2" charset="77"/>
               </a:rPr>
-              <a:t>(cons N LON)</a:t>
+              <a:t>(cons N LON)  l1              (if (&lt; (first l1) (first l2))    </a:t>
+            </a:r>
+          </a:p>
+          <a:p>
+            <a:r>
+              <a:rPr lang="en-US" dirty="0">
+                <a:latin typeface="Monaco" pitchFamily="2" charset="77"/>
+              </a:rPr>
+              <a:t>                                  (cons (first l1)</a:t>
+            </a:r>
+          </a:p>
+          <a:p>
+            <a:r>
+              <a:rPr lang="en-US" dirty="0">
+                <a:latin typeface="Monaco" pitchFamily="2" charset="77"/>
+              </a:rPr>
+              <a:t>                                        (merge (rest l1) l2))</a:t>
+            </a:r>
+          </a:p>
+          <a:p>
+            <a:r>
+              <a:rPr lang="en-US" dirty="0">
+                <a:latin typeface="Monaco" pitchFamily="2" charset="77"/>
+              </a:rPr>
+              <a:t>                                  (cons (first l2)</a:t>
+            </a:r>
+          </a:p>
+          <a:p>
+            <a:r>
+              <a:rPr lang="en-US" dirty="0">
+                <a:latin typeface="Monaco" pitchFamily="2" charset="77"/>
+              </a:rPr>
+              <a:t>                                        (merge l1 (rest l2))))</a:t>
             </a:r>
           </a:p>
         </p:txBody>
@@ -5199,7 +5059,7 @@
           <p:cNvPr id="2" name="TextBox 1">
             <a:extLst>
               <a:ext uri="{FF2B5EF4-FFF2-40B4-BE49-F238E27FC236}">
-                <a16:creationId xmlns:a16="http://schemas.microsoft.com/office/drawing/2014/main" id="{E501373A-9CC1-8291-6792-255E7DEDFB5D}"/>
+                <a16:creationId xmlns:a16="http://schemas.microsoft.com/office/drawing/2014/main" id="{72119906-AF97-6E7C-3431-B619A2B599EA}"/>
               </a:ext>
             </a:extLst>
           </p:cNvPr>
@@ -5236,7 +5096,7 @@
     </p:spTree>
     <p:extLst>
       <p:ext uri="{BB962C8B-B14F-4D97-AF65-F5344CB8AC3E}">
-        <p14:creationId xmlns:p14="http://schemas.microsoft.com/office/powerpoint/2010/main" val="4252188469"/>
+        <p14:creationId xmlns:p14="http://schemas.microsoft.com/office/powerpoint/2010/main" val="2894785770"/>
       </p:ext>
     </p:extLst>
   </p:cSld>
@@ -5316,7 +5176,7 @@
               <a:rPr lang="en-US" dirty="0">
                 <a:latin typeface="Monaco" pitchFamily="2" charset="77"/>
               </a:rPr>
-              <a:t>empty         empty           l2                               </a:t>
+              <a:t>empty         l2    [1]       l2                               [1]</a:t>
             </a:r>
           </a:p>
           <a:p>
@@ -5329,7 +5189,7 @@
               <a:rPr lang="en-US" dirty="0">
                 <a:latin typeface="Monaco" pitchFamily="2" charset="77"/>
               </a:rPr>
-              <a:t>(cons N LON)  l1              (if (&lt; (first l1) (first l2))    </a:t>
+              <a:t>(cons N LON)  l1    [2]       (if (&lt; (first l1) (first l2))    [3]</a:t>
             </a:r>
           </a:p>
           <a:p>
@@ -5457,7 +5317,7 @@
           <p:cNvPr id="2" name="TextBox 1">
             <a:extLst>
               <a:ext uri="{FF2B5EF4-FFF2-40B4-BE49-F238E27FC236}">
-                <a16:creationId xmlns:a16="http://schemas.microsoft.com/office/drawing/2014/main" id="{72119906-AF97-6E7C-3431-B619A2B599EA}"/>
+                <a16:creationId xmlns:a16="http://schemas.microsoft.com/office/drawing/2014/main" id="{8B78CA24-F079-ED11-7850-E52882B75E3C}"/>
               </a:ext>
             </a:extLst>
           </p:cNvPr>
@@ -5494,7 +5354,7 @@
     </p:spTree>
     <p:extLst>
       <p:ext uri="{BB962C8B-B14F-4D97-AF65-F5344CB8AC3E}">
-        <p14:creationId xmlns:p14="http://schemas.microsoft.com/office/powerpoint/2010/main" val="2894785770"/>
+        <p14:creationId xmlns:p14="http://schemas.microsoft.com/office/powerpoint/2010/main" val="662639836"/>
       </p:ext>
     </p:extLst>
   </p:cSld>
@@ -5526,7 +5386,7 @@
           <p:cNvPr id="3" name="TextBox 2">
             <a:extLst>
               <a:ext uri="{FF2B5EF4-FFF2-40B4-BE49-F238E27FC236}">
-                <a16:creationId xmlns:a16="http://schemas.microsoft.com/office/drawing/2014/main" id="{B1AA9EB7-D375-0E69-F86C-F3920F8B84AA}"/>
+                <a16:creationId xmlns:a16="http://schemas.microsoft.com/office/drawing/2014/main" id="{AC92C9B5-E4DF-7967-2D98-D0AE176D7B77}"/>
               </a:ext>
             </a:extLst>
           </p:cNvPr>
@@ -5535,8 +5395,8 @@
         </p:nvSpPr>
         <p:spPr>
           <a:xfrm>
-            <a:off x="380140" y="1620264"/>
-            <a:ext cx="10304979" cy="2862322"/>
+            <a:off x="503432" y="1476425"/>
+            <a:ext cx="10109771" cy="2585323"/>
           </a:xfrm>
           <a:prstGeom prst="rect">
             <a:avLst/>
@@ -5553,15 +5413,27 @@
               <a:rPr lang="en-US" dirty="0">
                 <a:latin typeface="Monaco" pitchFamily="2" charset="77"/>
               </a:rPr>
-              <a:t>l2            empty           (cons N LON)</a:t>
-            </a:r>
-          </a:p>
-          <a:p>
+              <a:t> </a:t>
+            </a:r>
+            <a:r>
+              <a:rPr lang="en-US" dirty="0" err="1">
+                <a:latin typeface="Monaco" pitchFamily="2" charset="77"/>
+              </a:rPr>
+              <a:t>bt</a:t>
+            </a:r>
             <a:r>
               <a:rPr lang="en-US" dirty="0">
                 <a:latin typeface="Monaco" pitchFamily="2" charset="77"/>
               </a:rPr>
-              <a:t>l1</a:t>
+              <a:t>                   false            (make-node Nat Str BT BT) </a:t>
+            </a:r>
+          </a:p>
+          <a:p>
+            <a:r>
+              <a:rPr lang="en-US" dirty="0">
+                <a:latin typeface="Monaco" pitchFamily="2" charset="77"/>
+              </a:rPr>
+              <a:t> p</a:t>
             </a:r>
           </a:p>
           <a:p>
@@ -5574,7 +5446,7 @@
               <a:rPr lang="en-US" dirty="0">
                 <a:latin typeface="Monaco" pitchFamily="2" charset="77"/>
               </a:rPr>
-              <a:t>empty         l2    [1]       l2                               [1]</a:t>
+              <a:t>empty</a:t>
             </a:r>
           </a:p>
           <a:p>
@@ -5587,7 +5459,7 @@
               <a:rPr lang="en-US" dirty="0">
                 <a:latin typeface="Monaco" pitchFamily="2" charset="77"/>
               </a:rPr>
-              <a:t>(cons N LON)  l1    [2]       (if (&lt; (first l1) (first l2))    [3]</a:t>
+              <a:t>(cons "L" Path)</a:t>
             </a:r>
           </a:p>
           <a:p>
@@ -5595,31 +5467,20 @@
               <a:rPr lang="en-US" dirty="0">
                 <a:latin typeface="Monaco" pitchFamily="2" charset="77"/>
               </a:rPr>
-              <a:t>                                  (cons (first l1)</a:t>
-            </a:r>
+              <a:t>                                                  </a:t>
+            </a:r>
+          </a:p>
+          <a:p>
+            <a:endParaRPr lang="en-US" dirty="0">
+              <a:latin typeface="Monaco" pitchFamily="2" charset="77"/>
+            </a:endParaRPr>
           </a:p>
           <a:p>
             <a:r>
               <a:rPr lang="en-US" dirty="0">
                 <a:latin typeface="Monaco" pitchFamily="2" charset="77"/>
               </a:rPr>
-              <a:t>                                        (merge (rest l1) l2))</a:t>
-            </a:r>
-          </a:p>
-          <a:p>
-            <a:r>
-              <a:rPr lang="en-US" dirty="0">
-                <a:latin typeface="Monaco" pitchFamily="2" charset="77"/>
-              </a:rPr>
-              <a:t>                                  (cons (first l2)</a:t>
-            </a:r>
-          </a:p>
-          <a:p>
-            <a:r>
-              <a:rPr lang="en-US" dirty="0">
-                <a:latin typeface="Monaco" pitchFamily="2" charset="77"/>
-              </a:rPr>
-              <a:t>                                        (merge l1 (rest l2))))</a:t>
+              <a:t>(cons "R" Path)</a:t>
             </a:r>
           </a:p>
         </p:txBody>
@@ -5629,7 +5490,7 @@
           <p:cNvPr id="4" name="Straight Connector 3">
             <a:extLst>
               <a:ext uri="{FF2B5EF4-FFF2-40B4-BE49-F238E27FC236}">
-                <a16:creationId xmlns:a16="http://schemas.microsoft.com/office/drawing/2014/main" id="{4EBCCE34-AA79-9D69-CC1A-4B096689F957}"/>
+                <a16:creationId xmlns:a16="http://schemas.microsoft.com/office/drawing/2014/main" id="{1D792F95-7229-C952-755B-9C2ACDEB5878}"/>
               </a:ext>
             </a:extLst>
           </p:cNvPr>
@@ -5640,7 +5501,7 @@
         </p:nvCxnSpPr>
         <p:spPr>
           <a:xfrm>
-            <a:off x="2260309" y="1592494"/>
+            <a:off x="3195258" y="1476425"/>
             <a:ext cx="0" cy="3359650"/>
           </a:xfrm>
           <a:prstGeom prst="line">
@@ -5672,7 +5533,7 @@
           <p:cNvPr id="5" name="Straight Connector 4">
             <a:extLst>
               <a:ext uri="{FF2B5EF4-FFF2-40B4-BE49-F238E27FC236}">
-                <a16:creationId xmlns:a16="http://schemas.microsoft.com/office/drawing/2014/main" id="{8F9C77D1-5D8C-B4F0-AA23-A5F7802D1525}"/>
+                <a16:creationId xmlns:a16="http://schemas.microsoft.com/office/drawing/2014/main" id="{F6C0B70B-51EF-5B6A-3E01-13939597FC48}"/>
               </a:ext>
             </a:extLst>
           </p:cNvPr>
@@ -5683,7 +5544,7 @@
         </p:nvCxnSpPr>
         <p:spPr>
           <a:xfrm flipH="1">
-            <a:off x="380140" y="2238053"/>
+            <a:off x="380140" y="2217505"/>
             <a:ext cx="9832369" cy="0"/>
           </a:xfrm>
           <a:prstGeom prst="line">
@@ -5715,7 +5576,7 @@
           <p:cNvPr id="2" name="TextBox 1">
             <a:extLst>
               <a:ext uri="{FF2B5EF4-FFF2-40B4-BE49-F238E27FC236}">
-                <a16:creationId xmlns:a16="http://schemas.microsoft.com/office/drawing/2014/main" id="{8B78CA24-F079-ED11-7850-E52882B75E3C}"/>
+                <a16:creationId xmlns:a16="http://schemas.microsoft.com/office/drawing/2014/main" id="{84FEFDDB-626B-FC3F-6B7E-A19548E17679}"/>
               </a:ext>
             </a:extLst>
           </p:cNvPr>
@@ -5743,7 +5604,7 @@
               <a:rPr lang="en-US" sz="2400" dirty="0">
                 <a:latin typeface="Monaco" pitchFamily="2" charset="77"/>
               </a:rPr>
-              <a:t>merge</a:t>
+              <a:t>has-path?</a:t>
             </a:r>
             <a:endParaRPr lang="en-US" sz="2400" dirty="0"/>
           </a:p>
@@ -5752,7 +5613,7 @@
     </p:spTree>
     <p:extLst>
       <p:ext uri="{BB962C8B-B14F-4D97-AF65-F5344CB8AC3E}">
-        <p14:creationId xmlns:p14="http://schemas.microsoft.com/office/powerpoint/2010/main" val="662639836"/>
+        <p14:creationId xmlns:p14="http://schemas.microsoft.com/office/powerpoint/2010/main" val="3066410981"/>
       </p:ext>
     </p:extLst>
   </p:cSld>
@@ -5794,7 +5655,7 @@
         <p:spPr>
           <a:xfrm>
             <a:off x="503432" y="1476425"/>
-            <a:ext cx="10109771" cy="2585323"/>
+            <a:ext cx="10109771" cy="2862322"/>
           </a:xfrm>
           <a:prstGeom prst="rect">
             <a:avLst/>
@@ -5844,7 +5705,7 @@
               <a:rPr lang="en-US" dirty="0">
                 <a:latin typeface="Monaco" pitchFamily="2" charset="77"/>
               </a:rPr>
-              <a:t>empty</a:t>
+              <a:t>empty                 false  [1]       true                      [2]</a:t>
             </a:r>
           </a:p>
           <a:p>
@@ -5857,15 +5718,27 @@
               <a:rPr lang="en-US" dirty="0">
                 <a:latin typeface="Monaco" pitchFamily="2" charset="77"/>
               </a:rPr>
-              <a:t>(cons "L" Path)</a:t>
-            </a:r>
-          </a:p>
-          <a:p>
+              <a:t>(cons "L" Path)       false  [1]       (has-path? (node-l </a:t>
+            </a:r>
+            <a:r>
+              <a:rPr lang="en-US" dirty="0" err="1">
+                <a:latin typeface="Monaco" pitchFamily="2" charset="77"/>
+              </a:rPr>
+              <a:t>bt</a:t>
+            </a:r>
             <a:r>
               <a:rPr lang="en-US" dirty="0">
                 <a:latin typeface="Monaco" pitchFamily="2" charset="77"/>
               </a:rPr>
-              <a:t>                                                  </a:t>
+              <a:t>)    [3]</a:t>
+            </a:r>
+          </a:p>
+          <a:p>
+            <a:r>
+              <a:rPr lang="en-US" dirty="0">
+                <a:latin typeface="Monaco" pitchFamily="2" charset="77"/>
+              </a:rPr>
+              <a:t>                                                  (rest p))</a:t>
             </a:r>
           </a:p>
           <a:p>
@@ -5878,7 +5751,27 @@
               <a:rPr lang="en-US" dirty="0">
                 <a:latin typeface="Monaco" pitchFamily="2" charset="77"/>
               </a:rPr>
-              <a:t>(cons "R" Path)</a:t>
+              <a:t>(cons "R" Path)       false  [1]       (has-path? (node-r </a:t>
+            </a:r>
+            <a:r>
+              <a:rPr lang="en-US" dirty="0" err="1">
+                <a:latin typeface="Monaco" pitchFamily="2" charset="77"/>
+              </a:rPr>
+              <a:t>bt</a:t>
+            </a:r>
+            <a:r>
+              <a:rPr lang="en-US" dirty="0">
+                <a:latin typeface="Monaco" pitchFamily="2" charset="77"/>
+              </a:rPr>
+              <a:t>)    [4]</a:t>
+            </a:r>
+          </a:p>
+          <a:p>
+            <a:r>
+              <a:rPr lang="en-US" dirty="0">
+                <a:latin typeface="Monaco" pitchFamily="2" charset="77"/>
+              </a:rPr>
+              <a:t>                                                  (rest p))</a:t>
             </a:r>
           </a:p>
         </p:txBody>
@@ -5974,7 +5867,7 @@
           <p:cNvPr id="2" name="TextBox 1">
             <a:extLst>
               <a:ext uri="{FF2B5EF4-FFF2-40B4-BE49-F238E27FC236}">
-                <a16:creationId xmlns:a16="http://schemas.microsoft.com/office/drawing/2014/main" id="{84FEFDDB-626B-FC3F-6B7E-A19548E17679}"/>
+                <a16:creationId xmlns:a16="http://schemas.microsoft.com/office/drawing/2014/main" id="{AC7EDB21-7AAF-6CD7-A1FC-7069234DC164}"/>
               </a:ext>
             </a:extLst>
           </p:cNvPr>
@@ -6011,7 +5904,7 @@
     </p:spTree>
     <p:extLst>
       <p:ext uri="{BB962C8B-B14F-4D97-AF65-F5344CB8AC3E}">
-        <p14:creationId xmlns:p14="http://schemas.microsoft.com/office/powerpoint/2010/main" val="3066410981"/>
+        <p14:creationId xmlns:p14="http://schemas.microsoft.com/office/powerpoint/2010/main" val="1958710671"/>
       </p:ext>
     </p:extLst>
   </p:cSld>
@@ -6038,271 +5931,10 @@
           <a:chExt cx="0" cy="0"/>
         </a:xfrm>
       </p:grpSpPr>
-      <p:sp>
-        <p:nvSpPr>
-          <p:cNvPr id="3" name="TextBox 2">
-            <a:extLst>
-              <a:ext uri="{FF2B5EF4-FFF2-40B4-BE49-F238E27FC236}">
-                <a16:creationId xmlns:a16="http://schemas.microsoft.com/office/drawing/2014/main" id="{AC92C9B5-E4DF-7967-2D98-D0AE176D7B77}"/>
-              </a:ext>
-            </a:extLst>
-          </p:cNvPr>
-          <p:cNvSpPr txBox="1"/>
-          <p:nvPr/>
-        </p:nvSpPr>
-        <p:spPr>
-          <a:xfrm>
-            <a:off x="503432" y="1476425"/>
-            <a:ext cx="10109771" cy="2862322"/>
-          </a:xfrm>
-          <a:prstGeom prst="rect">
-            <a:avLst/>
-          </a:prstGeom>
-          <a:noFill/>
-        </p:spPr>
-        <p:txBody>
-          <a:bodyPr wrap="square">
-            <a:spAutoFit/>
-          </a:bodyPr>
-          <a:lstStyle/>
-          <a:p>
-            <a:r>
-              <a:rPr lang="en-US" dirty="0">
-                <a:latin typeface="Monaco" pitchFamily="2" charset="77"/>
-              </a:rPr>
-              <a:t> </a:t>
-            </a:r>
-            <a:r>
-              <a:rPr lang="en-US" dirty="0" err="1">
-                <a:latin typeface="Monaco" pitchFamily="2" charset="77"/>
-              </a:rPr>
-              <a:t>bt</a:t>
-            </a:r>
-            <a:r>
-              <a:rPr lang="en-US" dirty="0">
-                <a:latin typeface="Monaco" pitchFamily="2" charset="77"/>
-              </a:rPr>
-              <a:t>                   false            (make-node Nat Str BT BT) </a:t>
-            </a:r>
-          </a:p>
-          <a:p>
-            <a:r>
-              <a:rPr lang="en-US" dirty="0">
-                <a:latin typeface="Monaco" pitchFamily="2" charset="77"/>
-              </a:rPr>
-              <a:t> p</a:t>
-            </a:r>
-          </a:p>
-          <a:p>
-            <a:endParaRPr lang="en-US" dirty="0">
-              <a:latin typeface="Monaco" pitchFamily="2" charset="77"/>
-            </a:endParaRPr>
-          </a:p>
-          <a:p>
-            <a:r>
-              <a:rPr lang="en-US" dirty="0">
-                <a:latin typeface="Monaco" pitchFamily="2" charset="77"/>
-              </a:rPr>
-              <a:t>empty                 false  [1]       true                      [2]</a:t>
-            </a:r>
-          </a:p>
-          <a:p>
-            <a:endParaRPr lang="en-US" dirty="0">
-              <a:latin typeface="Monaco" pitchFamily="2" charset="77"/>
-            </a:endParaRPr>
-          </a:p>
-          <a:p>
-            <a:r>
-              <a:rPr lang="en-US" dirty="0">
-                <a:latin typeface="Monaco" pitchFamily="2" charset="77"/>
-              </a:rPr>
-              <a:t>(cons "L" Path)       false  [1]       (has-path? (node-l </a:t>
-            </a:r>
-            <a:r>
-              <a:rPr lang="en-US" dirty="0" err="1">
-                <a:latin typeface="Monaco" pitchFamily="2" charset="77"/>
-              </a:rPr>
-              <a:t>bt</a:t>
-            </a:r>
-            <a:r>
-              <a:rPr lang="en-US" dirty="0">
-                <a:latin typeface="Monaco" pitchFamily="2" charset="77"/>
-              </a:rPr>
-              <a:t>)    [3]</a:t>
-            </a:r>
-          </a:p>
-          <a:p>
-            <a:r>
-              <a:rPr lang="en-US" dirty="0">
-                <a:latin typeface="Monaco" pitchFamily="2" charset="77"/>
-              </a:rPr>
-              <a:t>                                                  (rest p))</a:t>
-            </a:r>
-          </a:p>
-          <a:p>
-            <a:endParaRPr lang="en-US" dirty="0">
-              <a:latin typeface="Monaco" pitchFamily="2" charset="77"/>
-            </a:endParaRPr>
-          </a:p>
-          <a:p>
-            <a:r>
-              <a:rPr lang="en-US" dirty="0">
-                <a:latin typeface="Monaco" pitchFamily="2" charset="77"/>
-              </a:rPr>
-              <a:t>(cons "R" Path)       false  [1]       (has-path? (node-r </a:t>
-            </a:r>
-            <a:r>
-              <a:rPr lang="en-US" dirty="0" err="1">
-                <a:latin typeface="Monaco" pitchFamily="2" charset="77"/>
-              </a:rPr>
-              <a:t>bt</a:t>
-            </a:r>
-            <a:r>
-              <a:rPr lang="en-US" dirty="0">
-                <a:latin typeface="Monaco" pitchFamily="2" charset="77"/>
-              </a:rPr>
-              <a:t>)    [4]</a:t>
-            </a:r>
-          </a:p>
-          <a:p>
-            <a:r>
-              <a:rPr lang="en-US" dirty="0">
-                <a:latin typeface="Monaco" pitchFamily="2" charset="77"/>
-              </a:rPr>
-              <a:t>                                                  (rest p))</a:t>
-            </a:r>
-          </a:p>
-        </p:txBody>
-      </p:sp>
-      <p:cxnSp>
-        <p:nvCxnSpPr>
-          <p:cNvPr id="4" name="Straight Connector 3">
-            <a:extLst>
-              <a:ext uri="{FF2B5EF4-FFF2-40B4-BE49-F238E27FC236}">
-                <a16:creationId xmlns:a16="http://schemas.microsoft.com/office/drawing/2014/main" id="{1D792F95-7229-C952-755B-9C2ACDEB5878}"/>
-              </a:ext>
-            </a:extLst>
-          </p:cNvPr>
-          <p:cNvCxnSpPr>
-            <a:cxnSpLocks/>
-          </p:cNvCxnSpPr>
-          <p:nvPr/>
-        </p:nvCxnSpPr>
-        <p:spPr>
-          <a:xfrm>
-            <a:off x="3195258" y="1476425"/>
-            <a:ext cx="0" cy="3359650"/>
-          </a:xfrm>
-          <a:prstGeom prst="line">
-            <a:avLst/>
-          </a:prstGeom>
-          <a:ln w="19050">
-            <a:solidFill>
-              <a:schemeClr val="tx1"/>
-            </a:solidFill>
-          </a:ln>
-        </p:spPr>
-        <p:style>
-          <a:lnRef idx="1">
-            <a:schemeClr val="accent1"/>
-          </a:lnRef>
-          <a:fillRef idx="0">
-            <a:schemeClr val="accent1"/>
-          </a:fillRef>
-          <a:effectRef idx="0">
-            <a:schemeClr val="accent1"/>
-          </a:effectRef>
-          <a:fontRef idx="minor">
-            <a:schemeClr val="tx1"/>
-          </a:fontRef>
-        </p:style>
-      </p:cxnSp>
-      <p:cxnSp>
-        <p:nvCxnSpPr>
-          <p:cNvPr id="5" name="Straight Connector 4">
-            <a:extLst>
-              <a:ext uri="{FF2B5EF4-FFF2-40B4-BE49-F238E27FC236}">
-                <a16:creationId xmlns:a16="http://schemas.microsoft.com/office/drawing/2014/main" id="{F6C0B70B-51EF-5B6A-3E01-13939597FC48}"/>
-              </a:ext>
-            </a:extLst>
-          </p:cNvPr>
-          <p:cNvCxnSpPr>
-            <a:cxnSpLocks/>
-          </p:cNvCxnSpPr>
-          <p:nvPr/>
-        </p:nvCxnSpPr>
-        <p:spPr>
-          <a:xfrm flipH="1">
-            <a:off x="380140" y="2217505"/>
-            <a:ext cx="9832369" cy="0"/>
-          </a:xfrm>
-          <a:prstGeom prst="line">
-            <a:avLst/>
-          </a:prstGeom>
-          <a:ln w="19050">
-            <a:solidFill>
-              <a:schemeClr val="tx1"/>
-            </a:solidFill>
-          </a:ln>
-        </p:spPr>
-        <p:style>
-          <a:lnRef idx="1">
-            <a:schemeClr val="accent1"/>
-          </a:lnRef>
-          <a:fillRef idx="0">
-            <a:schemeClr val="accent1"/>
-          </a:fillRef>
-          <a:effectRef idx="0">
-            <a:schemeClr val="accent1"/>
-          </a:effectRef>
-          <a:fontRef idx="minor">
-            <a:schemeClr val="tx1"/>
-          </a:fontRef>
-        </p:style>
-      </p:cxnSp>
-      <p:sp>
-        <p:nvSpPr>
-          <p:cNvPr id="2" name="TextBox 1">
-            <a:extLst>
-              <a:ext uri="{FF2B5EF4-FFF2-40B4-BE49-F238E27FC236}">
-                <a16:creationId xmlns:a16="http://schemas.microsoft.com/office/drawing/2014/main" id="{AC7EDB21-7AAF-6CD7-A1FC-7069234DC164}"/>
-              </a:ext>
-            </a:extLst>
-          </p:cNvPr>
-          <p:cNvSpPr txBox="1"/>
-          <p:nvPr/>
-        </p:nvSpPr>
-        <p:spPr>
-          <a:xfrm>
-            <a:off x="10085798" y="173974"/>
-            <a:ext cx="1869897" cy="461665"/>
-          </a:xfrm>
-          <a:prstGeom prst="rect">
-            <a:avLst/>
-          </a:prstGeom>
-          <a:noFill/>
-        </p:spPr>
-        <p:txBody>
-          <a:bodyPr wrap="square">
-            <a:spAutoFit/>
-          </a:bodyPr>
-          <a:lstStyle/>
-          <a:p>
-            <a:pPr algn="r"/>
-            <a:r>
-              <a:rPr lang="en-US" sz="2400" dirty="0">
-                <a:latin typeface="Monaco" pitchFamily="2" charset="77"/>
-              </a:rPr>
-              <a:t>has-path?</a:t>
-            </a:r>
-            <a:endParaRPr lang="en-US" sz="2400" dirty="0"/>
-          </a:p>
-        </p:txBody>
-      </p:sp>
     </p:spTree>
     <p:extLst>
       <p:ext uri="{BB962C8B-B14F-4D97-AF65-F5344CB8AC3E}">
-        <p14:creationId xmlns:p14="http://schemas.microsoft.com/office/powerpoint/2010/main" val="1958710671"/>
+        <p14:creationId xmlns:p14="http://schemas.microsoft.com/office/powerpoint/2010/main" val="3518214932"/>
       </p:ext>
     </p:extLst>
   </p:cSld>
@@ -6332,7 +5964,7 @@
     </p:spTree>
     <p:extLst>
       <p:ext uri="{BB962C8B-B14F-4D97-AF65-F5344CB8AC3E}">
-        <p14:creationId xmlns:p14="http://schemas.microsoft.com/office/powerpoint/2010/main" val="3518214932"/>
+        <p14:creationId xmlns:p14="http://schemas.microsoft.com/office/powerpoint/2010/main" val="2113561806"/>
       </p:ext>
     </p:extLst>
   </p:cSld>
@@ -6362,7 +5994,7 @@
     </p:spTree>
     <p:extLst>
       <p:ext uri="{BB962C8B-B14F-4D97-AF65-F5344CB8AC3E}">
-        <p14:creationId xmlns:p14="http://schemas.microsoft.com/office/powerpoint/2010/main" val="2113561806"/>
+        <p14:creationId xmlns:p14="http://schemas.microsoft.com/office/powerpoint/2010/main" val="1296224310"/>
       </p:ext>
     </p:extLst>
   </p:cSld>
@@ -6391,279 +6023,6 @@
       </p:grpSpPr>
       <p:sp>
         <p:nvSpPr>
-          <p:cNvPr id="3" name="Content Placeholder 2">
-            <a:extLst>
-              <a:ext uri="{FF2B5EF4-FFF2-40B4-BE49-F238E27FC236}">
-                <a16:creationId xmlns:a16="http://schemas.microsoft.com/office/drawing/2014/main" id="{769A3444-3192-B2DF-06A5-B8E37BF3CCC2}"/>
-              </a:ext>
-            </a:extLst>
-          </p:cNvPr>
-          <p:cNvSpPr>
-            <a:spLocks noGrp="1"/>
-          </p:cNvSpPr>
-          <p:nvPr>
-            <p:ph idx="1"/>
-          </p:nvPr>
-        </p:nvSpPr>
-        <p:spPr/>
-        <p:txBody>
-          <a:bodyPr/>
-          <a:lstStyle/>
-          <a:p>
-            <a:r>
-              <a:rPr lang="en-US" dirty="0"/>
-              <a:t>Read ALL answers, then check ALL THAT YOU FEEL APPLY before submit.</a:t>
-            </a:r>
-          </a:p>
-          <a:p>
-            <a:endParaRPr lang="en-US" dirty="0"/>
-          </a:p>
-          <a:p>
-            <a:r>
-              <a:rPr lang="en-US" dirty="0"/>
-              <a:t>To me, Piazza:</a:t>
-            </a:r>
-          </a:p>
-          <a:p>
-            <a:pPr marL="914400" lvl="1" indent="-457200">
-              <a:buFont typeface="+mj-lt"/>
-              <a:buAutoNum type="alphaUcPeriod"/>
-            </a:pPr>
-            <a:r>
-              <a:rPr lang="en-US" dirty="0"/>
-              <a:t>Is a place to go when I have questions.</a:t>
-            </a:r>
-          </a:p>
-          <a:p>
-            <a:pPr marL="914400" lvl="1" indent="-457200">
-              <a:buFont typeface="+mj-lt"/>
-              <a:buAutoNum type="alphaUcPeriod"/>
-            </a:pPr>
-            <a:r>
-              <a:rPr lang="en-US" dirty="0"/>
-              <a:t>Has too many questions to keep up with.</a:t>
-            </a:r>
-          </a:p>
-          <a:p>
-            <a:pPr marL="914400" lvl="1" indent="-457200">
-              <a:buFont typeface="+mj-lt"/>
-              <a:buAutoNum type="alphaUcPeriod"/>
-            </a:pPr>
-            <a:r>
-              <a:rPr lang="en-US" dirty="0"/>
-              <a:t>Is something I don’t have time for.</a:t>
-            </a:r>
-          </a:p>
-          <a:p>
-            <a:pPr marL="914400" lvl="1" indent="-457200">
-              <a:buFont typeface="+mj-lt"/>
-              <a:buAutoNum type="alphaUcPeriod"/>
-            </a:pPr>
-            <a:r>
-              <a:rPr lang="en-US" dirty="0"/>
-              <a:t>Is a commitment to read and learn and participate in the course community</a:t>
-            </a:r>
-          </a:p>
-          <a:p>
-            <a:pPr marL="914400" lvl="1" indent="-457200">
-              <a:buFont typeface="+mj-lt"/>
-              <a:buAutoNum type="alphaUcPeriod"/>
-            </a:pPr>
-            <a:r>
-              <a:rPr lang="en-US" dirty="0"/>
-              <a:t>Is less helpful than Discord</a:t>
-            </a:r>
-          </a:p>
-        </p:txBody>
-      </p:sp>
-    </p:spTree>
-    <p:extLst>
-      <p:ext uri="{BB962C8B-B14F-4D97-AF65-F5344CB8AC3E}">
-        <p14:creationId xmlns:p14="http://schemas.microsoft.com/office/powerpoint/2010/main" val="582110819"/>
-      </p:ext>
-    </p:extLst>
-  </p:cSld>
-  <p:clrMapOvr>
-    <a:masterClrMapping/>
-  </p:clrMapOvr>
-</p:sld>
-</file>
-
-<file path=ppt/slides/slide20.xml><?xml version="1.0" encoding="utf-8"?>
-<p:sld xmlns:a="http://schemas.openxmlformats.org/drawingml/2006/main" xmlns:r="http://schemas.openxmlformats.org/officeDocument/2006/relationships" xmlns:p="http://schemas.openxmlformats.org/presentationml/2006/main">
-  <p:cSld>
-    <p:spTree>
-      <p:nvGrpSpPr>
-        <p:cNvPr id="1" name=""/>
-        <p:cNvGrpSpPr/>
-        <p:nvPr/>
-      </p:nvGrpSpPr>
-      <p:grpSpPr>
-        <a:xfrm>
-          <a:off x="0" y="0"/>
-          <a:ext cx="0" cy="0"/>
-          <a:chOff x="0" y="0"/>
-          <a:chExt cx="0" cy="0"/>
-        </a:xfrm>
-      </p:grpSpPr>
-    </p:spTree>
-    <p:extLst>
-      <p:ext uri="{BB962C8B-B14F-4D97-AF65-F5344CB8AC3E}">
-        <p14:creationId xmlns:p14="http://schemas.microsoft.com/office/powerpoint/2010/main" val="1296224310"/>
-      </p:ext>
-    </p:extLst>
-  </p:cSld>
-  <p:clrMapOvr>
-    <a:masterClrMapping/>
-  </p:clrMapOvr>
-</p:sld>
-</file>
-
-<file path=ppt/slides/slide3.xml><?xml version="1.0" encoding="utf-8"?>
-<p:sld xmlns:a="http://schemas.openxmlformats.org/drawingml/2006/main" xmlns:r="http://schemas.openxmlformats.org/officeDocument/2006/relationships" xmlns:p="http://schemas.openxmlformats.org/presentationml/2006/main">
-  <p:cSld>
-    <p:spTree>
-      <p:nvGrpSpPr>
-        <p:cNvPr id="1" name=""/>
-        <p:cNvGrpSpPr/>
-        <p:nvPr/>
-      </p:nvGrpSpPr>
-      <p:grpSpPr>
-        <a:xfrm>
-          <a:off x="0" y="0"/>
-          <a:ext cx="0" cy="0"/>
-          <a:chOff x="0" y="0"/>
-          <a:chExt cx="0" cy="0"/>
-        </a:xfrm>
-      </p:grpSpPr>
-      <p:sp>
-        <p:nvSpPr>
-          <p:cNvPr id="3" name="Content Placeholder 2">
-            <a:extLst>
-              <a:ext uri="{FF2B5EF4-FFF2-40B4-BE49-F238E27FC236}">
-                <a16:creationId xmlns:a16="http://schemas.microsoft.com/office/drawing/2014/main" id="{1B3CB7E6-0310-DE78-AE6E-AEB71D9A2B2A}"/>
-              </a:ext>
-            </a:extLst>
-          </p:cNvPr>
-          <p:cNvSpPr>
-            <a:spLocks noGrp="1"/>
-          </p:cNvSpPr>
-          <p:nvPr>
-            <p:ph idx="1"/>
-          </p:nvPr>
-        </p:nvSpPr>
-        <p:spPr>
-          <a:xfrm>
-            <a:off x="838200" y="996593"/>
-            <a:ext cx="10515600" cy="5180370"/>
-          </a:xfrm>
-        </p:spPr>
-        <p:txBody>
-          <a:bodyPr>
-            <a:normAutofit fontScale="92500" lnSpcReduction="10000"/>
-          </a:bodyPr>
-          <a:lstStyle/>
-          <a:p>
-            <a:r>
-              <a:rPr lang="en-US" dirty="0"/>
-              <a:t>Being able to contribute to and get help from a discussion forum is an </a:t>
-            </a:r>
-            <a:r>
-              <a:rPr lang="en-US" u="sng" dirty="0"/>
-              <a:t>essential professional skill</a:t>
-            </a:r>
-            <a:r>
-              <a:rPr lang="en-US" dirty="0"/>
-              <a:t>. This skill will affect your performance in your first co-op.</a:t>
-            </a:r>
-          </a:p>
-          <a:p>
-            <a:endParaRPr lang="en-US" dirty="0"/>
-          </a:p>
-          <a:p>
-            <a:pPr lvl="1"/>
-            <a:r>
-              <a:rPr lang="en-US" dirty="0"/>
-              <a:t>Be polite at all times. (Even when responding to a question that may violate other norms of </a:t>
-            </a:r>
-            <a:r>
-              <a:rPr lang="en-US" dirty="0" err="1"/>
-              <a:t>behaviour</a:t>
-            </a:r>
-            <a:r>
-              <a:rPr lang="en-US" dirty="0"/>
-              <a:t>.)</a:t>
-            </a:r>
-          </a:p>
-          <a:p>
-            <a:pPr lvl="1"/>
-            <a:endParaRPr lang="en-US" dirty="0"/>
-          </a:p>
-          <a:p>
-            <a:pPr lvl="1"/>
-            <a:r>
-              <a:rPr lang="en-US" dirty="0"/>
-              <a:t>Don’t clutter the forum. Invest time looking for an answer before asking. Not doing so projects that you value other’s time as less important than your own.</a:t>
-            </a:r>
-          </a:p>
-          <a:p>
-            <a:pPr marL="457200" lvl="1" indent="0">
-              <a:buNone/>
-            </a:pPr>
-            <a:endParaRPr lang="en-US" dirty="0"/>
-          </a:p>
-          <a:p>
-            <a:pPr lvl="1"/>
-            <a:r>
-              <a:rPr lang="en-US" dirty="0"/>
-              <a:t>Make contributions to the forum. Write up questions carefully. Include examples, include links, include all relevant details. Again, not doing so projects that you value other’s time as less important than your own.</a:t>
-            </a:r>
-            <a:br>
-              <a:rPr lang="en-US" dirty="0"/>
-            </a:br>
-            <a:endParaRPr lang="en-US" dirty="0"/>
-          </a:p>
-          <a:p>
-            <a:pPr lvl="1"/>
-            <a:r>
-              <a:rPr lang="en-US" dirty="0"/>
-              <a:t>Also do not ask or answer questions that violate the course academic integrity policy.</a:t>
-            </a:r>
-          </a:p>
-        </p:txBody>
-      </p:sp>
-    </p:spTree>
-    <p:extLst>
-      <p:ext uri="{BB962C8B-B14F-4D97-AF65-F5344CB8AC3E}">
-        <p14:creationId xmlns:p14="http://schemas.microsoft.com/office/powerpoint/2010/main" val="4136007236"/>
-      </p:ext>
-    </p:extLst>
-  </p:cSld>
-  <p:clrMapOvr>
-    <a:masterClrMapping/>
-  </p:clrMapOvr>
-</p:sld>
-</file>
-
-<file path=ppt/slides/slide4.xml><?xml version="1.0" encoding="utf-8"?>
-<p:sld xmlns:a="http://schemas.openxmlformats.org/drawingml/2006/main" xmlns:r="http://schemas.openxmlformats.org/officeDocument/2006/relationships" xmlns:p="http://schemas.openxmlformats.org/presentationml/2006/main">
-  <p:cSld>
-    <p:spTree>
-      <p:nvGrpSpPr>
-        <p:cNvPr id="1" name=""/>
-        <p:cNvGrpSpPr/>
-        <p:nvPr/>
-      </p:nvGrpSpPr>
-      <p:grpSpPr>
-        <a:xfrm>
-          <a:off x="0" y="0"/>
-          <a:ext cx="0" cy="0"/>
-          <a:chOff x="0" y="0"/>
-          <a:chExt cx="0" cy="0"/>
-        </a:xfrm>
-      </p:grpSpPr>
-      <p:sp>
-        <p:nvSpPr>
           <p:cNvPr id="4" name="TextBox 3">
             <a:extLst>
               <a:ext uri="{FF2B5EF4-FFF2-40B4-BE49-F238E27FC236}">
@@ -6694,7 +6053,7 @@
               <a:rPr lang="en-US" sz="2000" dirty="0">
                 <a:latin typeface="Monaco" pitchFamily="2" charset="77"/>
               </a:rPr>
-              <a:t>(define-struct terminal (label weight color))</a:t>
+              <a:t>(define-struct leaf (label weight color))</a:t>
             </a:r>
           </a:p>
           <a:p>
@@ -6702,7 +6061,7 @@
               <a:rPr lang="en-US" sz="2000" dirty="0">
                 <a:latin typeface="Monaco" pitchFamily="2" charset="77"/>
               </a:rPr>
-              <a:t>(define-struct group (color subs))</a:t>
+              <a:t>(define-struct inner (color subs))</a:t>
             </a:r>
           </a:p>
           <a:p>
@@ -6718,7 +6077,7 @@
               <a:rPr lang="en-US" sz="2000" dirty="0">
                 <a:latin typeface="Monaco" pitchFamily="2" charset="77"/>
               </a:rPr>
-              <a:t>;;  - (make-terminal String Natural Color)</a:t>
+              <a:t>;;  - (make-leaf String Natural Color)</a:t>
             </a:r>
           </a:p>
           <a:p>
@@ -6726,7 +6085,7 @@
               <a:rPr lang="en-US" sz="2000" dirty="0">
                 <a:latin typeface="Monaco" pitchFamily="2" charset="77"/>
               </a:rPr>
-              <a:t>;;  - (make-group Color </a:t>
+              <a:t>;;  - (make-inner Color </a:t>
             </a:r>
             <a:r>
               <a:rPr lang="en-US" sz="2000" dirty="0" err="1">
@@ -7048,6 +6407,614 @@
 </p:sld>
 </file>
 
+<file path=ppt/slides/slide3.xml><?xml version="1.0" encoding="utf-8"?>
+<p:sld xmlns:a="http://schemas.openxmlformats.org/drawingml/2006/main" xmlns:r="http://schemas.openxmlformats.org/officeDocument/2006/relationships" xmlns:p="http://schemas.openxmlformats.org/presentationml/2006/main">
+  <p:cSld>
+    <p:spTree>
+      <p:nvGrpSpPr>
+        <p:cNvPr id="1" name=""/>
+        <p:cNvGrpSpPr/>
+        <p:nvPr/>
+      </p:nvGrpSpPr>
+      <p:grpSpPr>
+        <a:xfrm>
+          <a:off x="0" y="0"/>
+          <a:ext cx="0" cy="0"/>
+          <a:chOff x="0" y="0"/>
+          <a:chExt cx="0" cy="0"/>
+        </a:xfrm>
+      </p:grpSpPr>
+      <p:sp>
+        <p:nvSpPr>
+          <p:cNvPr id="4" name="TextBox 3">
+            <a:extLst>
+              <a:ext uri="{FF2B5EF4-FFF2-40B4-BE49-F238E27FC236}">
+                <a16:creationId xmlns:a16="http://schemas.microsoft.com/office/drawing/2014/main" id="{E30EC3DD-2984-F74F-96CB-74685B6BF887}"/>
+              </a:ext>
+            </a:extLst>
+          </p:cNvPr>
+          <p:cNvSpPr txBox="1"/>
+          <p:nvPr/>
+        </p:nvSpPr>
+        <p:spPr>
+          <a:xfrm>
+            <a:off x="1796902" y="1286540"/>
+            <a:ext cx="8654903" cy="4401205"/>
+          </a:xfrm>
+          <a:prstGeom prst="rect">
+            <a:avLst/>
+          </a:prstGeom>
+          <a:noFill/>
+        </p:spPr>
+        <p:txBody>
+          <a:bodyPr wrap="square" rtlCol="0">
+            <a:spAutoFit/>
+          </a:bodyPr>
+          <a:lstStyle/>
+          <a:p>
+            <a:r>
+              <a:rPr lang="en-US" sz="2000" dirty="0">
+                <a:latin typeface="Monaco" pitchFamily="2" charset="77"/>
+              </a:rPr>
+              <a:t>(define (</a:t>
+            </a:r>
+            <a:r>
+              <a:rPr lang="en-US" sz="2000" dirty="0" err="1">
+                <a:latin typeface="Monaco" pitchFamily="2" charset="77"/>
+              </a:rPr>
+              <a:t>fn</a:t>
+            </a:r>
+            <a:r>
+              <a:rPr lang="en-US" sz="2000" dirty="0">
+                <a:latin typeface="Monaco" pitchFamily="2" charset="77"/>
+              </a:rPr>
+              <a:t>-for-region r)</a:t>
+            </a:r>
+          </a:p>
+          <a:p>
+            <a:r>
+              <a:rPr lang="en-US" sz="2000" dirty="0">
+                <a:latin typeface="Monaco" pitchFamily="2" charset="77"/>
+              </a:rPr>
+              <a:t>  (</a:t>
+            </a:r>
+            <a:r>
+              <a:rPr lang="en-US" sz="2000" dirty="0" err="1">
+                <a:latin typeface="Monaco" pitchFamily="2" charset="77"/>
+              </a:rPr>
+              <a:t>cond</a:t>
+            </a:r>
+            <a:r>
+              <a:rPr lang="en-US" sz="2000" dirty="0">
+                <a:latin typeface="Monaco" pitchFamily="2" charset="77"/>
+              </a:rPr>
+              <a:t> [(single? r)</a:t>
+            </a:r>
+          </a:p>
+          <a:p>
+            <a:r>
+              <a:rPr lang="en-US" sz="2000" dirty="0">
+                <a:latin typeface="Monaco" pitchFamily="2" charset="77"/>
+              </a:rPr>
+              <a:t>         (... (single-label r)</a:t>
+            </a:r>
+          </a:p>
+          <a:p>
+            <a:r>
+              <a:rPr lang="en-US" sz="2000" dirty="0">
+                <a:latin typeface="Monaco" pitchFamily="2" charset="77"/>
+              </a:rPr>
+              <a:t>              (single-weight r)</a:t>
+            </a:r>
+          </a:p>
+          <a:p>
+            <a:r>
+              <a:rPr lang="en-US" sz="2000" dirty="0">
+                <a:latin typeface="Monaco" pitchFamily="2" charset="77"/>
+              </a:rPr>
+              <a:t>              (single-color r))]</a:t>
+            </a:r>
+          </a:p>
+          <a:p>
+            <a:r>
+              <a:rPr lang="en-US" sz="2000" dirty="0">
+                <a:latin typeface="Monaco" pitchFamily="2" charset="77"/>
+              </a:rPr>
+              <a:t>        [else</a:t>
+            </a:r>
+          </a:p>
+          <a:p>
+            <a:r>
+              <a:rPr lang="en-US" sz="2000" dirty="0">
+                <a:latin typeface="Monaco" pitchFamily="2" charset="77"/>
+              </a:rPr>
+              <a:t>         (... (group-color r)</a:t>
+            </a:r>
+          </a:p>
+          <a:p>
+            <a:r>
+              <a:rPr lang="en-US" sz="2000" dirty="0">
+                <a:latin typeface="Monaco" pitchFamily="2" charset="77"/>
+              </a:rPr>
+              <a:t>              (</a:t>
+            </a:r>
+            <a:r>
+              <a:rPr lang="en-US" sz="2000" dirty="0" err="1">
+                <a:latin typeface="Monaco" pitchFamily="2" charset="77"/>
+              </a:rPr>
+              <a:t>fn</a:t>
+            </a:r>
+            <a:r>
+              <a:rPr lang="en-US" sz="2000" dirty="0">
+                <a:latin typeface="Monaco" pitchFamily="2" charset="77"/>
+              </a:rPr>
+              <a:t>-for-lor (group-subs r)))]))</a:t>
+            </a:r>
+          </a:p>
+          <a:p>
+            <a:endParaRPr lang="en-US" sz="2000" dirty="0">
+              <a:latin typeface="Monaco" pitchFamily="2" charset="77"/>
+            </a:endParaRPr>
+          </a:p>
+          <a:p>
+            <a:r>
+              <a:rPr lang="en-US" sz="2000" dirty="0">
+                <a:latin typeface="Monaco" pitchFamily="2" charset="77"/>
+              </a:rPr>
+              <a:t>(define (</a:t>
+            </a:r>
+            <a:r>
+              <a:rPr lang="en-US" sz="2000" dirty="0" err="1">
+                <a:latin typeface="Monaco" pitchFamily="2" charset="77"/>
+              </a:rPr>
+              <a:t>fn</a:t>
+            </a:r>
+            <a:r>
+              <a:rPr lang="en-US" sz="2000" dirty="0">
+                <a:latin typeface="Monaco" pitchFamily="2" charset="77"/>
+              </a:rPr>
+              <a:t>-for-lor lor)</a:t>
+            </a:r>
+          </a:p>
+          <a:p>
+            <a:r>
+              <a:rPr lang="en-US" sz="2000" dirty="0">
+                <a:latin typeface="Monaco" pitchFamily="2" charset="77"/>
+              </a:rPr>
+              <a:t>  (</a:t>
+            </a:r>
+            <a:r>
+              <a:rPr lang="en-US" sz="2000" dirty="0" err="1">
+                <a:latin typeface="Monaco" pitchFamily="2" charset="77"/>
+              </a:rPr>
+              <a:t>cond</a:t>
+            </a:r>
+            <a:r>
+              <a:rPr lang="en-US" sz="2000" dirty="0">
+                <a:latin typeface="Monaco" pitchFamily="2" charset="77"/>
+              </a:rPr>
+              <a:t> [(empty? lor) (...)]</a:t>
+            </a:r>
+          </a:p>
+          <a:p>
+            <a:r>
+              <a:rPr lang="en-US" sz="2000" dirty="0">
+                <a:latin typeface="Monaco" pitchFamily="2" charset="77"/>
+              </a:rPr>
+              <a:t>        [else</a:t>
+            </a:r>
+          </a:p>
+          <a:p>
+            <a:r>
+              <a:rPr lang="en-US" sz="2000" dirty="0">
+                <a:latin typeface="Monaco" pitchFamily="2" charset="77"/>
+              </a:rPr>
+              <a:t>         (... (</a:t>
+            </a:r>
+            <a:r>
+              <a:rPr lang="en-US" sz="2000" dirty="0" err="1">
+                <a:latin typeface="Monaco" pitchFamily="2" charset="77"/>
+              </a:rPr>
+              <a:t>fn</a:t>
+            </a:r>
+            <a:r>
+              <a:rPr lang="en-US" sz="2000" dirty="0">
+                <a:latin typeface="Monaco" pitchFamily="2" charset="77"/>
+              </a:rPr>
+              <a:t>-for-region (first lor))</a:t>
+            </a:r>
+          </a:p>
+          <a:p>
+            <a:r>
+              <a:rPr lang="en-US" sz="2000" dirty="0">
+                <a:latin typeface="Monaco" pitchFamily="2" charset="77"/>
+              </a:rPr>
+              <a:t>              (</a:t>
+            </a:r>
+            <a:r>
+              <a:rPr lang="en-US" sz="2000" dirty="0" err="1">
+                <a:latin typeface="Monaco" pitchFamily="2" charset="77"/>
+              </a:rPr>
+              <a:t>fn</a:t>
+            </a:r>
+            <a:r>
+              <a:rPr lang="en-US" sz="2000" dirty="0">
+                <a:latin typeface="Monaco" pitchFamily="2" charset="77"/>
+              </a:rPr>
+              <a:t>-for-lor (rest lor)))]))</a:t>
+            </a:r>
+          </a:p>
+        </p:txBody>
+      </p:sp>
+    </p:spTree>
+    <p:extLst>
+      <p:ext uri="{BB962C8B-B14F-4D97-AF65-F5344CB8AC3E}">
+        <p14:creationId xmlns:p14="http://schemas.microsoft.com/office/powerpoint/2010/main" val="3910266819"/>
+      </p:ext>
+    </p:extLst>
+  </p:cSld>
+  <p:clrMapOvr>
+    <a:masterClrMapping/>
+  </p:clrMapOvr>
+</p:sld>
+</file>
+
+<file path=ppt/slides/slide4.xml><?xml version="1.0" encoding="utf-8"?>
+<p:sld xmlns:a="http://schemas.openxmlformats.org/drawingml/2006/main" xmlns:r="http://schemas.openxmlformats.org/officeDocument/2006/relationships" xmlns:p="http://schemas.openxmlformats.org/presentationml/2006/main">
+  <p:cSld>
+    <p:spTree>
+      <p:nvGrpSpPr>
+        <p:cNvPr id="1" name=""/>
+        <p:cNvGrpSpPr/>
+        <p:nvPr/>
+      </p:nvGrpSpPr>
+      <p:grpSpPr>
+        <a:xfrm>
+          <a:off x="0" y="0"/>
+          <a:ext cx="0" cy="0"/>
+          <a:chOff x="0" y="0"/>
+          <a:chExt cx="0" cy="0"/>
+        </a:xfrm>
+      </p:grpSpPr>
+      <p:sp>
+        <p:nvSpPr>
+          <p:cNvPr id="4" name="TextBox 3">
+            <a:extLst>
+              <a:ext uri="{FF2B5EF4-FFF2-40B4-BE49-F238E27FC236}">
+                <a16:creationId xmlns:a16="http://schemas.microsoft.com/office/drawing/2014/main" id="{E30EC3DD-2984-F74F-96CB-74685B6BF887}"/>
+              </a:ext>
+            </a:extLst>
+          </p:cNvPr>
+          <p:cNvSpPr txBox="1"/>
+          <p:nvPr/>
+        </p:nvSpPr>
+        <p:spPr>
+          <a:xfrm>
+            <a:off x="1796902" y="1286540"/>
+            <a:ext cx="8654903" cy="3170099"/>
+          </a:xfrm>
+          <a:prstGeom prst="rect">
+            <a:avLst/>
+          </a:prstGeom>
+          <a:noFill/>
+        </p:spPr>
+        <p:txBody>
+          <a:bodyPr wrap="square" rtlCol="0">
+            <a:spAutoFit/>
+          </a:bodyPr>
+          <a:lstStyle/>
+          <a:p>
+            <a:r>
+              <a:rPr lang="en-US" sz="2000" dirty="0">
+                <a:latin typeface="Monaco" pitchFamily="2" charset="77"/>
+              </a:rPr>
+              <a:t>(define-struct terminal (label weight color))</a:t>
+            </a:r>
+          </a:p>
+          <a:p>
+            <a:r>
+              <a:rPr lang="en-US" sz="2000" dirty="0">
+                <a:latin typeface="Monaco" pitchFamily="2" charset="77"/>
+              </a:rPr>
+              <a:t>(define-struct group (color subs))</a:t>
+            </a:r>
+          </a:p>
+          <a:p>
+            <a:r>
+              <a:rPr lang="en-US" sz="2000" dirty="0">
+                <a:latin typeface="Monaco" pitchFamily="2" charset="77"/>
+              </a:rPr>
+              <a:t>;; Region is one of:</a:t>
+            </a:r>
+          </a:p>
+          <a:p>
+            <a:r>
+              <a:rPr lang="en-US" sz="2000" dirty="0">
+                <a:latin typeface="Monaco" pitchFamily="2" charset="77"/>
+              </a:rPr>
+              <a:t>;;  - </a:t>
+            </a:r>
+            <a:r>
+              <a:rPr lang="en-US" sz="2000" dirty="0">
+                <a:solidFill>
+                  <a:schemeClr val="bg2">
+                    <a:lumMod val="90000"/>
+                  </a:schemeClr>
+                </a:solidFill>
+                <a:latin typeface="Monaco" pitchFamily="2" charset="77"/>
+              </a:rPr>
+              <a:t>(make-terminal   </a:t>
+            </a:r>
+            <a:r>
+              <a:rPr lang="en-US" sz="2000" dirty="0">
+                <a:solidFill>
+                  <a:srgbClr val="FF0000"/>
+                </a:solidFill>
+                <a:latin typeface="Monaco" pitchFamily="2" charset="77"/>
+              </a:rPr>
+              <a:t>(list </a:t>
+            </a:r>
+            <a:r>
+              <a:rPr lang="en-US" sz="2000" dirty="0">
+                <a:latin typeface="Monaco" pitchFamily="2" charset="77"/>
+              </a:rPr>
+              <a:t>String</a:t>
+            </a:r>
+            <a:r>
+              <a:rPr lang="en-US" sz="2000" dirty="0">
+                <a:solidFill>
+                  <a:srgbClr val="FF0000"/>
+                </a:solidFill>
+                <a:latin typeface="Monaco" pitchFamily="2" charset="77"/>
+              </a:rPr>
+              <a:t>)</a:t>
+            </a:r>
+            <a:r>
+              <a:rPr lang="en-US" sz="2000" dirty="0">
+                <a:latin typeface="Monaco" pitchFamily="2" charset="77"/>
+              </a:rPr>
+              <a:t> </a:t>
+            </a:r>
+            <a:r>
+              <a:rPr lang="en-US" sz="2000" dirty="0">
+                <a:solidFill>
+                  <a:schemeClr val="bg2">
+                    <a:lumMod val="90000"/>
+                  </a:schemeClr>
+                </a:solidFill>
+                <a:latin typeface="Monaco" pitchFamily="2" charset="77"/>
+              </a:rPr>
+              <a:t>Natural Color)</a:t>
+            </a:r>
+          </a:p>
+          <a:p>
+            <a:r>
+              <a:rPr lang="en-US" sz="2000" dirty="0">
+                <a:latin typeface="Monaco" pitchFamily="2" charset="77"/>
+              </a:rPr>
+              <a:t>;;  - </a:t>
+            </a:r>
+            <a:r>
+              <a:rPr lang="en-US" sz="2000" dirty="0">
+                <a:solidFill>
+                  <a:schemeClr val="bg2">
+                    <a:lumMod val="90000"/>
+                  </a:schemeClr>
+                </a:solidFill>
+                <a:latin typeface="Monaco" pitchFamily="2" charset="77"/>
+              </a:rPr>
+              <a:t>(make-group Color  </a:t>
+            </a:r>
+            <a:r>
+              <a:rPr lang="en-US" sz="2000" dirty="0">
+                <a:solidFill>
+                  <a:srgbClr val="FF0000"/>
+                </a:solidFill>
+                <a:latin typeface="Monaco" pitchFamily="2" charset="77"/>
+              </a:rPr>
+              <a:t>(NMR </a:t>
+            </a:r>
+            <a:r>
+              <a:rPr lang="en-US" sz="2000" dirty="0" err="1">
+                <a:latin typeface="Monaco" pitchFamily="2" charset="77"/>
+              </a:rPr>
+              <a:t>ListOfRegion</a:t>
+            </a:r>
+            <a:r>
+              <a:rPr lang="en-US" sz="2000" dirty="0">
+                <a:solidFill>
+                  <a:srgbClr val="FF0000"/>
+                </a:solidFill>
+                <a:latin typeface="Monaco" pitchFamily="2" charset="77"/>
+              </a:rPr>
+              <a:t>)</a:t>
+            </a:r>
+            <a:r>
+              <a:rPr lang="en-US" sz="2000" dirty="0">
+                <a:latin typeface="Monaco" pitchFamily="2" charset="77"/>
+              </a:rPr>
+              <a:t>  </a:t>
+            </a:r>
+            <a:r>
+              <a:rPr lang="en-US" sz="2000" dirty="0">
+                <a:solidFill>
+                  <a:schemeClr val="bg2">
+                    <a:lumMod val="90000"/>
+                  </a:schemeClr>
+                </a:solidFill>
+                <a:latin typeface="Monaco" pitchFamily="2" charset="77"/>
+              </a:rPr>
+              <a:t>)</a:t>
+            </a:r>
+          </a:p>
+          <a:p>
+            <a:endParaRPr lang="en-US" sz="2000" dirty="0">
+              <a:latin typeface="Monaco" pitchFamily="2" charset="77"/>
+            </a:endParaRPr>
+          </a:p>
+          <a:p>
+            <a:r>
+              <a:rPr lang="en-US" sz="2000" dirty="0">
+                <a:latin typeface="Monaco" pitchFamily="2" charset="77"/>
+              </a:rPr>
+              <a:t>;; </a:t>
+            </a:r>
+            <a:r>
+              <a:rPr lang="en-US" sz="2000" dirty="0" err="1">
+                <a:latin typeface="Monaco" pitchFamily="2" charset="77"/>
+              </a:rPr>
+              <a:t>ListOfRegion</a:t>
+            </a:r>
+            <a:r>
+              <a:rPr lang="en-US" sz="2000" dirty="0">
+                <a:latin typeface="Monaco" pitchFamily="2" charset="77"/>
+              </a:rPr>
+              <a:t> is one of:</a:t>
+            </a:r>
+          </a:p>
+          <a:p>
+            <a:r>
+              <a:rPr lang="en-US" sz="2000" dirty="0">
+                <a:latin typeface="Monaco" pitchFamily="2" charset="77"/>
+              </a:rPr>
+              <a:t>;;  - empty</a:t>
+            </a:r>
+          </a:p>
+          <a:p>
+            <a:r>
+              <a:rPr lang="en-US" sz="2000" dirty="0">
+                <a:latin typeface="Monaco" pitchFamily="2" charset="77"/>
+              </a:rPr>
+              <a:t>;;  - </a:t>
+            </a:r>
+            <a:r>
+              <a:rPr lang="en-US" sz="2000" dirty="0">
+                <a:solidFill>
+                  <a:schemeClr val="bg2">
+                    <a:lumMod val="90000"/>
+                  </a:schemeClr>
+                </a:solidFill>
+                <a:latin typeface="Monaco" pitchFamily="2" charset="77"/>
+              </a:rPr>
+              <a:t>(cons </a:t>
+            </a:r>
+            <a:r>
+              <a:rPr lang="en-US" sz="2000" dirty="0">
+                <a:solidFill>
+                  <a:srgbClr val="FF0000"/>
+                </a:solidFill>
+                <a:latin typeface="Monaco" pitchFamily="2" charset="77"/>
+              </a:rPr>
+              <a:t>(append (NMR </a:t>
+            </a:r>
+            <a:r>
+              <a:rPr lang="en-US" sz="2000" dirty="0">
+                <a:latin typeface="Monaco" pitchFamily="2" charset="77"/>
+              </a:rPr>
+              <a:t>Region</a:t>
+            </a:r>
+            <a:r>
+              <a:rPr lang="en-US" sz="2000" dirty="0">
+                <a:solidFill>
+                  <a:srgbClr val="FF0000"/>
+                </a:solidFill>
+                <a:latin typeface="Monaco" pitchFamily="2" charset="77"/>
+              </a:rPr>
+              <a:t>)</a:t>
+            </a:r>
+          </a:p>
+          <a:p>
+            <a:r>
+              <a:rPr lang="en-US" sz="2000" dirty="0">
+                <a:latin typeface="Monaco" pitchFamily="2" charset="77"/>
+              </a:rPr>
+              <a:t>;;                  </a:t>
+            </a:r>
+            <a:r>
+              <a:rPr lang="en-US" sz="2000" dirty="0">
+                <a:solidFill>
+                  <a:srgbClr val="FF0000"/>
+                </a:solidFill>
+                <a:latin typeface="Monaco" pitchFamily="2" charset="77"/>
+              </a:rPr>
+              <a:t>(NR </a:t>
+            </a:r>
+            <a:r>
+              <a:rPr lang="en-US" sz="2000" dirty="0" err="1">
+                <a:latin typeface="Monaco" pitchFamily="2" charset="77"/>
+              </a:rPr>
+              <a:t>ListOfRegion</a:t>
+            </a:r>
+            <a:r>
+              <a:rPr lang="en-US" sz="2000" dirty="0">
+                <a:solidFill>
+                  <a:srgbClr val="FF0000"/>
+                </a:solidFill>
+                <a:latin typeface="Monaco" pitchFamily="2" charset="77"/>
+              </a:rPr>
+              <a:t>)</a:t>
+            </a:r>
+            <a:r>
+              <a:rPr lang="en-US" sz="2000" dirty="0">
+                <a:latin typeface="Monaco" pitchFamily="2" charset="77"/>
+              </a:rPr>
+              <a:t>))</a:t>
+            </a:r>
+          </a:p>
+        </p:txBody>
+      </p:sp>
+      <p:sp>
+        <p:nvSpPr>
+          <p:cNvPr id="2" name="TextBox 1">
+            <a:extLst>
+              <a:ext uri="{FF2B5EF4-FFF2-40B4-BE49-F238E27FC236}">
+                <a16:creationId xmlns:a16="http://schemas.microsoft.com/office/drawing/2014/main" id="{85361BBE-F149-8535-ABA1-2CA3518FF853}"/>
+              </a:ext>
+            </a:extLst>
+          </p:cNvPr>
+          <p:cNvSpPr txBox="1"/>
+          <p:nvPr/>
+        </p:nvSpPr>
+        <p:spPr>
+          <a:xfrm>
+            <a:off x="914400" y="246580"/>
+            <a:ext cx="2671281" cy="707886"/>
+          </a:xfrm>
+          <a:prstGeom prst="rect">
+            <a:avLst/>
+          </a:prstGeom>
+          <a:noFill/>
+        </p:spPr>
+        <p:txBody>
+          <a:bodyPr wrap="square" rtlCol="0">
+            <a:spAutoFit/>
+          </a:bodyPr>
+          <a:lstStyle/>
+          <a:p>
+            <a:r>
+              <a:rPr lang="en-US" sz="4000" dirty="0">
+                <a:solidFill>
+                  <a:srgbClr val="FF0000"/>
+                </a:solidFill>
+              </a:rPr>
+              <a:t>all-labels</a:t>
+            </a:r>
+          </a:p>
+        </p:txBody>
+      </p:sp>
+    </p:spTree>
+    <p:extLst>
+      <p:ext uri="{BB962C8B-B14F-4D97-AF65-F5344CB8AC3E}">
+        <p14:creationId xmlns:p14="http://schemas.microsoft.com/office/powerpoint/2010/main" val="1491204368"/>
+      </p:ext>
+    </p:extLst>
+  </p:cSld>
+  <p:clrMapOvr>
+    <a:masterClrMapping/>
+  </p:clrMapOvr>
+</p:sld>
+</file>
+
 <file path=ppt/slides/slide5.xml><?xml version="1.0" encoding="utf-8"?>
 <p:sld xmlns:a="http://schemas.openxmlformats.org/drawingml/2006/main" xmlns:r="http://schemas.openxmlformats.org/officeDocument/2006/relationships" xmlns:p="http://schemas.openxmlformats.org/presentationml/2006/main">
   <p:cSld>
@@ -7067,222 +7034,83 @@
       </p:grpSpPr>
       <p:sp>
         <p:nvSpPr>
-          <p:cNvPr id="4" name="TextBox 3">
-            <a:extLst>
-              <a:ext uri="{FF2B5EF4-FFF2-40B4-BE49-F238E27FC236}">
-                <a16:creationId xmlns:a16="http://schemas.microsoft.com/office/drawing/2014/main" id="{E30EC3DD-2984-F74F-96CB-74685B6BF887}"/>
-              </a:ext>
-            </a:extLst>
-          </p:cNvPr>
-          <p:cNvSpPr txBox="1"/>
-          <p:nvPr/>
-        </p:nvSpPr>
-        <p:spPr>
-          <a:xfrm>
-            <a:off x="1796902" y="1286540"/>
-            <a:ext cx="8654903" cy="4401205"/>
-          </a:xfrm>
-          <a:prstGeom prst="rect">
-            <a:avLst/>
-          </a:prstGeom>
-          <a:noFill/>
-        </p:spPr>
-        <p:txBody>
-          <a:bodyPr wrap="square" rtlCol="0">
-            <a:spAutoFit/>
-          </a:bodyPr>
+          <p:cNvPr id="3" name="Content Placeholder 2">
+            <a:extLst>
+              <a:ext uri="{FF2B5EF4-FFF2-40B4-BE49-F238E27FC236}">
+                <a16:creationId xmlns:a16="http://schemas.microsoft.com/office/drawing/2014/main" id="{851130D2-7D04-5D69-BB2D-FFB3C079DAF9}"/>
+              </a:ext>
+            </a:extLst>
+          </p:cNvPr>
+          <p:cNvSpPr>
+            <a:spLocks noGrp="1"/>
+          </p:cNvSpPr>
+          <p:nvPr>
+            <p:ph idx="1"/>
+          </p:nvPr>
+        </p:nvSpPr>
+        <p:spPr/>
+        <p:txBody>
+          <a:bodyPr/>
           <a:lstStyle/>
           <a:p>
             <a:r>
-              <a:rPr lang="en-US" sz="2000" dirty="0">
-                <a:latin typeface="Monaco" pitchFamily="2" charset="77"/>
-              </a:rPr>
-              <a:t>(define (</a:t>
-            </a:r>
-            <a:r>
-              <a:rPr lang="en-US" sz="2000" dirty="0" err="1">
-                <a:latin typeface="Monaco" pitchFamily="2" charset="77"/>
-              </a:rPr>
-              <a:t>fn</a:t>
-            </a:r>
-            <a:r>
-              <a:rPr lang="en-US" sz="2000" dirty="0">
-                <a:latin typeface="Monaco" pitchFamily="2" charset="77"/>
-              </a:rPr>
-              <a:t>-for-region r)</a:t>
-            </a:r>
-          </a:p>
-          <a:p>
-            <a:r>
-              <a:rPr lang="en-US" sz="2000" dirty="0">
-                <a:latin typeface="Monaco" pitchFamily="2" charset="77"/>
-              </a:rPr>
-              <a:t>  (</a:t>
-            </a:r>
-            <a:r>
-              <a:rPr lang="en-US" sz="2000" dirty="0" err="1">
-                <a:latin typeface="Monaco" pitchFamily="2" charset="77"/>
-              </a:rPr>
-              <a:t>cond</a:t>
-            </a:r>
-            <a:r>
-              <a:rPr lang="en-US" sz="2000" dirty="0">
-                <a:latin typeface="Monaco" pitchFamily="2" charset="77"/>
-              </a:rPr>
-              <a:t> [(single? r)</a:t>
-            </a:r>
-          </a:p>
-          <a:p>
-            <a:r>
-              <a:rPr lang="en-US" sz="2000" dirty="0">
-                <a:latin typeface="Monaco" pitchFamily="2" charset="77"/>
-              </a:rPr>
-              <a:t>         (... (single-label r)</a:t>
-            </a:r>
-          </a:p>
-          <a:p>
-            <a:r>
-              <a:rPr lang="en-US" sz="2000" dirty="0">
-                <a:latin typeface="Monaco" pitchFamily="2" charset="77"/>
-              </a:rPr>
-              <a:t>              (single-weight r)</a:t>
-            </a:r>
-          </a:p>
-          <a:p>
-            <a:r>
-              <a:rPr lang="en-US" sz="2000" dirty="0">
-                <a:latin typeface="Monaco" pitchFamily="2" charset="77"/>
-              </a:rPr>
-              <a:t>              (single-color r))]</a:t>
-            </a:r>
-          </a:p>
-          <a:p>
-            <a:r>
-              <a:rPr lang="en-US" sz="2000" dirty="0">
-                <a:latin typeface="Monaco" pitchFamily="2" charset="77"/>
-              </a:rPr>
-              <a:t>        [else</a:t>
-            </a:r>
-          </a:p>
-          <a:p>
-            <a:r>
-              <a:rPr lang="en-US" sz="2000" dirty="0">
-                <a:latin typeface="Monaco" pitchFamily="2" charset="77"/>
-              </a:rPr>
-              <a:t>         (... (group-color r)</a:t>
-            </a:r>
-          </a:p>
-          <a:p>
-            <a:r>
-              <a:rPr lang="en-US" sz="2000" dirty="0">
-                <a:latin typeface="Monaco" pitchFamily="2" charset="77"/>
-              </a:rPr>
-              <a:t>              (</a:t>
-            </a:r>
-            <a:r>
-              <a:rPr lang="en-US" sz="2000" dirty="0" err="1">
-                <a:latin typeface="Monaco" pitchFamily="2" charset="77"/>
-              </a:rPr>
-              <a:t>fn</a:t>
-            </a:r>
-            <a:r>
-              <a:rPr lang="en-US" sz="2000" dirty="0">
-                <a:latin typeface="Monaco" pitchFamily="2" charset="77"/>
-              </a:rPr>
-              <a:t>-for-lor (group-subs r)))]))</a:t>
-            </a:r>
-          </a:p>
-          <a:p>
-            <a:endParaRPr lang="en-US" sz="2000" dirty="0">
-              <a:latin typeface="Monaco" pitchFamily="2" charset="77"/>
-            </a:endParaRPr>
-          </a:p>
-          <a:p>
-            <a:r>
-              <a:rPr lang="en-US" sz="2000" dirty="0">
-                <a:latin typeface="Monaco" pitchFamily="2" charset="77"/>
-              </a:rPr>
-              <a:t>(define (</a:t>
-            </a:r>
-            <a:r>
-              <a:rPr lang="en-US" sz="2000" dirty="0" err="1">
-                <a:latin typeface="Monaco" pitchFamily="2" charset="77"/>
-              </a:rPr>
-              <a:t>fn</a:t>
-            </a:r>
-            <a:r>
-              <a:rPr lang="en-US" sz="2000" dirty="0">
-                <a:latin typeface="Monaco" pitchFamily="2" charset="77"/>
-              </a:rPr>
-              <a:t>-for-lor lor)</a:t>
-            </a:r>
-          </a:p>
-          <a:p>
-            <a:r>
-              <a:rPr lang="en-US" sz="2000" dirty="0">
-                <a:latin typeface="Monaco" pitchFamily="2" charset="77"/>
-              </a:rPr>
-              <a:t>  (</a:t>
-            </a:r>
-            <a:r>
-              <a:rPr lang="en-US" sz="2000" dirty="0" err="1">
-                <a:latin typeface="Monaco" pitchFamily="2" charset="77"/>
-              </a:rPr>
-              <a:t>cond</a:t>
-            </a:r>
-            <a:r>
-              <a:rPr lang="en-US" sz="2000" dirty="0">
-                <a:latin typeface="Monaco" pitchFamily="2" charset="77"/>
-              </a:rPr>
-              <a:t> [(empty? lor) (...)]</a:t>
-            </a:r>
-          </a:p>
-          <a:p>
-            <a:r>
-              <a:rPr lang="en-US" sz="2000" dirty="0">
-                <a:latin typeface="Monaco" pitchFamily="2" charset="77"/>
-              </a:rPr>
-              <a:t>        [else</a:t>
-            </a:r>
-          </a:p>
-          <a:p>
-            <a:r>
-              <a:rPr lang="en-US" sz="2000" dirty="0">
-                <a:latin typeface="Monaco" pitchFamily="2" charset="77"/>
-              </a:rPr>
-              <a:t>         (... (</a:t>
-            </a:r>
-            <a:r>
-              <a:rPr lang="en-US" sz="2000" dirty="0" err="1">
-                <a:latin typeface="Monaco" pitchFamily="2" charset="77"/>
-              </a:rPr>
-              <a:t>fn</a:t>
-            </a:r>
-            <a:r>
-              <a:rPr lang="en-US" sz="2000" dirty="0">
-                <a:latin typeface="Monaco" pitchFamily="2" charset="77"/>
-              </a:rPr>
-              <a:t>-for-region (first lor))</a:t>
-            </a:r>
-          </a:p>
-          <a:p>
-            <a:r>
-              <a:rPr lang="en-US" sz="2000" dirty="0">
-                <a:latin typeface="Monaco" pitchFamily="2" charset="77"/>
-              </a:rPr>
-              <a:t>              (</a:t>
-            </a:r>
-            <a:r>
-              <a:rPr lang="en-US" sz="2000" dirty="0" err="1">
-                <a:latin typeface="Monaco" pitchFamily="2" charset="77"/>
-              </a:rPr>
-              <a:t>fn</a:t>
-            </a:r>
-            <a:r>
-              <a:rPr lang="en-US" sz="2000" dirty="0">
-                <a:latin typeface="Monaco" pitchFamily="2" charset="77"/>
-              </a:rPr>
-              <a:t>-for-lor (rest lor)))]))</a:t>
+              <a:rPr lang="en-US" dirty="0"/>
+              <a:t>Working with models</a:t>
+            </a:r>
+          </a:p>
+          <a:p>
+            <a:pPr lvl="1"/>
+            <a:r>
+              <a:rPr lang="en-US" dirty="0"/>
+              <a:t>is one of the most important ideas in science and engineering</a:t>
+            </a:r>
+          </a:p>
+          <a:p>
+            <a:pPr lvl="1"/>
+            <a:r>
+              <a:rPr lang="en-US" dirty="0"/>
+              <a:t>helps control complexity</a:t>
+            </a:r>
+          </a:p>
+          <a:p>
+            <a:pPr lvl="2"/>
+            <a:r>
+              <a:rPr lang="en-US" dirty="0"/>
+              <a:t>by making it possible to reason in terms of simpler description</a:t>
+            </a:r>
+          </a:p>
+          <a:p>
+            <a:pPr lvl="2"/>
+            <a:r>
+              <a:rPr lang="en-US" dirty="0"/>
+              <a:t>How many NR are there? Is there MR? How many?...</a:t>
+            </a:r>
+            <a:br>
+              <a:rPr lang="en-US" dirty="0"/>
+            </a:br>
+            <a:endParaRPr lang="en-US" dirty="0"/>
+          </a:p>
+          <a:p>
+            <a:pPr lvl="1"/>
+            <a:r>
+              <a:rPr lang="en-US" dirty="0"/>
+              <a:t>today:</a:t>
+            </a:r>
+            <a:br>
+              <a:rPr lang="en-US" dirty="0"/>
+            </a:br>
+            <a:r>
+              <a:rPr lang="en-US" dirty="0"/>
+              <a:t>	can manipulate design at model level</a:t>
+            </a:r>
+          </a:p>
+          <a:p>
+            <a:pPr marL="457200" lvl="1" indent="0">
+              <a:buNone/>
+            </a:pPr>
+            <a:r>
+              <a:rPr lang="en-US" dirty="0"/>
+              <a:t>	to manipulate the actual resulting code</a:t>
             </a:r>
           </a:p>
         </p:txBody>
@@ -7290,7 +7118,7 @@
     </p:spTree>
     <p:extLst>
       <p:ext uri="{BB962C8B-B14F-4D97-AF65-F5344CB8AC3E}">
-        <p14:creationId xmlns:p14="http://schemas.microsoft.com/office/powerpoint/2010/main" val="3910266819"/>
+        <p14:creationId xmlns:p14="http://schemas.microsoft.com/office/powerpoint/2010/main" val="1073222993"/>
       </p:ext>
     </p:extLst>
   </p:cSld>
@@ -7319,10 +7147,10 @@
       </p:grpSpPr>
       <p:sp>
         <p:nvSpPr>
-          <p:cNvPr id="4" name="TextBox 3">
-            <a:extLst>
-              <a:ext uri="{FF2B5EF4-FFF2-40B4-BE49-F238E27FC236}">
-                <a16:creationId xmlns:a16="http://schemas.microsoft.com/office/drawing/2014/main" id="{E30EC3DD-2984-F74F-96CB-74685B6BF887}"/>
+          <p:cNvPr id="3" name="TextBox 2">
+            <a:extLst>
+              <a:ext uri="{FF2B5EF4-FFF2-40B4-BE49-F238E27FC236}">
+                <a16:creationId xmlns:a16="http://schemas.microsoft.com/office/drawing/2014/main" id="{73C7A347-25BC-E6E0-8A5A-125B16776A46}"/>
               </a:ext>
             </a:extLst>
           </p:cNvPr>
@@ -7331,8 +7159,8 @@
         </p:nvSpPr>
         <p:spPr>
           <a:xfrm>
-            <a:off x="1796902" y="1286540"/>
-            <a:ext cx="8654903" cy="3170099"/>
+            <a:off x="452062" y="1347797"/>
+            <a:ext cx="10695398" cy="3139321"/>
           </a:xfrm>
           <a:prstGeom prst="rect">
             <a:avLst/>
@@ -7340,313 +7168,621 @@
           <a:noFill/>
         </p:spPr>
         <p:txBody>
+          <a:bodyPr wrap="square">
+            <a:spAutoFit/>
+          </a:bodyPr>
+          <a:lstStyle/>
+          <a:p>
+            <a:r>
+              <a:rPr lang="en-US" dirty="0">
+                <a:latin typeface="Monaco" pitchFamily="2" charset="77"/>
+              </a:rPr>
+              <a:t> </a:t>
+            </a:r>
+          </a:p>
+          <a:p>
+            <a:r>
+              <a:rPr lang="en-US" dirty="0">
+                <a:latin typeface="Monaco" pitchFamily="2" charset="77"/>
+              </a:rPr>
+              <a:t>lst1     lst2          empty         (cons String LOS) </a:t>
+            </a:r>
+          </a:p>
+          <a:p>
+            <a:r>
+              <a:rPr lang="en-US" dirty="0">
+                <a:latin typeface="Monaco" pitchFamily="2" charset="77"/>
+              </a:rPr>
+              <a:t>         </a:t>
+            </a:r>
+          </a:p>
+          <a:p>
+            <a:r>
+              <a:rPr lang="en-US" dirty="0">
+                <a:latin typeface="Monaco" pitchFamily="2" charset="77"/>
+              </a:rPr>
+              <a:t>          </a:t>
+            </a:r>
+          </a:p>
+          <a:p>
+            <a:r>
+              <a:rPr lang="en-US" dirty="0">
+                <a:latin typeface="Monaco" pitchFamily="2" charset="77"/>
+              </a:rPr>
+              <a:t>empty</a:t>
+            </a:r>
+          </a:p>
+          <a:p>
+            <a:endParaRPr lang="en-US" dirty="0">
+              <a:latin typeface="Monaco" pitchFamily="2" charset="77"/>
+            </a:endParaRPr>
+          </a:p>
+          <a:p>
+            <a:endParaRPr lang="en-US" dirty="0">
+              <a:latin typeface="Monaco" pitchFamily="2" charset="77"/>
+            </a:endParaRPr>
+          </a:p>
+          <a:p>
+            <a:endParaRPr lang="en-US" dirty="0">
+              <a:latin typeface="Monaco" pitchFamily="2" charset="77"/>
+            </a:endParaRPr>
+          </a:p>
+          <a:p>
+            <a:r>
+              <a:rPr lang="en-US" dirty="0">
+                <a:latin typeface="Monaco" pitchFamily="2" charset="77"/>
+              </a:rPr>
+              <a:t>(cons String</a:t>
+            </a:r>
+          </a:p>
+          <a:p>
+            <a:r>
+              <a:rPr lang="en-US" dirty="0">
+                <a:latin typeface="Monaco" pitchFamily="2" charset="77"/>
+              </a:rPr>
+              <a:t>      LOS)</a:t>
+            </a:r>
+          </a:p>
+          <a:p>
+            <a:r>
+              <a:rPr lang="en-US" dirty="0">
+                <a:latin typeface="Monaco" pitchFamily="2" charset="77"/>
+              </a:rPr>
+              <a:t>                                          </a:t>
+            </a:r>
+          </a:p>
+        </p:txBody>
+      </p:sp>
+      <p:cxnSp>
+        <p:nvCxnSpPr>
+          <p:cNvPr id="5" name="Straight Connector 4">
+            <a:extLst>
+              <a:ext uri="{FF2B5EF4-FFF2-40B4-BE49-F238E27FC236}">
+                <a16:creationId xmlns:a16="http://schemas.microsoft.com/office/drawing/2014/main" id="{79FA7970-116E-EEAC-5D26-70804C5DE10A}"/>
+              </a:ext>
+            </a:extLst>
+          </p:cNvPr>
+          <p:cNvCxnSpPr>
+            <a:cxnSpLocks/>
+          </p:cNvCxnSpPr>
+          <p:nvPr/>
+        </p:nvCxnSpPr>
+        <p:spPr>
+          <a:xfrm>
+            <a:off x="2815118" y="1592494"/>
+            <a:ext cx="0" cy="3359650"/>
+          </a:xfrm>
+          <a:prstGeom prst="line">
+            <a:avLst/>
+          </a:prstGeom>
+          <a:ln w="19050">
+            <a:solidFill>
+              <a:schemeClr val="tx1"/>
+            </a:solidFill>
+          </a:ln>
+        </p:spPr>
+        <p:style>
+          <a:lnRef idx="1">
+            <a:schemeClr val="accent1"/>
+          </a:lnRef>
+          <a:fillRef idx="0">
+            <a:schemeClr val="accent1"/>
+          </a:fillRef>
+          <a:effectRef idx="0">
+            <a:schemeClr val="accent1"/>
+          </a:effectRef>
+          <a:fontRef idx="minor">
+            <a:schemeClr val="tx1"/>
+          </a:fontRef>
+        </p:style>
+      </p:cxnSp>
+      <p:cxnSp>
+        <p:nvCxnSpPr>
+          <p:cNvPr id="6" name="Straight Connector 5">
+            <a:extLst>
+              <a:ext uri="{FF2B5EF4-FFF2-40B4-BE49-F238E27FC236}">
+                <a16:creationId xmlns:a16="http://schemas.microsoft.com/office/drawing/2014/main" id="{AF8B2517-9C3F-A5C6-4B33-8F641F61F6C4}"/>
+              </a:ext>
+            </a:extLst>
+          </p:cNvPr>
+          <p:cNvCxnSpPr>
+            <a:cxnSpLocks/>
+          </p:cNvCxnSpPr>
+          <p:nvPr/>
+        </p:nvCxnSpPr>
+        <p:spPr>
+          <a:xfrm flipH="1">
+            <a:off x="452062" y="2135312"/>
+            <a:ext cx="9832369" cy="0"/>
+          </a:xfrm>
+          <a:prstGeom prst="line">
+            <a:avLst/>
+          </a:prstGeom>
+          <a:ln w="19050">
+            <a:solidFill>
+              <a:schemeClr val="tx1"/>
+            </a:solidFill>
+          </a:ln>
+        </p:spPr>
+        <p:style>
+          <a:lnRef idx="1">
+            <a:schemeClr val="accent1"/>
+          </a:lnRef>
+          <a:fillRef idx="0">
+            <a:schemeClr val="accent1"/>
+          </a:fillRef>
+          <a:effectRef idx="0">
+            <a:schemeClr val="accent1"/>
+          </a:effectRef>
+          <a:fontRef idx="minor">
+            <a:schemeClr val="tx1"/>
+          </a:fontRef>
+        </p:style>
+      </p:cxnSp>
+      <p:cxnSp>
+        <p:nvCxnSpPr>
+          <p:cNvPr id="9" name="Straight Connector 8">
+            <a:extLst>
+              <a:ext uri="{FF2B5EF4-FFF2-40B4-BE49-F238E27FC236}">
+                <a16:creationId xmlns:a16="http://schemas.microsoft.com/office/drawing/2014/main" id="{F63035BC-C0DF-A808-7A1C-61DA1F2C4A96}"/>
+              </a:ext>
+            </a:extLst>
+          </p:cNvPr>
+          <p:cNvCxnSpPr>
+            <a:cxnSpLocks/>
+          </p:cNvCxnSpPr>
+          <p:nvPr/>
+        </p:nvCxnSpPr>
+        <p:spPr>
+          <a:xfrm flipH="1">
+            <a:off x="2806559" y="3165298"/>
+            <a:ext cx="7087456" cy="0"/>
+          </a:xfrm>
+          <a:prstGeom prst="line">
+            <a:avLst/>
+          </a:prstGeom>
+          <a:ln w="12700">
+            <a:solidFill>
+              <a:schemeClr val="tx1"/>
+            </a:solidFill>
+          </a:ln>
+        </p:spPr>
+        <p:style>
+          <a:lnRef idx="1">
+            <a:schemeClr val="accent1"/>
+          </a:lnRef>
+          <a:fillRef idx="0">
+            <a:schemeClr val="accent1"/>
+          </a:fillRef>
+          <a:effectRef idx="0">
+            <a:schemeClr val="accent1"/>
+          </a:effectRef>
+          <a:fontRef idx="minor">
+            <a:schemeClr val="tx1"/>
+          </a:fontRef>
+        </p:style>
+      </p:cxnSp>
+      <p:cxnSp>
+        <p:nvCxnSpPr>
+          <p:cNvPr id="12" name="Straight Connector 11">
+            <a:extLst>
+              <a:ext uri="{FF2B5EF4-FFF2-40B4-BE49-F238E27FC236}">
+                <a16:creationId xmlns:a16="http://schemas.microsoft.com/office/drawing/2014/main" id="{BB1457E0-83E7-F355-1CDD-649CBCCB2701}"/>
+              </a:ext>
+            </a:extLst>
+          </p:cNvPr>
+          <p:cNvCxnSpPr>
+            <a:cxnSpLocks/>
+          </p:cNvCxnSpPr>
+          <p:nvPr/>
+        </p:nvCxnSpPr>
+        <p:spPr>
+          <a:xfrm>
+            <a:off x="5270643" y="2135312"/>
+            <a:ext cx="0" cy="2816832"/>
+          </a:xfrm>
+          <a:prstGeom prst="line">
+            <a:avLst/>
+          </a:prstGeom>
+          <a:ln w="12700">
+            <a:solidFill>
+              <a:schemeClr val="tx1"/>
+            </a:solidFill>
+          </a:ln>
+        </p:spPr>
+        <p:style>
+          <a:lnRef idx="1">
+            <a:schemeClr val="accent1"/>
+          </a:lnRef>
+          <a:fillRef idx="0">
+            <a:schemeClr val="accent1"/>
+          </a:fillRef>
+          <a:effectRef idx="0">
+            <a:schemeClr val="accent1"/>
+          </a:effectRef>
+          <a:fontRef idx="minor">
+            <a:schemeClr val="tx1"/>
+          </a:fontRef>
+        </p:style>
+      </p:cxnSp>
+      <p:sp>
+        <p:nvSpPr>
+          <p:cNvPr id="4" name="TextBox 3">
+            <a:extLst>
+              <a:ext uri="{FF2B5EF4-FFF2-40B4-BE49-F238E27FC236}">
+                <a16:creationId xmlns:a16="http://schemas.microsoft.com/office/drawing/2014/main" id="{BF14958F-7572-BE77-C964-D5E8952381CA}"/>
+              </a:ext>
+            </a:extLst>
+          </p:cNvPr>
+          <p:cNvSpPr txBox="1"/>
+          <p:nvPr/>
+        </p:nvSpPr>
+        <p:spPr>
+          <a:xfrm>
+            <a:off x="10085798" y="173974"/>
+            <a:ext cx="1869897" cy="461665"/>
+          </a:xfrm>
+          <a:prstGeom prst="rect">
+            <a:avLst/>
+          </a:prstGeom>
+          <a:noFill/>
+        </p:spPr>
+        <p:txBody>
+          <a:bodyPr wrap="square">
+            <a:spAutoFit/>
+          </a:bodyPr>
+          <a:lstStyle/>
+          <a:p>
+            <a:pPr algn="r"/>
+            <a:r>
+              <a:rPr lang="en-US" sz="2400" dirty="0">
+                <a:latin typeface="Monaco" pitchFamily="2" charset="77"/>
+              </a:rPr>
+              <a:t>prefix=?</a:t>
+            </a:r>
+            <a:endParaRPr lang="en-US" sz="2400" dirty="0"/>
+          </a:p>
+        </p:txBody>
+      </p:sp>
+      <p:sp>
+        <p:nvSpPr>
+          <p:cNvPr id="7" name="Title 1">
+            <a:extLst>
+              <a:ext uri="{FF2B5EF4-FFF2-40B4-BE49-F238E27FC236}">
+                <a16:creationId xmlns:a16="http://schemas.microsoft.com/office/drawing/2014/main" id="{60A5FFDB-E6FE-3A89-369B-F5EE81E59FDA}"/>
+              </a:ext>
+            </a:extLst>
+          </p:cNvPr>
+          <p:cNvSpPr txBox="1">
+            <a:spLocks/>
+          </p:cNvSpPr>
+          <p:nvPr/>
+        </p:nvSpPr>
+        <p:spPr>
+          <a:xfrm>
+            <a:off x="838200" y="365125"/>
+            <a:ext cx="10515600" cy="1325563"/>
+          </a:xfrm>
+          <a:prstGeom prst="rect">
+            <a:avLst/>
+          </a:prstGeom>
+        </p:spPr>
+        <p:txBody>
+          <a:bodyPr/>
+          <a:lstStyle>
+            <a:lvl1pPr algn="l" defTabSz="914400" rtl="0" eaLnBrk="1" latinLnBrk="0" hangingPunct="1">
+              <a:lnSpc>
+                <a:spcPct val="90000"/>
+              </a:lnSpc>
+              <a:spcBef>
+                <a:spcPct val="0"/>
+              </a:spcBef>
+              <a:buNone/>
+              <a:defRPr sz="4400" kern="1200">
+                <a:solidFill>
+                  <a:schemeClr val="tx1"/>
+                </a:solidFill>
+                <a:latin typeface="+mj-lt"/>
+                <a:ea typeface="+mj-ea"/>
+                <a:cs typeface="+mj-cs"/>
+              </a:defRPr>
+            </a:lvl1pPr>
+          </a:lstStyle>
+          <a:p>
+            <a:r>
+              <a:rPr lang="en-US" dirty="0"/>
+              <a:t>Cross product of type comments</a:t>
+            </a:r>
+          </a:p>
+        </p:txBody>
+      </p:sp>
+      <p:sp>
+        <p:nvSpPr>
+          <p:cNvPr id="8" name="Oval 7">
+            <a:extLst>
+              <a:ext uri="{FF2B5EF4-FFF2-40B4-BE49-F238E27FC236}">
+                <a16:creationId xmlns:a16="http://schemas.microsoft.com/office/drawing/2014/main" id="{E9246D4B-7A66-ABAE-0E90-093F9F96C4D9}"/>
+              </a:ext>
+            </a:extLst>
+          </p:cNvPr>
+          <p:cNvSpPr/>
+          <p:nvPr/>
+        </p:nvSpPr>
+        <p:spPr>
+          <a:xfrm>
+            <a:off x="357447" y="1347797"/>
+            <a:ext cx="2457671" cy="888327"/>
+          </a:xfrm>
+          <a:prstGeom prst="ellipse">
+            <a:avLst/>
+          </a:prstGeom>
+          <a:solidFill>
+            <a:srgbClr val="548DF6">
+              <a:alpha val="26000"/>
+            </a:srgbClr>
+          </a:solidFill>
+        </p:spPr>
+        <p:style>
+          <a:lnRef idx="2">
+            <a:schemeClr val="accent1">
+              <a:shade val="15000"/>
+            </a:schemeClr>
+          </a:lnRef>
+          <a:fillRef idx="1">
+            <a:schemeClr val="accent1"/>
+          </a:fillRef>
+          <a:effectRef idx="0">
+            <a:schemeClr val="accent1"/>
+          </a:effectRef>
+          <a:fontRef idx="minor">
+            <a:schemeClr val="lt1"/>
+          </a:fontRef>
+        </p:style>
+        <p:txBody>
+          <a:bodyPr rtlCol="0" anchor="ctr"/>
+          <a:lstStyle/>
+          <a:p>
+            <a:pPr algn="ctr"/>
+            <a:endParaRPr lang="en-US"/>
+          </a:p>
+        </p:txBody>
+      </p:sp>
+      <p:sp>
+        <p:nvSpPr>
+          <p:cNvPr id="10" name="Rounded Rectangle 9">
+            <a:extLst>
+              <a:ext uri="{FF2B5EF4-FFF2-40B4-BE49-F238E27FC236}">
+                <a16:creationId xmlns:a16="http://schemas.microsoft.com/office/drawing/2014/main" id="{1C8AD8DD-FA13-621D-2A00-9C468CDCF852}"/>
+              </a:ext>
+            </a:extLst>
+          </p:cNvPr>
+          <p:cNvSpPr/>
+          <p:nvPr/>
+        </p:nvSpPr>
+        <p:spPr>
+          <a:xfrm>
+            <a:off x="357448" y="2402846"/>
+            <a:ext cx="2169621" cy="2304601"/>
+          </a:xfrm>
+          <a:prstGeom prst="roundRect">
+            <a:avLst/>
+          </a:prstGeom>
+          <a:solidFill>
+            <a:srgbClr val="FF0000">
+              <a:alpha val="28235"/>
+            </a:srgbClr>
+          </a:solidFill>
+        </p:spPr>
+        <p:style>
+          <a:lnRef idx="2">
+            <a:schemeClr val="accent1">
+              <a:shade val="15000"/>
+            </a:schemeClr>
+          </a:lnRef>
+          <a:fillRef idx="1">
+            <a:schemeClr val="accent1"/>
+          </a:fillRef>
+          <a:effectRef idx="0">
+            <a:schemeClr val="accent1"/>
+          </a:effectRef>
+          <a:fontRef idx="minor">
+            <a:schemeClr val="lt1"/>
+          </a:fontRef>
+        </p:style>
+        <p:txBody>
+          <a:bodyPr rtlCol="0" anchor="ctr"/>
+          <a:lstStyle/>
+          <a:p>
+            <a:pPr algn="ctr"/>
+            <a:endParaRPr lang="en-US" dirty="0"/>
+          </a:p>
+        </p:txBody>
+      </p:sp>
+      <p:sp>
+        <p:nvSpPr>
+          <p:cNvPr id="11" name="Rounded Rectangle 10">
+            <a:extLst>
+              <a:ext uri="{FF2B5EF4-FFF2-40B4-BE49-F238E27FC236}">
+                <a16:creationId xmlns:a16="http://schemas.microsoft.com/office/drawing/2014/main" id="{1AD49857-42B7-CCE0-9D97-EA177D18B828}"/>
+              </a:ext>
+            </a:extLst>
+          </p:cNvPr>
+          <p:cNvSpPr/>
+          <p:nvPr/>
+        </p:nvSpPr>
+        <p:spPr>
+          <a:xfrm>
+            <a:off x="3053714" y="1377797"/>
+            <a:ext cx="6577301" cy="656704"/>
+          </a:xfrm>
+          <a:prstGeom prst="roundRect">
+            <a:avLst/>
+          </a:prstGeom>
+          <a:solidFill>
+            <a:srgbClr val="FF0000">
+              <a:alpha val="28235"/>
+            </a:srgbClr>
+          </a:solidFill>
+        </p:spPr>
+        <p:style>
+          <a:lnRef idx="2">
+            <a:schemeClr val="accent1">
+              <a:shade val="15000"/>
+            </a:schemeClr>
+          </a:lnRef>
+          <a:fillRef idx="1">
+            <a:schemeClr val="accent1"/>
+          </a:fillRef>
+          <a:effectRef idx="0">
+            <a:schemeClr val="accent1"/>
+          </a:effectRef>
+          <a:fontRef idx="minor">
+            <a:schemeClr val="lt1"/>
+          </a:fontRef>
+        </p:style>
+        <p:txBody>
+          <a:bodyPr rtlCol="0" anchor="ctr"/>
+          <a:lstStyle/>
+          <a:p>
+            <a:pPr algn="ctr"/>
+            <a:endParaRPr lang="en-US" dirty="0"/>
+          </a:p>
+        </p:txBody>
+      </p:sp>
+      <p:sp>
+        <p:nvSpPr>
+          <p:cNvPr id="14" name="TextBox 13">
+            <a:extLst>
+              <a:ext uri="{FF2B5EF4-FFF2-40B4-BE49-F238E27FC236}">
+                <a16:creationId xmlns:a16="http://schemas.microsoft.com/office/drawing/2014/main" id="{368F3B2B-F96D-58BB-EDF1-EA43193A7A7B}"/>
+              </a:ext>
+            </a:extLst>
+          </p:cNvPr>
+          <p:cNvSpPr txBox="1"/>
+          <p:nvPr/>
+        </p:nvSpPr>
+        <p:spPr>
+          <a:xfrm>
+            <a:off x="6096000" y="5354424"/>
+            <a:ext cx="6390859" cy="1200329"/>
+          </a:xfrm>
+          <a:prstGeom prst="rect">
+            <a:avLst/>
+          </a:prstGeom>
+          <a:noFill/>
+        </p:spPr>
+        <p:txBody>
           <a:bodyPr wrap="square" rtlCol="0">
             <a:spAutoFit/>
           </a:bodyPr>
           <a:lstStyle/>
           <a:p>
             <a:r>
-              <a:rPr lang="en-US" sz="2000" dirty="0">
-                <a:latin typeface="Monaco" pitchFamily="2" charset="77"/>
-              </a:rPr>
-              <a:t>(define-struct terminal (label weight color))</a:t>
-            </a:r>
-          </a:p>
-          <a:p>
-            <a:r>
-              <a:rPr lang="en-US" sz="2000" dirty="0">
-                <a:latin typeface="Monaco" pitchFamily="2" charset="77"/>
-              </a:rPr>
-              <a:t>(define-struct group (color subs))</a:t>
-            </a:r>
-          </a:p>
-          <a:p>
-            <a:r>
-              <a:rPr lang="en-US" sz="2000" dirty="0">
-                <a:latin typeface="Monaco" pitchFamily="2" charset="77"/>
-              </a:rPr>
-              <a:t>;; Region is one of:</a:t>
-            </a:r>
-          </a:p>
-          <a:p>
-            <a:r>
-              <a:rPr lang="en-US" sz="2000" dirty="0">
-                <a:latin typeface="Monaco" pitchFamily="2" charset="77"/>
-              </a:rPr>
-              <a:t>;;  - </a:t>
-            </a:r>
-            <a:r>
-              <a:rPr lang="en-US" sz="2000" dirty="0">
+              <a:rPr lang="en-US" sz="2400" dirty="0">
                 <a:solidFill>
-                  <a:schemeClr val="bg2">
-                    <a:lumMod val="90000"/>
-                  </a:schemeClr>
+                  <a:srgbClr val="548DF6"/>
                 </a:solidFill>
-                <a:latin typeface="Monaco" pitchFamily="2" charset="77"/>
-              </a:rPr>
-              <a:t>(make-terminal   </a:t>
-            </a:r>
-            <a:r>
-              <a:rPr lang="en-US" sz="2000" dirty="0">
+              </a:rPr>
+              <a:t>parameters</a:t>
+            </a:r>
+          </a:p>
+          <a:p>
+            <a:r>
+              <a:rPr lang="en-US" sz="2400" dirty="0">
                 <a:solidFill>
                   <a:srgbClr val="FF0000"/>
                 </a:solidFill>
-                <a:latin typeface="Monaco" pitchFamily="2" charset="77"/>
-              </a:rPr>
-              <a:t>(list </a:t>
-            </a:r>
-            <a:r>
-              <a:rPr lang="en-US" sz="2000" dirty="0">
-                <a:latin typeface="Monaco" pitchFamily="2" charset="77"/>
-              </a:rPr>
-              <a:t>String</a:t>
-            </a:r>
-            <a:r>
-              <a:rPr lang="en-US" sz="2000" dirty="0">
+              </a:rPr>
+              <a:t>type expressions (bits of type comments)</a:t>
+            </a:r>
+          </a:p>
+          <a:p>
+            <a:r>
+              <a:rPr lang="en-US" sz="2400" dirty="0">
                 <a:solidFill>
-                  <a:srgbClr val="FF0000"/>
+                  <a:srgbClr val="00B050"/>
                 </a:solidFill>
-                <a:latin typeface="Monaco" pitchFamily="2" charset="77"/>
-              </a:rPr>
-              <a:t>)</a:t>
-            </a:r>
-            <a:r>
-              <a:rPr lang="en-US" sz="2000" dirty="0">
-                <a:latin typeface="Monaco" pitchFamily="2" charset="77"/>
-              </a:rPr>
-              <a:t> </a:t>
-            </a:r>
-            <a:r>
-              <a:rPr lang="en-US" sz="2000" dirty="0">
-                <a:solidFill>
-                  <a:schemeClr val="bg2">
-                    <a:lumMod val="90000"/>
-                  </a:schemeClr>
-                </a:solidFill>
-                <a:latin typeface="Monaco" pitchFamily="2" charset="77"/>
-              </a:rPr>
-              <a:t>Natural Color)</a:t>
-            </a:r>
-          </a:p>
-          <a:p>
-            <a:r>
-              <a:rPr lang="en-US" sz="2000" dirty="0">
-                <a:latin typeface="Monaco" pitchFamily="2" charset="77"/>
-              </a:rPr>
-              <a:t>;;  - </a:t>
-            </a:r>
-            <a:r>
-              <a:rPr lang="en-US" sz="2000" dirty="0">
-                <a:solidFill>
-                  <a:schemeClr val="bg2">
-                    <a:lumMod val="90000"/>
-                  </a:schemeClr>
-                </a:solidFill>
-                <a:latin typeface="Monaco" pitchFamily="2" charset="77"/>
-              </a:rPr>
-              <a:t>(make-group Color  </a:t>
-            </a:r>
-            <a:r>
-              <a:rPr lang="en-US" sz="2000" dirty="0">
-                <a:solidFill>
-                  <a:srgbClr val="FF0000"/>
-                </a:solidFill>
-                <a:latin typeface="Monaco" pitchFamily="2" charset="77"/>
-              </a:rPr>
-              <a:t>(NMR </a:t>
-            </a:r>
-            <a:r>
-              <a:rPr lang="en-US" sz="2000" dirty="0" err="1">
-                <a:latin typeface="Monaco" pitchFamily="2" charset="77"/>
-              </a:rPr>
-              <a:t>ListOfRegion</a:t>
-            </a:r>
-            <a:r>
-              <a:rPr lang="en-US" sz="2000" dirty="0">
-                <a:solidFill>
-                  <a:srgbClr val="FF0000"/>
-                </a:solidFill>
-                <a:latin typeface="Monaco" pitchFamily="2" charset="77"/>
-              </a:rPr>
-              <a:t>)</a:t>
-            </a:r>
-            <a:r>
-              <a:rPr lang="en-US" sz="2000" dirty="0">
-                <a:latin typeface="Monaco" pitchFamily="2" charset="77"/>
-              </a:rPr>
-              <a:t>  </a:t>
-            </a:r>
-            <a:r>
-              <a:rPr lang="en-US" sz="2000" dirty="0">
-                <a:solidFill>
-                  <a:schemeClr val="bg2">
-                    <a:lumMod val="90000"/>
-                  </a:schemeClr>
-                </a:solidFill>
-                <a:latin typeface="Monaco" pitchFamily="2" charset="77"/>
-              </a:rPr>
-              <a:t>)</a:t>
-            </a:r>
-          </a:p>
-          <a:p>
-            <a:endParaRPr lang="en-US" sz="2000" dirty="0">
-              <a:latin typeface="Monaco" pitchFamily="2" charset="77"/>
-            </a:endParaRPr>
-          </a:p>
-          <a:p>
-            <a:r>
-              <a:rPr lang="en-US" sz="2000" dirty="0">
-                <a:latin typeface="Monaco" pitchFamily="2" charset="77"/>
-              </a:rPr>
-              <a:t>;; </a:t>
-            </a:r>
-            <a:r>
-              <a:rPr lang="en-US" sz="2000" dirty="0" err="1">
-                <a:latin typeface="Monaco" pitchFamily="2" charset="77"/>
-              </a:rPr>
-              <a:t>ListOfRegion</a:t>
-            </a:r>
-            <a:r>
-              <a:rPr lang="en-US" sz="2000" dirty="0">
-                <a:latin typeface="Monaco" pitchFamily="2" charset="77"/>
-              </a:rPr>
-              <a:t> is one of:</a:t>
-            </a:r>
-          </a:p>
-          <a:p>
-            <a:r>
-              <a:rPr lang="en-US" sz="2000" dirty="0">
-                <a:latin typeface="Monaco" pitchFamily="2" charset="77"/>
-              </a:rPr>
-              <a:t>;;  - empty</a:t>
-            </a:r>
-          </a:p>
-          <a:p>
-            <a:r>
-              <a:rPr lang="en-US" sz="2000" dirty="0">
-                <a:latin typeface="Monaco" pitchFamily="2" charset="77"/>
-              </a:rPr>
-              <a:t>;;  - </a:t>
-            </a:r>
-            <a:r>
-              <a:rPr lang="en-US" sz="2000" dirty="0">
-                <a:solidFill>
-                  <a:schemeClr val="bg2">
-                    <a:lumMod val="90000"/>
-                  </a:schemeClr>
-                </a:solidFill>
-                <a:latin typeface="Monaco" pitchFamily="2" charset="77"/>
-              </a:rPr>
-              <a:t>(cons </a:t>
-            </a:r>
-            <a:r>
-              <a:rPr lang="en-US" sz="2000" dirty="0">
-                <a:solidFill>
-                  <a:srgbClr val="FF0000"/>
-                </a:solidFill>
-                <a:latin typeface="Monaco" pitchFamily="2" charset="77"/>
-              </a:rPr>
-              <a:t>(append (NMR </a:t>
-            </a:r>
-            <a:r>
-              <a:rPr lang="en-US" sz="2000" dirty="0">
-                <a:latin typeface="Monaco" pitchFamily="2" charset="77"/>
-              </a:rPr>
-              <a:t>Region</a:t>
-            </a:r>
-            <a:r>
-              <a:rPr lang="en-US" sz="2000" dirty="0">
-                <a:solidFill>
-                  <a:srgbClr val="FF0000"/>
-                </a:solidFill>
-                <a:latin typeface="Monaco" pitchFamily="2" charset="77"/>
-              </a:rPr>
-              <a:t>)</a:t>
-            </a:r>
-          </a:p>
-          <a:p>
-            <a:r>
-              <a:rPr lang="en-US" sz="2000" dirty="0">
-                <a:latin typeface="Monaco" pitchFamily="2" charset="77"/>
-              </a:rPr>
-              <a:t>;;                  </a:t>
-            </a:r>
-            <a:r>
-              <a:rPr lang="en-US" sz="2000" dirty="0">
-                <a:solidFill>
-                  <a:srgbClr val="FF0000"/>
-                </a:solidFill>
-                <a:latin typeface="Monaco" pitchFamily="2" charset="77"/>
-              </a:rPr>
-              <a:t>(NR </a:t>
-            </a:r>
-            <a:r>
-              <a:rPr lang="en-US" sz="2000" dirty="0" err="1">
-                <a:latin typeface="Monaco" pitchFamily="2" charset="77"/>
-              </a:rPr>
-              <a:t>ListOfRegion</a:t>
-            </a:r>
-            <a:r>
-              <a:rPr lang="en-US" sz="2000" dirty="0">
-                <a:solidFill>
-                  <a:srgbClr val="FF0000"/>
-                </a:solidFill>
-                <a:latin typeface="Monaco" pitchFamily="2" charset="77"/>
-              </a:rPr>
-              <a:t>)</a:t>
-            </a:r>
-            <a:r>
-              <a:rPr lang="en-US" sz="2000" dirty="0">
-                <a:latin typeface="Monaco" pitchFamily="2" charset="77"/>
-              </a:rPr>
-              <a:t>))</a:t>
-            </a:r>
-          </a:p>
-        </p:txBody>
-      </p:sp>
-      <p:sp>
-        <p:nvSpPr>
-          <p:cNvPr id="2" name="TextBox 1">
-            <a:extLst>
-              <a:ext uri="{FF2B5EF4-FFF2-40B4-BE49-F238E27FC236}">
-                <a16:creationId xmlns:a16="http://schemas.microsoft.com/office/drawing/2014/main" id="{85361BBE-F149-8535-ABA1-2CA3518FF853}"/>
-              </a:ext>
-            </a:extLst>
-          </p:cNvPr>
-          <p:cNvSpPr txBox="1"/>
+              </a:rPr>
+              <a:t>expressions (code)</a:t>
+            </a:r>
+          </a:p>
+        </p:txBody>
+      </p:sp>
+      <p:sp>
+        <p:nvSpPr>
+          <p:cNvPr id="15" name="Rectangle 14">
+            <a:extLst>
+              <a:ext uri="{FF2B5EF4-FFF2-40B4-BE49-F238E27FC236}">
+                <a16:creationId xmlns:a16="http://schemas.microsoft.com/office/drawing/2014/main" id="{66D12C9E-15F9-C06F-85B8-62C2386CC007}"/>
+              </a:ext>
+            </a:extLst>
+          </p:cNvPr>
+          <p:cNvSpPr/>
           <p:nvPr/>
         </p:nvSpPr>
         <p:spPr>
           <a:xfrm>
-            <a:off x="914400" y="246580"/>
-            <a:ext cx="2671281" cy="707886"/>
+            <a:off x="2961861" y="2196058"/>
+            <a:ext cx="7235687" cy="2735684"/>
           </a:xfrm>
           <a:prstGeom prst="rect">
             <a:avLst/>
           </a:prstGeom>
-          <a:noFill/>
-        </p:spPr>
-        <p:txBody>
-          <a:bodyPr wrap="square" rtlCol="0">
-            <a:spAutoFit/>
-          </a:bodyPr>
+          <a:solidFill>
+            <a:srgbClr val="00B050">
+              <a:alpha val="32212"/>
+            </a:srgbClr>
+          </a:solidFill>
+        </p:spPr>
+        <p:style>
+          <a:lnRef idx="2">
+            <a:schemeClr val="accent1">
+              <a:shade val="15000"/>
+            </a:schemeClr>
+          </a:lnRef>
+          <a:fillRef idx="1">
+            <a:schemeClr val="accent1"/>
+          </a:fillRef>
+          <a:effectRef idx="0">
+            <a:schemeClr val="accent1"/>
+          </a:effectRef>
+          <a:fontRef idx="minor">
+            <a:schemeClr val="lt1"/>
+          </a:fontRef>
+        </p:style>
+        <p:txBody>
+          <a:bodyPr rtlCol="0" anchor="ctr"/>
           <a:lstStyle/>
           <a:p>
-            <a:r>
-              <a:rPr lang="en-US" sz="4000" dirty="0">
-                <a:solidFill>
-                  <a:srgbClr val="FF0000"/>
-                </a:solidFill>
-              </a:rPr>
-              <a:t>all-labels</a:t>
-            </a:r>
+            <a:pPr algn="ctr"/>
+            <a:endParaRPr lang="en-US"/>
           </a:p>
         </p:txBody>
       </p:sp>
     </p:spTree>
     <p:extLst>
       <p:ext uri="{BB962C8B-B14F-4D97-AF65-F5344CB8AC3E}">
-        <p14:creationId xmlns:p14="http://schemas.microsoft.com/office/powerpoint/2010/main" val="1491204368"/>
+        <p14:creationId xmlns:p14="http://schemas.microsoft.com/office/powerpoint/2010/main" val="1454590221"/>
       </p:ext>
     </p:extLst>
   </p:cSld>
@@ -7675,91 +7811,327 @@
       </p:grpSpPr>
       <p:sp>
         <p:nvSpPr>
-          <p:cNvPr id="3" name="Content Placeholder 2">
-            <a:extLst>
-              <a:ext uri="{FF2B5EF4-FFF2-40B4-BE49-F238E27FC236}">
-                <a16:creationId xmlns:a16="http://schemas.microsoft.com/office/drawing/2014/main" id="{851130D2-7D04-5D69-BB2D-FFB3C079DAF9}"/>
-              </a:ext>
-            </a:extLst>
-          </p:cNvPr>
-          <p:cNvSpPr>
-            <a:spLocks noGrp="1"/>
-          </p:cNvSpPr>
-          <p:nvPr>
-            <p:ph idx="1"/>
-          </p:nvPr>
-        </p:nvSpPr>
-        <p:spPr/>
-        <p:txBody>
-          <a:bodyPr/>
+          <p:cNvPr id="3" name="TextBox 2">
+            <a:extLst>
+              <a:ext uri="{FF2B5EF4-FFF2-40B4-BE49-F238E27FC236}">
+                <a16:creationId xmlns:a16="http://schemas.microsoft.com/office/drawing/2014/main" id="{73C7A347-25BC-E6E0-8A5A-125B16776A46}"/>
+              </a:ext>
+            </a:extLst>
+          </p:cNvPr>
+          <p:cNvSpPr txBox="1"/>
+          <p:nvPr/>
+        </p:nvSpPr>
+        <p:spPr>
+          <a:xfrm>
+            <a:off x="452062" y="1347797"/>
+            <a:ext cx="10695398" cy="3139321"/>
+          </a:xfrm>
+          <a:prstGeom prst="rect">
+            <a:avLst/>
+          </a:prstGeom>
+          <a:noFill/>
+        </p:spPr>
+        <p:txBody>
+          <a:bodyPr wrap="square">
+            <a:spAutoFit/>
+          </a:bodyPr>
           <a:lstStyle/>
           <a:p>
             <a:r>
-              <a:rPr lang="en-US" dirty="0"/>
-              <a:t>Working with models</a:t>
-            </a:r>
-          </a:p>
-          <a:p>
-            <a:pPr lvl="1"/>
-            <a:r>
-              <a:rPr lang="en-US" dirty="0"/>
-              <a:t>is one of the most important ideas in science and engineering</a:t>
-            </a:r>
-          </a:p>
-          <a:p>
-            <a:pPr lvl="1"/>
-            <a:r>
-              <a:rPr lang="en-US" dirty="0"/>
-              <a:t>helps control complexity</a:t>
-            </a:r>
-          </a:p>
-          <a:p>
-            <a:pPr lvl="2"/>
-            <a:r>
-              <a:rPr lang="en-US" dirty="0"/>
-              <a:t>by making it possible to reason in terms of simpler description</a:t>
-            </a:r>
-          </a:p>
-          <a:p>
-            <a:pPr lvl="2"/>
-            <a:r>
-              <a:rPr lang="en-US" dirty="0"/>
-              <a:t>How many NR are there? Is there MR? How many?...</a:t>
-            </a:r>
-            <a:br>
-              <a:rPr lang="en-US" dirty="0"/>
-            </a:br>
-            <a:endParaRPr lang="en-US" dirty="0"/>
-          </a:p>
-          <a:p>
-            <a:pPr lvl="1"/>
-            <a:r>
-              <a:rPr lang="en-US" dirty="0"/>
-              <a:t>today:</a:t>
-            </a:r>
-            <a:br>
-              <a:rPr lang="en-US" dirty="0"/>
-            </a:br>
-            <a:r>
-              <a:rPr lang="en-US" dirty="0"/>
-              <a:t>	can manipulate design at model level</a:t>
-            </a:r>
-          </a:p>
-          <a:p>
-            <a:pPr marL="457200" lvl="1" indent="0">
-              <a:buNone/>
-            </a:pPr>
-            <a:r>
-              <a:rPr lang="en-US" dirty="0"/>
-              <a:t>	to manipulate the actual resulting code</a:t>
-            </a:r>
+              <a:rPr lang="en-US" dirty="0">
+                <a:latin typeface="Monaco" pitchFamily="2" charset="77"/>
+              </a:rPr>
+              <a:t> </a:t>
+            </a:r>
+          </a:p>
+          <a:p>
+            <a:r>
+              <a:rPr lang="en-US" dirty="0">
+                <a:latin typeface="Monaco" pitchFamily="2" charset="77"/>
+              </a:rPr>
+              <a:t>lst1     lst2          empty         (cons String LOS) </a:t>
+            </a:r>
+          </a:p>
+          <a:p>
+            <a:r>
+              <a:rPr lang="en-US" dirty="0">
+                <a:latin typeface="Monaco" pitchFamily="2" charset="77"/>
+              </a:rPr>
+              <a:t>         </a:t>
+            </a:r>
+          </a:p>
+          <a:p>
+            <a:r>
+              <a:rPr lang="en-US" dirty="0">
+                <a:latin typeface="Monaco" pitchFamily="2" charset="77"/>
+              </a:rPr>
+              <a:t>          </a:t>
+            </a:r>
+          </a:p>
+          <a:p>
+            <a:r>
+              <a:rPr lang="en-US" dirty="0">
+                <a:latin typeface="Monaco" pitchFamily="2" charset="77"/>
+              </a:rPr>
+              <a:t>empty</a:t>
+            </a:r>
+          </a:p>
+          <a:p>
+            <a:endParaRPr lang="en-US" dirty="0">
+              <a:latin typeface="Monaco" pitchFamily="2" charset="77"/>
+            </a:endParaRPr>
+          </a:p>
+          <a:p>
+            <a:endParaRPr lang="en-US" dirty="0">
+              <a:latin typeface="Monaco" pitchFamily="2" charset="77"/>
+            </a:endParaRPr>
+          </a:p>
+          <a:p>
+            <a:endParaRPr lang="en-US" dirty="0">
+              <a:latin typeface="Monaco" pitchFamily="2" charset="77"/>
+            </a:endParaRPr>
+          </a:p>
+          <a:p>
+            <a:r>
+              <a:rPr lang="en-US" dirty="0">
+                <a:latin typeface="Monaco" pitchFamily="2" charset="77"/>
+              </a:rPr>
+              <a:t>(cons String</a:t>
+            </a:r>
+          </a:p>
+          <a:p>
+            <a:r>
+              <a:rPr lang="en-US" dirty="0">
+                <a:latin typeface="Monaco" pitchFamily="2" charset="77"/>
+              </a:rPr>
+              <a:t>      LOS)</a:t>
+            </a:r>
+          </a:p>
+          <a:p>
+            <a:r>
+              <a:rPr lang="en-US" dirty="0">
+                <a:latin typeface="Monaco" pitchFamily="2" charset="77"/>
+              </a:rPr>
+              <a:t>                                          </a:t>
+            </a:r>
+          </a:p>
+        </p:txBody>
+      </p:sp>
+      <p:cxnSp>
+        <p:nvCxnSpPr>
+          <p:cNvPr id="5" name="Straight Connector 4">
+            <a:extLst>
+              <a:ext uri="{FF2B5EF4-FFF2-40B4-BE49-F238E27FC236}">
+                <a16:creationId xmlns:a16="http://schemas.microsoft.com/office/drawing/2014/main" id="{79FA7970-116E-EEAC-5D26-70804C5DE10A}"/>
+              </a:ext>
+            </a:extLst>
+          </p:cNvPr>
+          <p:cNvCxnSpPr>
+            <a:cxnSpLocks/>
+          </p:cNvCxnSpPr>
+          <p:nvPr/>
+        </p:nvCxnSpPr>
+        <p:spPr>
+          <a:xfrm>
+            <a:off x="2815118" y="1592494"/>
+            <a:ext cx="0" cy="3359650"/>
+          </a:xfrm>
+          <a:prstGeom prst="line">
+            <a:avLst/>
+          </a:prstGeom>
+          <a:ln w="19050">
+            <a:solidFill>
+              <a:schemeClr val="tx1"/>
+            </a:solidFill>
+          </a:ln>
+        </p:spPr>
+        <p:style>
+          <a:lnRef idx="1">
+            <a:schemeClr val="accent1"/>
+          </a:lnRef>
+          <a:fillRef idx="0">
+            <a:schemeClr val="accent1"/>
+          </a:fillRef>
+          <a:effectRef idx="0">
+            <a:schemeClr val="accent1"/>
+          </a:effectRef>
+          <a:fontRef idx="minor">
+            <a:schemeClr val="tx1"/>
+          </a:fontRef>
+        </p:style>
+      </p:cxnSp>
+      <p:cxnSp>
+        <p:nvCxnSpPr>
+          <p:cNvPr id="6" name="Straight Connector 5">
+            <a:extLst>
+              <a:ext uri="{FF2B5EF4-FFF2-40B4-BE49-F238E27FC236}">
+                <a16:creationId xmlns:a16="http://schemas.microsoft.com/office/drawing/2014/main" id="{AF8B2517-9C3F-A5C6-4B33-8F641F61F6C4}"/>
+              </a:ext>
+            </a:extLst>
+          </p:cNvPr>
+          <p:cNvCxnSpPr>
+            <a:cxnSpLocks/>
+          </p:cNvCxnSpPr>
+          <p:nvPr/>
+        </p:nvCxnSpPr>
+        <p:spPr>
+          <a:xfrm flipH="1">
+            <a:off x="452062" y="2135312"/>
+            <a:ext cx="9832369" cy="0"/>
+          </a:xfrm>
+          <a:prstGeom prst="line">
+            <a:avLst/>
+          </a:prstGeom>
+          <a:ln w="19050">
+            <a:solidFill>
+              <a:schemeClr val="tx1"/>
+            </a:solidFill>
+          </a:ln>
+        </p:spPr>
+        <p:style>
+          <a:lnRef idx="1">
+            <a:schemeClr val="accent1"/>
+          </a:lnRef>
+          <a:fillRef idx="0">
+            <a:schemeClr val="accent1"/>
+          </a:fillRef>
+          <a:effectRef idx="0">
+            <a:schemeClr val="accent1"/>
+          </a:effectRef>
+          <a:fontRef idx="minor">
+            <a:schemeClr val="tx1"/>
+          </a:fontRef>
+        </p:style>
+      </p:cxnSp>
+      <p:cxnSp>
+        <p:nvCxnSpPr>
+          <p:cNvPr id="9" name="Straight Connector 8">
+            <a:extLst>
+              <a:ext uri="{FF2B5EF4-FFF2-40B4-BE49-F238E27FC236}">
+                <a16:creationId xmlns:a16="http://schemas.microsoft.com/office/drawing/2014/main" id="{F63035BC-C0DF-A808-7A1C-61DA1F2C4A96}"/>
+              </a:ext>
+            </a:extLst>
+          </p:cNvPr>
+          <p:cNvCxnSpPr>
+            <a:cxnSpLocks/>
+          </p:cNvCxnSpPr>
+          <p:nvPr/>
+        </p:nvCxnSpPr>
+        <p:spPr>
+          <a:xfrm flipH="1">
+            <a:off x="2806559" y="3165298"/>
+            <a:ext cx="7087456" cy="0"/>
+          </a:xfrm>
+          <a:prstGeom prst="line">
+            <a:avLst/>
+          </a:prstGeom>
+          <a:ln w="12700">
+            <a:solidFill>
+              <a:schemeClr val="tx1"/>
+            </a:solidFill>
+          </a:ln>
+        </p:spPr>
+        <p:style>
+          <a:lnRef idx="1">
+            <a:schemeClr val="accent1"/>
+          </a:lnRef>
+          <a:fillRef idx="0">
+            <a:schemeClr val="accent1"/>
+          </a:fillRef>
+          <a:effectRef idx="0">
+            <a:schemeClr val="accent1"/>
+          </a:effectRef>
+          <a:fontRef idx="minor">
+            <a:schemeClr val="tx1"/>
+          </a:fontRef>
+        </p:style>
+      </p:cxnSp>
+      <p:cxnSp>
+        <p:nvCxnSpPr>
+          <p:cNvPr id="12" name="Straight Connector 11">
+            <a:extLst>
+              <a:ext uri="{FF2B5EF4-FFF2-40B4-BE49-F238E27FC236}">
+                <a16:creationId xmlns:a16="http://schemas.microsoft.com/office/drawing/2014/main" id="{BB1457E0-83E7-F355-1CDD-649CBCCB2701}"/>
+              </a:ext>
+            </a:extLst>
+          </p:cNvPr>
+          <p:cNvCxnSpPr>
+            <a:cxnSpLocks/>
+          </p:cNvCxnSpPr>
+          <p:nvPr/>
+        </p:nvCxnSpPr>
+        <p:spPr>
+          <a:xfrm>
+            <a:off x="5270643" y="2135312"/>
+            <a:ext cx="0" cy="2816832"/>
+          </a:xfrm>
+          <a:prstGeom prst="line">
+            <a:avLst/>
+          </a:prstGeom>
+          <a:ln w="12700">
+            <a:solidFill>
+              <a:schemeClr val="tx1"/>
+            </a:solidFill>
+          </a:ln>
+        </p:spPr>
+        <p:style>
+          <a:lnRef idx="1">
+            <a:schemeClr val="accent1"/>
+          </a:lnRef>
+          <a:fillRef idx="0">
+            <a:schemeClr val="accent1"/>
+          </a:fillRef>
+          <a:effectRef idx="0">
+            <a:schemeClr val="accent1"/>
+          </a:effectRef>
+          <a:fontRef idx="minor">
+            <a:schemeClr val="tx1"/>
+          </a:fontRef>
+        </p:style>
+      </p:cxnSp>
+      <p:sp>
+        <p:nvSpPr>
+          <p:cNvPr id="4" name="TextBox 3">
+            <a:extLst>
+              <a:ext uri="{FF2B5EF4-FFF2-40B4-BE49-F238E27FC236}">
+                <a16:creationId xmlns:a16="http://schemas.microsoft.com/office/drawing/2014/main" id="{BF14958F-7572-BE77-C964-D5E8952381CA}"/>
+              </a:ext>
+            </a:extLst>
+          </p:cNvPr>
+          <p:cNvSpPr txBox="1"/>
+          <p:nvPr/>
+        </p:nvSpPr>
+        <p:spPr>
+          <a:xfrm>
+            <a:off x="10085798" y="173974"/>
+            <a:ext cx="1869897" cy="461665"/>
+          </a:xfrm>
+          <a:prstGeom prst="rect">
+            <a:avLst/>
+          </a:prstGeom>
+          <a:noFill/>
+        </p:spPr>
+        <p:txBody>
+          <a:bodyPr wrap="square">
+            <a:spAutoFit/>
+          </a:bodyPr>
+          <a:lstStyle/>
+          <a:p>
+            <a:pPr algn="r"/>
+            <a:r>
+              <a:rPr lang="en-US" sz="2400" dirty="0">
+                <a:latin typeface="Monaco" pitchFamily="2" charset="77"/>
+              </a:rPr>
+              <a:t>prefix=?</a:t>
+            </a:r>
+            <a:endParaRPr lang="en-US" sz="2400" dirty="0"/>
           </a:p>
         </p:txBody>
       </p:sp>
     </p:spTree>
     <p:extLst>
       <p:ext uri="{BB962C8B-B14F-4D97-AF65-F5344CB8AC3E}">
-        <p14:creationId xmlns:p14="http://schemas.microsoft.com/office/powerpoint/2010/main" val="1073222993"/>
+        <p14:creationId xmlns:p14="http://schemas.microsoft.com/office/powerpoint/2010/main" val="1277310005"/>
       </p:ext>
     </p:extLst>
   </p:cSld>
@@ -7801,7 +8173,7 @@
         <p:spPr>
           <a:xfrm>
             <a:off x="452062" y="1347797"/>
-            <a:ext cx="10695398" cy="3139321"/>
+            <a:ext cx="10695398" cy="3416320"/>
           </a:xfrm>
           <a:prstGeom prst="rect">
             <a:avLst/>
@@ -7850,7 +8222,7 @@
               <a:rPr lang="en-US" dirty="0">
                 <a:latin typeface="Monaco" pitchFamily="2" charset="77"/>
               </a:rPr>
-              <a:t>empty</a:t>
+              <a:t>empty                  true  [1]     true                         [1]</a:t>
             </a:r>
           </a:p>
           <a:p>
@@ -7873,7 +8245,7 @@
               <a:rPr lang="en-US" dirty="0">
                 <a:latin typeface="Monaco" pitchFamily="2" charset="77"/>
               </a:rPr>
-              <a:t>(cons String</a:t>
+              <a:t>(cons String           false [2]     (and (string=? (first lst1)  [3] </a:t>
             </a:r>
           </a:p>
           <a:p>
@@ -7881,7 +8253,7 @@
               <a:rPr lang="en-US" dirty="0">
                 <a:latin typeface="Monaco" pitchFamily="2" charset="77"/>
               </a:rPr>
-              <a:t>      LOS)</a:t>
+              <a:t>      LOS)                                          (first lst2))</a:t>
             </a:r>
           </a:p>
           <a:p>
@@ -7889,7 +8261,15 @@
               <a:rPr lang="en-US" dirty="0">
                 <a:latin typeface="Monaco" pitchFamily="2" charset="77"/>
               </a:rPr>
-              <a:t>                                          </a:t>
+              <a:t>                                          (prefix=? (rest lst1)</a:t>
+            </a:r>
+          </a:p>
+          <a:p>
+            <a:r>
+              <a:rPr lang="en-US" dirty="0">
+                <a:latin typeface="Monaco" pitchFamily="2" charset="77"/>
+              </a:rPr>
+              <a:t>                                                    (rest lst2)))</a:t>
             </a:r>
           </a:p>
         </p:txBody>
@@ -8068,10 +8448,10 @@
       </p:cxnSp>
       <p:sp>
         <p:nvSpPr>
-          <p:cNvPr id="4" name="TextBox 3">
-            <a:extLst>
-              <a:ext uri="{FF2B5EF4-FFF2-40B4-BE49-F238E27FC236}">
-                <a16:creationId xmlns:a16="http://schemas.microsoft.com/office/drawing/2014/main" id="{BF14958F-7572-BE77-C964-D5E8952381CA}"/>
+          <p:cNvPr id="2" name="TextBox 1">
+            <a:extLst>
+              <a:ext uri="{FF2B5EF4-FFF2-40B4-BE49-F238E27FC236}">
+                <a16:creationId xmlns:a16="http://schemas.microsoft.com/office/drawing/2014/main" id="{30931B05-8FD8-16F2-CF46-99A66F679B8C}"/>
               </a:ext>
             </a:extLst>
           </p:cNvPr>
@@ -8108,7 +8488,7 @@
     </p:spTree>
     <p:extLst>
       <p:ext uri="{BB962C8B-B14F-4D97-AF65-F5344CB8AC3E}">
-        <p14:creationId xmlns:p14="http://schemas.microsoft.com/office/powerpoint/2010/main" val="1277310005"/>
+        <p14:creationId xmlns:p14="http://schemas.microsoft.com/office/powerpoint/2010/main" val="241478004"/>
       </p:ext>
     </p:extLst>
   </p:cSld>
@@ -8459,6 +8839,269 @@
               <a:t>prefix=?</a:t>
             </a:r>
             <a:endParaRPr lang="en-US" sz="2400" dirty="0"/>
+          </a:p>
+        </p:txBody>
+      </p:sp>
+      <p:sp>
+        <p:nvSpPr>
+          <p:cNvPr id="4" name="Oval 3">
+            <a:extLst>
+              <a:ext uri="{FF2B5EF4-FFF2-40B4-BE49-F238E27FC236}">
+                <a16:creationId xmlns:a16="http://schemas.microsoft.com/office/drawing/2014/main" id="{4E52583B-77AA-E51E-75E9-3516A74250CC}"/>
+              </a:ext>
+            </a:extLst>
+          </p:cNvPr>
+          <p:cNvSpPr/>
+          <p:nvPr/>
+        </p:nvSpPr>
+        <p:spPr>
+          <a:xfrm>
+            <a:off x="357447" y="1347797"/>
+            <a:ext cx="2457671" cy="888327"/>
+          </a:xfrm>
+          <a:prstGeom prst="ellipse">
+            <a:avLst/>
+          </a:prstGeom>
+          <a:solidFill>
+            <a:srgbClr val="548DF6">
+              <a:alpha val="26000"/>
+            </a:srgbClr>
+          </a:solidFill>
+        </p:spPr>
+        <p:style>
+          <a:lnRef idx="2">
+            <a:schemeClr val="accent1">
+              <a:shade val="15000"/>
+            </a:schemeClr>
+          </a:lnRef>
+          <a:fillRef idx="1">
+            <a:schemeClr val="accent1"/>
+          </a:fillRef>
+          <a:effectRef idx="0">
+            <a:schemeClr val="accent1"/>
+          </a:effectRef>
+          <a:fontRef idx="minor">
+            <a:schemeClr val="lt1"/>
+          </a:fontRef>
+        </p:style>
+        <p:txBody>
+          <a:bodyPr rtlCol="0" anchor="ctr"/>
+          <a:lstStyle/>
+          <a:p>
+            <a:pPr algn="ctr"/>
+            <a:endParaRPr lang="en-US"/>
+          </a:p>
+        </p:txBody>
+      </p:sp>
+      <p:sp>
+        <p:nvSpPr>
+          <p:cNvPr id="7" name="Rounded Rectangle 6">
+            <a:extLst>
+              <a:ext uri="{FF2B5EF4-FFF2-40B4-BE49-F238E27FC236}">
+                <a16:creationId xmlns:a16="http://schemas.microsoft.com/office/drawing/2014/main" id="{B643EFAB-796C-3E56-74C3-ED016C8451BA}"/>
+              </a:ext>
+            </a:extLst>
+          </p:cNvPr>
+          <p:cNvSpPr/>
+          <p:nvPr/>
+        </p:nvSpPr>
+        <p:spPr>
+          <a:xfrm>
+            <a:off x="357448" y="2402846"/>
+            <a:ext cx="2169621" cy="2304601"/>
+          </a:xfrm>
+          <a:prstGeom prst="roundRect">
+            <a:avLst/>
+          </a:prstGeom>
+          <a:solidFill>
+            <a:srgbClr val="FF0000">
+              <a:alpha val="28235"/>
+            </a:srgbClr>
+          </a:solidFill>
+        </p:spPr>
+        <p:style>
+          <a:lnRef idx="2">
+            <a:schemeClr val="accent1">
+              <a:shade val="15000"/>
+            </a:schemeClr>
+          </a:lnRef>
+          <a:fillRef idx="1">
+            <a:schemeClr val="accent1"/>
+          </a:fillRef>
+          <a:effectRef idx="0">
+            <a:schemeClr val="accent1"/>
+          </a:effectRef>
+          <a:fontRef idx="minor">
+            <a:schemeClr val="lt1"/>
+          </a:fontRef>
+        </p:style>
+        <p:txBody>
+          <a:bodyPr rtlCol="0" anchor="ctr"/>
+          <a:lstStyle/>
+          <a:p>
+            <a:pPr algn="ctr"/>
+            <a:endParaRPr lang="en-US" dirty="0"/>
+          </a:p>
+        </p:txBody>
+      </p:sp>
+      <p:sp>
+        <p:nvSpPr>
+          <p:cNvPr id="8" name="Rounded Rectangle 7">
+            <a:extLst>
+              <a:ext uri="{FF2B5EF4-FFF2-40B4-BE49-F238E27FC236}">
+                <a16:creationId xmlns:a16="http://schemas.microsoft.com/office/drawing/2014/main" id="{0421E8CC-899D-27BF-E02C-B12200955EAB}"/>
+              </a:ext>
+            </a:extLst>
+          </p:cNvPr>
+          <p:cNvSpPr/>
+          <p:nvPr/>
+        </p:nvSpPr>
+        <p:spPr>
+          <a:xfrm>
+            <a:off x="3053714" y="1377797"/>
+            <a:ext cx="6577301" cy="656704"/>
+          </a:xfrm>
+          <a:prstGeom prst="roundRect">
+            <a:avLst/>
+          </a:prstGeom>
+          <a:solidFill>
+            <a:srgbClr val="FF0000">
+              <a:alpha val="28235"/>
+            </a:srgbClr>
+          </a:solidFill>
+        </p:spPr>
+        <p:style>
+          <a:lnRef idx="2">
+            <a:schemeClr val="accent1">
+              <a:shade val="15000"/>
+            </a:schemeClr>
+          </a:lnRef>
+          <a:fillRef idx="1">
+            <a:schemeClr val="accent1"/>
+          </a:fillRef>
+          <a:effectRef idx="0">
+            <a:schemeClr val="accent1"/>
+          </a:effectRef>
+          <a:fontRef idx="minor">
+            <a:schemeClr val="lt1"/>
+          </a:fontRef>
+        </p:style>
+        <p:txBody>
+          <a:bodyPr rtlCol="0" anchor="ctr"/>
+          <a:lstStyle/>
+          <a:p>
+            <a:pPr algn="ctr"/>
+            <a:endParaRPr lang="en-US" dirty="0"/>
+          </a:p>
+        </p:txBody>
+      </p:sp>
+      <p:sp>
+        <p:nvSpPr>
+          <p:cNvPr id="10" name="TextBox 9">
+            <a:extLst>
+              <a:ext uri="{FF2B5EF4-FFF2-40B4-BE49-F238E27FC236}">
+                <a16:creationId xmlns:a16="http://schemas.microsoft.com/office/drawing/2014/main" id="{144CAD0C-55E5-663F-1F27-84D92BBA23D3}"/>
+              </a:ext>
+            </a:extLst>
+          </p:cNvPr>
+          <p:cNvSpPr txBox="1"/>
+          <p:nvPr/>
+        </p:nvSpPr>
+        <p:spPr>
+          <a:xfrm>
+            <a:off x="6096000" y="5354424"/>
+            <a:ext cx="6390859" cy="1200329"/>
+          </a:xfrm>
+          <a:prstGeom prst="rect">
+            <a:avLst/>
+          </a:prstGeom>
+          <a:noFill/>
+        </p:spPr>
+        <p:txBody>
+          <a:bodyPr wrap="square" rtlCol="0">
+            <a:spAutoFit/>
+          </a:bodyPr>
+          <a:lstStyle/>
+          <a:p>
+            <a:r>
+              <a:rPr lang="en-US" sz="2400" dirty="0">
+                <a:solidFill>
+                  <a:srgbClr val="548DF6"/>
+                </a:solidFill>
+              </a:rPr>
+              <a:t>parameters</a:t>
+            </a:r>
+          </a:p>
+          <a:p>
+            <a:r>
+              <a:rPr lang="en-US" sz="2400" dirty="0">
+                <a:solidFill>
+                  <a:srgbClr val="FF0000"/>
+                </a:solidFill>
+              </a:rPr>
+              <a:t>type expressions (bits of type comments)</a:t>
+            </a:r>
+          </a:p>
+          <a:p>
+            <a:r>
+              <a:rPr lang="en-US" sz="2400" dirty="0">
+                <a:solidFill>
+                  <a:srgbClr val="00B050"/>
+                </a:solidFill>
+              </a:rPr>
+              <a:t>expressions (code)</a:t>
+            </a:r>
+          </a:p>
+        </p:txBody>
+      </p:sp>
+      <p:sp>
+        <p:nvSpPr>
+          <p:cNvPr id="11" name="Rectangle 10">
+            <a:extLst>
+              <a:ext uri="{FF2B5EF4-FFF2-40B4-BE49-F238E27FC236}">
+                <a16:creationId xmlns:a16="http://schemas.microsoft.com/office/drawing/2014/main" id="{F8CA7920-38F8-3955-87F4-354B6C53C27D}"/>
+              </a:ext>
+            </a:extLst>
+          </p:cNvPr>
+          <p:cNvSpPr/>
+          <p:nvPr/>
+        </p:nvSpPr>
+        <p:spPr>
+          <a:xfrm>
+            <a:off x="2961861" y="2196058"/>
+            <a:ext cx="7235687" cy="2735684"/>
+          </a:xfrm>
+          <a:prstGeom prst="rect">
+            <a:avLst/>
+          </a:prstGeom>
+          <a:solidFill>
+            <a:srgbClr val="00B050">
+              <a:alpha val="32212"/>
+            </a:srgbClr>
+          </a:solidFill>
+        </p:spPr>
+        <p:style>
+          <a:lnRef idx="2">
+            <a:schemeClr val="accent1">
+              <a:shade val="15000"/>
+            </a:schemeClr>
+          </a:lnRef>
+          <a:fillRef idx="1">
+            <a:schemeClr val="accent1"/>
+          </a:fillRef>
+          <a:effectRef idx="0">
+            <a:schemeClr val="accent1"/>
+          </a:effectRef>
+          <a:fontRef idx="minor">
+            <a:schemeClr val="lt1"/>
+          </a:fontRef>
+        </p:style>
+        <p:txBody>
+          <a:bodyPr rtlCol="0" anchor="ctr"/>
+          <a:lstStyle/>
+          <a:p>
+            <a:pPr algn="ctr"/>
+            <a:endParaRPr lang="en-US"/>
           </a:p>
         </p:txBody>
       </p:sp>
